--- a/Proj/Texas holdem.pptx
+++ b/Proj/Texas holdem.pptx
@@ -8,16 +8,17 @@
     <p:sldId id="256" r:id="rId2"/>
     <p:sldId id="257" r:id="rId3"/>
     <p:sldId id="258" r:id="rId4"/>
-    <p:sldId id="259" r:id="rId5"/>
-    <p:sldId id="260" r:id="rId6"/>
-    <p:sldId id="261" r:id="rId7"/>
-    <p:sldId id="266" r:id="rId8"/>
-    <p:sldId id="267" r:id="rId9"/>
-    <p:sldId id="268" r:id="rId10"/>
-    <p:sldId id="262" r:id="rId11"/>
-    <p:sldId id="263" r:id="rId12"/>
-    <p:sldId id="264" r:id="rId13"/>
-    <p:sldId id="265" r:id="rId14"/>
+    <p:sldId id="269" r:id="rId5"/>
+    <p:sldId id="259" r:id="rId6"/>
+    <p:sldId id="260" r:id="rId7"/>
+    <p:sldId id="261" r:id="rId8"/>
+    <p:sldId id="273" r:id="rId9"/>
+    <p:sldId id="266" r:id="rId10"/>
+    <p:sldId id="274" r:id="rId11"/>
+    <p:sldId id="262" r:id="rId12"/>
+    <p:sldId id="263" r:id="rId13"/>
+    <p:sldId id="264" r:id="rId14"/>
+    <p:sldId id="265" r:id="rId15"/>
   </p:sldIdLst>
   <p:sldSz cx="12192000" cy="6858000"/>
   <p:notesSz cx="6858000" cy="9144000"/>
@@ -263,7 +264,7 @@
           <a:p>
             <a:fld id="{48A87A34-81AB-432B-8DAE-1953F412C126}" type="datetimeFigureOut">
               <a:rPr lang="en-US" dirty="0"/>
-              <a:t>10/16/2019</a:t>
+              <a:t>10/20/2019</a:t>
             </a:fld>
             <a:endParaRPr lang="en-US" dirty="0"/>
           </a:p>
@@ -469,7 +470,7 @@
           <a:p>
             <a:fld id="{48A87A34-81AB-432B-8DAE-1953F412C126}" type="datetimeFigureOut">
               <a:rPr lang="en-US" dirty="0"/>
-              <a:t>10/16/2019</a:t>
+              <a:t>10/20/2019</a:t>
             </a:fld>
             <a:endParaRPr lang="en-US" dirty="0"/>
           </a:p>
@@ -679,7 +680,7 @@
           <a:p>
             <a:fld id="{48A87A34-81AB-432B-8DAE-1953F412C126}" type="datetimeFigureOut">
               <a:rPr lang="en-US" dirty="0"/>
-              <a:t>10/16/2019</a:t>
+              <a:t>10/20/2019</a:t>
             </a:fld>
             <a:endParaRPr lang="en-US" dirty="0"/>
           </a:p>
@@ -875,7 +876,7 @@
           <a:p>
             <a:fld id="{48A87A34-81AB-432B-8DAE-1953F412C126}" type="datetimeFigureOut">
               <a:rPr lang="en-US" dirty="0"/>
-              <a:t>10/16/2019</a:t>
+              <a:t>10/20/2019</a:t>
             </a:fld>
             <a:endParaRPr lang="en-US" dirty="0"/>
           </a:p>
@@ -1149,7 +1150,7 @@
           <a:p>
             <a:fld id="{48A87A34-81AB-432B-8DAE-1953F412C126}" type="datetimeFigureOut">
               <a:rPr lang="en-US" dirty="0"/>
-              <a:t>10/16/2019</a:t>
+              <a:t>10/20/2019</a:t>
             </a:fld>
             <a:endParaRPr lang="en-US" dirty="0"/>
           </a:p>
@@ -1412,7 +1413,7 @@
           <a:p>
             <a:fld id="{48A87A34-81AB-432B-8DAE-1953F412C126}" type="datetimeFigureOut">
               <a:rPr lang="en-US" dirty="0"/>
-              <a:t>10/16/2019</a:t>
+              <a:t>10/20/2019</a:t>
             </a:fld>
             <a:endParaRPr lang="en-US" dirty="0"/>
           </a:p>
@@ -1823,7 +1824,7 @@
           <a:p>
             <a:fld id="{48A87A34-81AB-432B-8DAE-1953F412C126}" type="datetimeFigureOut">
               <a:rPr lang="en-US" dirty="0"/>
-              <a:t>10/16/2019</a:t>
+              <a:t>10/20/2019</a:t>
             </a:fld>
             <a:endParaRPr lang="en-US" dirty="0"/>
           </a:p>
@@ -1967,7 +1968,7 @@
           <a:p>
             <a:fld id="{48A87A34-81AB-432B-8DAE-1953F412C126}" type="datetimeFigureOut">
               <a:rPr lang="en-US" dirty="0"/>
-              <a:t>10/16/2019</a:t>
+              <a:t>10/20/2019</a:t>
             </a:fld>
             <a:endParaRPr lang="en-US" dirty="0"/>
           </a:p>
@@ -2088,7 +2089,7 @@
           <a:p>
             <a:fld id="{48A87A34-81AB-432B-8DAE-1953F412C126}" type="datetimeFigureOut">
               <a:rPr lang="en-US" dirty="0"/>
-              <a:t>10/16/2019</a:t>
+              <a:t>10/20/2019</a:t>
             </a:fld>
             <a:endParaRPr lang="en-US" dirty="0"/>
           </a:p>
@@ -2334,7 +2335,7 @@
           <a:p>
             <a:fld id="{48A87A34-81AB-432B-8DAE-1953F412C126}" type="datetimeFigureOut">
               <a:rPr lang="en-US" dirty="0"/>
-              <a:t>10/16/2019</a:t>
+              <a:t>10/20/2019</a:t>
             </a:fld>
             <a:endParaRPr lang="en-US" dirty="0"/>
           </a:p>
@@ -2775,7 +2776,7 @@
             <a:fld id="{48A87A34-81AB-432B-8DAE-1953F412C126}" type="datetimeFigureOut">
               <a:rPr lang="en-US" dirty="0"/>
               <a:pPr/>
-              <a:t>10/16/2019</a:t>
+              <a:t>10/20/2019</a:t>
             </a:fld>
             <a:endParaRPr lang="en-US" dirty="0"/>
           </a:p>
@@ -3098,7 +3099,7 @@
             <a:fld id="{48A87A34-81AB-432B-8DAE-1953F412C126}" type="datetimeFigureOut">
               <a:rPr lang="en-US" dirty="0"/>
               <a:pPr/>
-              <a:t>10/16/2019</a:t>
+              <a:t>10/20/2019</a:t>
             </a:fld>
             <a:endParaRPr lang="en-US" dirty="0"/>
           </a:p>
@@ -3663,6 +3664,344 @@
 </file>
 
 <file path=ppt/slides/slide10.xml><?xml version="1.0" encoding="utf-8"?>
+<p:sld xmlns:a="http://schemas.openxmlformats.org/drawingml/2006/main" xmlns:r="http://schemas.openxmlformats.org/officeDocument/2006/relationships" xmlns:p="http://schemas.openxmlformats.org/presentationml/2006/main">
+  <p:cSld>
+    <p:spTree>
+      <p:nvGrpSpPr>
+        <p:cNvPr id="1" name=""/>
+        <p:cNvGrpSpPr/>
+        <p:nvPr/>
+      </p:nvGrpSpPr>
+      <p:grpSpPr>
+        <a:xfrm>
+          <a:off x="0" y="0"/>
+          <a:ext cx="0" cy="0"/>
+          <a:chOff x="0" y="0"/>
+          <a:chExt cx="0" cy="0"/>
+        </a:xfrm>
+      </p:grpSpPr>
+      <p:sp>
+        <p:nvSpPr>
+          <p:cNvPr id="2" name="제목 1">
+            <a:extLst>
+              <a:ext uri="{FF2B5EF4-FFF2-40B4-BE49-F238E27FC236}">
+                <a16:creationId xmlns:a16="http://schemas.microsoft.com/office/drawing/2014/main" id="{F7AF2753-E1AE-4F42-8EA8-D7230A82F685}"/>
+              </a:ext>
+            </a:extLst>
+          </p:cNvPr>
+          <p:cNvSpPr>
+            <a:spLocks noGrp="1"/>
+          </p:cNvSpPr>
+          <p:nvPr>
+            <p:ph type="title"/>
+          </p:nvPr>
+        </p:nvSpPr>
+        <p:spPr/>
+        <p:txBody>
+          <a:bodyPr/>
+          <a:lstStyle/>
+          <a:p>
+            <a:r>
+              <a:rPr lang="en-US" dirty="0"/>
+              <a:t>Object 1</a:t>
+            </a:r>
+            <a:br>
+              <a:rPr lang="en-US" dirty="0"/>
+            </a:br>
+            <a:r>
+              <a:rPr lang="en-US" dirty="0"/>
+              <a:t> - </a:t>
+            </a:r>
+            <a:r>
+              <a:rPr lang="en-US" dirty="0">
+                <a:solidFill>
+                  <a:schemeClr val="accent1"/>
+                </a:solidFill>
+              </a:rPr>
+              <a:t>(4)</a:t>
+            </a:r>
+            <a:r>
+              <a:rPr lang="en-US" dirty="0"/>
+              <a:t> </a:t>
+            </a:r>
+            <a:r>
+              <a:rPr lang="en-US" dirty="0">
+                <a:solidFill>
+                  <a:schemeClr val="accent1"/>
+                </a:solidFill>
+              </a:rPr>
+              <a:t>Dealer </a:t>
+            </a:r>
+            <a:endParaRPr lang="en-US" dirty="0"/>
+          </a:p>
+        </p:txBody>
+      </p:sp>
+      <p:pic>
+        <p:nvPicPr>
+          <p:cNvPr id="5" name="그림 4">
+            <a:extLst>
+              <a:ext uri="{FF2B5EF4-FFF2-40B4-BE49-F238E27FC236}">
+                <a16:creationId xmlns:a16="http://schemas.microsoft.com/office/drawing/2014/main" id="{FAB6CFD2-D5C8-4006-8655-B82D42420FCA}"/>
+              </a:ext>
+            </a:extLst>
+          </p:cNvPr>
+          <p:cNvPicPr>
+            <a:picLocks noChangeAspect="1"/>
+          </p:cNvPicPr>
+          <p:nvPr/>
+        </p:nvPicPr>
+        <p:blipFill>
+          <a:blip r:embed="rId2"/>
+          <a:stretch>
+            <a:fillRect/>
+          </a:stretch>
+        </p:blipFill>
+        <p:spPr>
+          <a:xfrm>
+            <a:off x="1698523" y="2865097"/>
+            <a:ext cx="1381125" cy="1447800"/>
+          </a:xfrm>
+          <a:prstGeom prst="rect">
+            <a:avLst/>
+          </a:prstGeom>
+        </p:spPr>
+      </p:pic>
+      <p:sp>
+        <p:nvSpPr>
+          <p:cNvPr id="8" name="직사각형 7">
+            <a:extLst>
+              <a:ext uri="{FF2B5EF4-FFF2-40B4-BE49-F238E27FC236}">
+                <a16:creationId xmlns:a16="http://schemas.microsoft.com/office/drawing/2014/main" id="{1504ADFD-0375-4D57-A0E5-87A44758864B}"/>
+              </a:ext>
+            </a:extLst>
+          </p:cNvPr>
+          <p:cNvSpPr/>
+          <p:nvPr/>
+        </p:nvSpPr>
+        <p:spPr>
+          <a:xfrm>
+            <a:off x="3490730" y="2142511"/>
+            <a:ext cx="4070130" cy="310591"/>
+          </a:xfrm>
+          <a:prstGeom prst="rect">
+            <a:avLst/>
+          </a:prstGeom>
+          <a:solidFill>
+            <a:schemeClr val="accent5">
+              <a:lumMod val="50000"/>
+            </a:schemeClr>
+          </a:solidFill>
+        </p:spPr>
+        <p:style>
+          <a:lnRef idx="2">
+            <a:schemeClr val="accent1">
+              <a:shade val="50000"/>
+            </a:schemeClr>
+          </a:lnRef>
+          <a:fillRef idx="1">
+            <a:schemeClr val="accent1"/>
+          </a:fillRef>
+          <a:effectRef idx="0">
+            <a:schemeClr val="accent1"/>
+          </a:effectRef>
+          <a:fontRef idx="minor">
+            <a:schemeClr val="lt1"/>
+          </a:fontRef>
+        </p:style>
+        <p:txBody>
+          <a:bodyPr rtlCol="0" anchor="ctr"/>
+          <a:lstStyle/>
+          <a:p>
+            <a:pPr algn="ctr"/>
+            <a:r>
+              <a:rPr lang="en-US" dirty="0"/>
+              <a:t>(4) Dealer Membership List</a:t>
+            </a:r>
+          </a:p>
+        </p:txBody>
+      </p:sp>
+      <p:sp>
+        <p:nvSpPr>
+          <p:cNvPr id="10" name="직사각형 9">
+            <a:extLst>
+              <a:ext uri="{FF2B5EF4-FFF2-40B4-BE49-F238E27FC236}">
+                <a16:creationId xmlns:a16="http://schemas.microsoft.com/office/drawing/2014/main" id="{33F10166-C4EC-4DDB-8683-F39634DEBD5D}"/>
+              </a:ext>
+            </a:extLst>
+          </p:cNvPr>
+          <p:cNvSpPr/>
+          <p:nvPr/>
+        </p:nvSpPr>
+        <p:spPr>
+          <a:xfrm>
+            <a:off x="317399" y="3069703"/>
+            <a:ext cx="1381124" cy="718593"/>
+          </a:xfrm>
+          <a:prstGeom prst="rect">
+            <a:avLst/>
+          </a:prstGeom>
+          <a:solidFill>
+            <a:schemeClr val="accent5">
+              <a:lumMod val="50000"/>
+            </a:schemeClr>
+          </a:solidFill>
+        </p:spPr>
+        <p:style>
+          <a:lnRef idx="2">
+            <a:schemeClr val="accent1">
+              <a:shade val="50000"/>
+            </a:schemeClr>
+          </a:lnRef>
+          <a:fillRef idx="1">
+            <a:schemeClr val="accent1"/>
+          </a:fillRef>
+          <a:effectRef idx="0">
+            <a:schemeClr val="accent1"/>
+          </a:effectRef>
+          <a:fontRef idx="minor">
+            <a:schemeClr val="lt1"/>
+          </a:fontRef>
+        </p:style>
+        <p:txBody>
+          <a:bodyPr rtlCol="0" anchor="ctr"/>
+          <a:lstStyle/>
+          <a:p>
+            <a:pPr algn="ctr"/>
+            <a:r>
+              <a:rPr lang="en-US" dirty="0"/>
+              <a:t>Class</a:t>
+            </a:r>
+          </a:p>
+          <a:p>
+            <a:pPr algn="ctr"/>
+            <a:r>
+              <a:rPr lang="en-US" dirty="0"/>
+              <a:t>Hierarchy</a:t>
+            </a:r>
+          </a:p>
+        </p:txBody>
+      </p:sp>
+      <p:cxnSp>
+        <p:nvCxnSpPr>
+          <p:cNvPr id="11" name="연결선: 꺾임 10">
+            <a:extLst>
+              <a:ext uri="{FF2B5EF4-FFF2-40B4-BE49-F238E27FC236}">
+                <a16:creationId xmlns:a16="http://schemas.microsoft.com/office/drawing/2014/main" id="{F94BC03B-B12D-410F-86B5-5E2C0F72C58A}"/>
+              </a:ext>
+            </a:extLst>
+          </p:cNvPr>
+          <p:cNvCxnSpPr>
+            <a:cxnSpLocks/>
+            <a:endCxn id="8" idx="1"/>
+          </p:cNvCxnSpPr>
+          <p:nvPr/>
+        </p:nvCxnSpPr>
+        <p:spPr>
+          <a:xfrm rot="5400000" flipH="1" flipV="1">
+            <a:off x="2603482" y="2541752"/>
+            <a:ext cx="1131192" cy="643303"/>
+          </a:xfrm>
+          <a:prstGeom prst="bentConnector2">
+            <a:avLst/>
+          </a:prstGeom>
+          <a:ln w="38100">
+            <a:solidFill>
+              <a:schemeClr val="accent5">
+                <a:lumMod val="60000"/>
+                <a:lumOff val="40000"/>
+              </a:schemeClr>
+            </a:solidFill>
+          </a:ln>
+        </p:spPr>
+        <p:style>
+          <a:lnRef idx="1">
+            <a:schemeClr val="accent1"/>
+          </a:lnRef>
+          <a:fillRef idx="0">
+            <a:schemeClr val="accent1"/>
+          </a:fillRef>
+          <a:effectRef idx="0">
+            <a:schemeClr val="accent1"/>
+          </a:effectRef>
+          <a:fontRef idx="minor">
+            <a:schemeClr val="tx1"/>
+          </a:fontRef>
+        </p:style>
+      </p:cxnSp>
+      <p:pic>
+        <p:nvPicPr>
+          <p:cNvPr id="3" name="그림 2">
+            <a:extLst>
+              <a:ext uri="{FF2B5EF4-FFF2-40B4-BE49-F238E27FC236}">
+                <a16:creationId xmlns:a16="http://schemas.microsoft.com/office/drawing/2014/main" id="{24EBA82F-09B1-4144-92EB-A2B73C317AEE}"/>
+              </a:ext>
+            </a:extLst>
+          </p:cNvPr>
+          <p:cNvPicPr>
+            <a:picLocks noChangeAspect="1"/>
+          </p:cNvPicPr>
+          <p:nvPr/>
+        </p:nvPicPr>
+        <p:blipFill>
+          <a:blip r:embed="rId3"/>
+          <a:stretch>
+            <a:fillRect/>
+          </a:stretch>
+        </p:blipFill>
+        <p:spPr>
+          <a:xfrm>
+            <a:off x="3435299" y="2480708"/>
+            <a:ext cx="4276725" cy="3648075"/>
+          </a:xfrm>
+          <a:prstGeom prst="rect">
+            <a:avLst/>
+          </a:prstGeom>
+        </p:spPr>
+      </p:pic>
+      <p:pic>
+        <p:nvPicPr>
+          <p:cNvPr id="4" name="그림 3">
+            <a:extLst>
+              <a:ext uri="{FF2B5EF4-FFF2-40B4-BE49-F238E27FC236}">
+                <a16:creationId xmlns:a16="http://schemas.microsoft.com/office/drawing/2014/main" id="{103A20E3-F165-4777-B2AD-EA5D596459C7}"/>
+              </a:ext>
+            </a:extLst>
+          </p:cNvPr>
+          <p:cNvPicPr>
+            <a:picLocks noChangeAspect="1"/>
+          </p:cNvPicPr>
+          <p:nvPr/>
+        </p:nvPicPr>
+        <p:blipFill>
+          <a:blip r:embed="rId4"/>
+          <a:stretch>
+            <a:fillRect/>
+          </a:stretch>
+        </p:blipFill>
+        <p:spPr>
+          <a:xfrm>
+            <a:off x="7841969" y="2004097"/>
+            <a:ext cx="4124325" cy="4143375"/>
+          </a:xfrm>
+          <a:prstGeom prst="rect">
+            <a:avLst/>
+          </a:prstGeom>
+        </p:spPr>
+      </p:pic>
+    </p:spTree>
+    <p:extLst>
+      <p:ext uri="{BB962C8B-B14F-4D97-AF65-F5344CB8AC3E}">
+        <p14:creationId xmlns:p14="http://schemas.microsoft.com/office/powerpoint/2010/main" val="2856603482"/>
+      </p:ext>
+    </p:extLst>
+  </p:cSld>
+  <p:clrMapOvr>
+    <a:masterClrMapping/>
+  </p:clrMapOvr>
+</p:sld>
+</file>
+
+<file path=ppt/slides/slide11.xml><?xml version="1.0" encoding="utf-8"?>
 <p:sld xmlns:a="http://schemas.openxmlformats.org/drawingml/2006/main" xmlns:r="http://schemas.openxmlformats.org/officeDocument/2006/relationships" xmlns:p="http://schemas.openxmlformats.org/presentationml/2006/main">
   <p:cSld>
     <p:spTree>
@@ -4262,7 +4601,7 @@
 </p:sld>
 </file>
 
-<file path=ppt/slides/slide11.xml><?xml version="1.0" encoding="utf-8"?>
+<file path=ppt/slides/slide12.xml><?xml version="1.0" encoding="utf-8"?>
 <p:sld xmlns:a="http://schemas.openxmlformats.org/drawingml/2006/main" xmlns:r="http://schemas.openxmlformats.org/officeDocument/2006/relationships" xmlns:p="http://schemas.openxmlformats.org/presentationml/2006/main">
   <p:cSld>
     <p:spTree>
@@ -6071,7 +6410,7 @@
 </p:sld>
 </file>
 
-<file path=ppt/slides/slide12.xml><?xml version="1.0" encoding="utf-8"?>
+<file path=ppt/slides/slide13.xml><?xml version="1.0" encoding="utf-8"?>
 <p:sld xmlns:a="http://schemas.openxmlformats.org/drawingml/2006/main" xmlns:r="http://schemas.openxmlformats.org/officeDocument/2006/relationships" xmlns:p="http://schemas.openxmlformats.org/presentationml/2006/main">
   <p:cSld>
     <p:spTree>
@@ -6538,7 +6877,7 @@
 </p:sld>
 </file>
 
-<file path=ppt/slides/slide13.xml><?xml version="1.0" encoding="utf-8"?>
+<file path=ppt/slides/slide14.xml><?xml version="1.0" encoding="utf-8"?>
 <p:sld xmlns:a="http://schemas.openxmlformats.org/drawingml/2006/main" xmlns:r="http://schemas.openxmlformats.org/officeDocument/2006/relationships" xmlns:p="http://schemas.openxmlformats.org/presentationml/2006/main">
   <p:cSld>
     <p:spTree>
@@ -7638,7 +7977,7 @@
                   <a:schemeClr val="accent1"/>
                 </a:solidFill>
               </a:rPr>
-              <a:t>rank of hands</a:t>
+              <a:t>how to distribute cards</a:t>
             </a:r>
           </a:p>
         </p:txBody>
@@ -7669,6 +8008,1614 @@
           <a:bodyPr/>
           <a:lstStyle/>
           <a:p>
+            <a:pPr marL="0" indent="0">
+              <a:buNone/>
+            </a:pPr>
+            <a:r>
+              <a:rPr lang="en-US" dirty="0">
+                <a:latin typeface="Arial" panose="020B0604020202020204" pitchFamily="34" charset="0"/>
+              </a:rPr>
+              <a:t>   </a:t>
+            </a:r>
+            <a:endParaRPr lang="en-US" dirty="0"/>
+          </a:p>
+        </p:txBody>
+      </p:sp>
+      <p:pic>
+        <p:nvPicPr>
+          <p:cNvPr id="6" name="그림 5">
+            <a:extLst>
+              <a:ext uri="{FF2B5EF4-FFF2-40B4-BE49-F238E27FC236}">
+                <a16:creationId xmlns:a16="http://schemas.microsoft.com/office/drawing/2014/main" id="{AC5F32AC-4879-4107-88A0-569EEF2569FD}"/>
+              </a:ext>
+            </a:extLst>
+          </p:cNvPr>
+          <p:cNvPicPr>
+            <a:picLocks noChangeAspect="1"/>
+          </p:cNvPicPr>
+          <p:nvPr/>
+        </p:nvPicPr>
+        <p:blipFill>
+          <a:blip r:embed="rId2"/>
+          <a:stretch>
+            <a:fillRect/>
+          </a:stretch>
+        </p:blipFill>
+        <p:spPr>
+          <a:xfrm>
+            <a:off x="1451579" y="2015732"/>
+            <a:ext cx="6232966" cy="3506043"/>
+          </a:xfrm>
+          <a:prstGeom prst="rect">
+            <a:avLst/>
+          </a:prstGeom>
+        </p:spPr>
+      </p:pic>
+      <p:sp>
+        <p:nvSpPr>
+          <p:cNvPr id="8" name="직사각형 7">
+            <a:extLst>
+              <a:ext uri="{FF2B5EF4-FFF2-40B4-BE49-F238E27FC236}">
+                <a16:creationId xmlns:a16="http://schemas.microsoft.com/office/drawing/2014/main" id="{54C4B0FE-761E-4C73-BEFD-DA47ED339D2C}"/>
+              </a:ext>
+            </a:extLst>
+          </p:cNvPr>
+          <p:cNvSpPr/>
+          <p:nvPr/>
+        </p:nvSpPr>
+        <p:spPr>
+          <a:xfrm>
+            <a:off x="3223549" y="2332299"/>
+            <a:ext cx="3802284" cy="1469985"/>
+          </a:xfrm>
+          <a:prstGeom prst="rect">
+            <a:avLst/>
+          </a:prstGeom>
+          <a:noFill/>
+          <a:ln w="57150"/>
+        </p:spPr>
+        <p:style>
+          <a:lnRef idx="2">
+            <a:schemeClr val="accent1">
+              <a:shade val="50000"/>
+            </a:schemeClr>
+          </a:lnRef>
+          <a:fillRef idx="1">
+            <a:schemeClr val="accent1"/>
+          </a:fillRef>
+          <a:effectRef idx="0">
+            <a:schemeClr val="accent1"/>
+          </a:effectRef>
+          <a:fontRef idx="minor">
+            <a:schemeClr val="lt1"/>
+          </a:fontRef>
+        </p:style>
+        <p:txBody>
+          <a:bodyPr rtlCol="0" anchor="ctr"/>
+          <a:lstStyle/>
+          <a:p>
+            <a:pPr algn="ctr"/>
+            <a:endParaRPr lang="en-US"/>
+          </a:p>
+        </p:txBody>
+      </p:sp>
+      <p:sp>
+        <p:nvSpPr>
+          <p:cNvPr id="17" name="TextBox 16">
+            <a:extLst>
+              <a:ext uri="{FF2B5EF4-FFF2-40B4-BE49-F238E27FC236}">
+                <a16:creationId xmlns:a16="http://schemas.microsoft.com/office/drawing/2014/main" id="{6A155BC7-6412-473F-A623-E270EA9B3FC2}"/>
+              </a:ext>
+            </a:extLst>
+          </p:cNvPr>
+          <p:cNvSpPr txBox="1"/>
+          <p:nvPr/>
+        </p:nvSpPr>
+        <p:spPr>
+          <a:xfrm>
+            <a:off x="3309533" y="1970090"/>
+            <a:ext cx="4567039" cy="369332"/>
+          </a:xfrm>
+          <a:prstGeom prst="rect">
+            <a:avLst/>
+          </a:prstGeom>
+          <a:noFill/>
+        </p:spPr>
+        <p:txBody>
+          <a:bodyPr wrap="square" rtlCol="0">
+            <a:spAutoFit/>
+          </a:bodyPr>
+          <a:lstStyle/>
+          <a:p>
+            <a:r>
+              <a:rPr lang="en-US" dirty="0">
+                <a:solidFill>
+                  <a:schemeClr val="bg1"/>
+                </a:solidFill>
+              </a:rPr>
+              <a:t>(1) Preflop - Each player receives two Cards</a:t>
+            </a:r>
+          </a:p>
+        </p:txBody>
+      </p:sp>
+      <p:sp>
+        <p:nvSpPr>
+          <p:cNvPr id="18" name="직사각형 17">
+            <a:extLst>
+              <a:ext uri="{FF2B5EF4-FFF2-40B4-BE49-F238E27FC236}">
+                <a16:creationId xmlns:a16="http://schemas.microsoft.com/office/drawing/2014/main" id="{30FED77F-E0D7-4B58-A89E-84D1D1E77B04}"/>
+              </a:ext>
+            </a:extLst>
+          </p:cNvPr>
+          <p:cNvSpPr/>
+          <p:nvPr/>
+        </p:nvSpPr>
+        <p:spPr>
+          <a:xfrm>
+            <a:off x="2980481" y="4062714"/>
+            <a:ext cx="2656390" cy="1186405"/>
+          </a:xfrm>
+          <a:prstGeom prst="rect">
+            <a:avLst/>
+          </a:prstGeom>
+          <a:noFill/>
+          <a:ln w="38100">
+            <a:solidFill>
+              <a:schemeClr val="accent4"/>
+            </a:solidFill>
+          </a:ln>
+        </p:spPr>
+        <p:style>
+          <a:lnRef idx="2">
+            <a:schemeClr val="accent1">
+              <a:shade val="50000"/>
+            </a:schemeClr>
+          </a:lnRef>
+          <a:fillRef idx="1">
+            <a:schemeClr val="accent1"/>
+          </a:fillRef>
+          <a:effectRef idx="0">
+            <a:schemeClr val="accent1"/>
+          </a:effectRef>
+          <a:fontRef idx="minor">
+            <a:schemeClr val="lt1"/>
+          </a:fontRef>
+        </p:style>
+        <p:txBody>
+          <a:bodyPr rtlCol="0" anchor="ctr"/>
+          <a:lstStyle/>
+          <a:p>
+            <a:pPr algn="ctr"/>
+            <a:endParaRPr lang="en-US"/>
+          </a:p>
+        </p:txBody>
+      </p:sp>
+      <p:sp>
+        <p:nvSpPr>
+          <p:cNvPr id="19" name="TextBox 18">
+            <a:extLst>
+              <a:ext uri="{FF2B5EF4-FFF2-40B4-BE49-F238E27FC236}">
+                <a16:creationId xmlns:a16="http://schemas.microsoft.com/office/drawing/2014/main" id="{94AA6EB0-9573-4BE3-8656-CB48DEC43757}"/>
+              </a:ext>
+            </a:extLst>
+          </p:cNvPr>
+          <p:cNvSpPr txBox="1"/>
+          <p:nvPr/>
+        </p:nvSpPr>
+        <p:spPr>
+          <a:xfrm>
+            <a:off x="3402956" y="5170373"/>
+            <a:ext cx="1678329" cy="369332"/>
+          </a:xfrm>
+          <a:prstGeom prst="rect">
+            <a:avLst/>
+          </a:prstGeom>
+          <a:noFill/>
+        </p:spPr>
+        <p:txBody>
+          <a:bodyPr wrap="square" rtlCol="0">
+            <a:spAutoFit/>
+          </a:bodyPr>
+          <a:lstStyle/>
+          <a:p>
+            <a:r>
+              <a:rPr lang="en-US" dirty="0">
+                <a:solidFill>
+                  <a:schemeClr val="bg1"/>
+                </a:solidFill>
+              </a:rPr>
+              <a:t>(2)flop</a:t>
+            </a:r>
+          </a:p>
+        </p:txBody>
+      </p:sp>
+      <p:sp>
+        <p:nvSpPr>
+          <p:cNvPr id="20" name="직사각형 19">
+            <a:extLst>
+              <a:ext uri="{FF2B5EF4-FFF2-40B4-BE49-F238E27FC236}">
+                <a16:creationId xmlns:a16="http://schemas.microsoft.com/office/drawing/2014/main" id="{5D41996E-3B4F-4BD0-A19C-0F42A3A34D33}"/>
+              </a:ext>
+            </a:extLst>
+          </p:cNvPr>
+          <p:cNvSpPr/>
+          <p:nvPr/>
+        </p:nvSpPr>
+        <p:spPr>
+          <a:xfrm>
+            <a:off x="6555131" y="4023877"/>
+            <a:ext cx="841797" cy="1186405"/>
+          </a:xfrm>
+          <a:prstGeom prst="rect">
+            <a:avLst/>
+          </a:prstGeom>
+          <a:noFill/>
+          <a:ln w="38100">
+            <a:solidFill>
+              <a:schemeClr val="accent4"/>
+            </a:solidFill>
+          </a:ln>
+        </p:spPr>
+        <p:style>
+          <a:lnRef idx="2">
+            <a:schemeClr val="accent1">
+              <a:shade val="50000"/>
+            </a:schemeClr>
+          </a:lnRef>
+          <a:fillRef idx="1">
+            <a:schemeClr val="accent1"/>
+          </a:fillRef>
+          <a:effectRef idx="0">
+            <a:schemeClr val="accent1"/>
+          </a:effectRef>
+          <a:fontRef idx="minor">
+            <a:schemeClr val="lt1"/>
+          </a:fontRef>
+        </p:style>
+        <p:txBody>
+          <a:bodyPr rtlCol="0" anchor="ctr"/>
+          <a:lstStyle/>
+          <a:p>
+            <a:pPr algn="ctr"/>
+            <a:endParaRPr lang="en-US"/>
+          </a:p>
+        </p:txBody>
+      </p:sp>
+      <p:sp>
+        <p:nvSpPr>
+          <p:cNvPr id="21" name="TextBox 20">
+            <a:extLst>
+              <a:ext uri="{FF2B5EF4-FFF2-40B4-BE49-F238E27FC236}">
+                <a16:creationId xmlns:a16="http://schemas.microsoft.com/office/drawing/2014/main" id="{7C3B8D33-F3DC-4FD8-9384-8281650BAB12}"/>
+              </a:ext>
+            </a:extLst>
+          </p:cNvPr>
+          <p:cNvSpPr txBox="1"/>
+          <p:nvPr/>
+        </p:nvSpPr>
+        <p:spPr>
+          <a:xfrm>
+            <a:off x="5571925" y="5206314"/>
+            <a:ext cx="841797" cy="369332"/>
+          </a:xfrm>
+          <a:prstGeom prst="rect">
+            <a:avLst/>
+          </a:prstGeom>
+          <a:noFill/>
+        </p:spPr>
+        <p:txBody>
+          <a:bodyPr wrap="square" rtlCol="0">
+            <a:spAutoFit/>
+          </a:bodyPr>
+          <a:lstStyle/>
+          <a:p>
+            <a:r>
+              <a:rPr lang="en-US" dirty="0">
+                <a:solidFill>
+                  <a:schemeClr val="bg1"/>
+                </a:solidFill>
+              </a:rPr>
+              <a:t>(3)turn</a:t>
+            </a:r>
+          </a:p>
+        </p:txBody>
+      </p:sp>
+      <p:sp>
+        <p:nvSpPr>
+          <p:cNvPr id="22" name="직사각형 21">
+            <a:extLst>
+              <a:ext uri="{FF2B5EF4-FFF2-40B4-BE49-F238E27FC236}">
+                <a16:creationId xmlns:a16="http://schemas.microsoft.com/office/drawing/2014/main" id="{A6C49632-194B-4DDF-8117-913EA35D33EB}"/>
+              </a:ext>
+            </a:extLst>
+          </p:cNvPr>
+          <p:cNvSpPr/>
+          <p:nvPr/>
+        </p:nvSpPr>
+        <p:spPr>
+          <a:xfrm>
+            <a:off x="5683754" y="4056738"/>
+            <a:ext cx="841797" cy="1186405"/>
+          </a:xfrm>
+          <a:prstGeom prst="rect">
+            <a:avLst/>
+          </a:prstGeom>
+          <a:noFill/>
+          <a:ln w="38100">
+            <a:solidFill>
+              <a:schemeClr val="accent4"/>
+            </a:solidFill>
+          </a:ln>
+        </p:spPr>
+        <p:style>
+          <a:lnRef idx="2">
+            <a:schemeClr val="accent1">
+              <a:shade val="50000"/>
+            </a:schemeClr>
+          </a:lnRef>
+          <a:fillRef idx="1">
+            <a:schemeClr val="accent1"/>
+          </a:fillRef>
+          <a:effectRef idx="0">
+            <a:schemeClr val="accent1"/>
+          </a:effectRef>
+          <a:fontRef idx="minor">
+            <a:schemeClr val="lt1"/>
+          </a:fontRef>
+        </p:style>
+        <p:txBody>
+          <a:bodyPr rtlCol="0" anchor="ctr"/>
+          <a:lstStyle/>
+          <a:p>
+            <a:pPr algn="ctr"/>
+            <a:endParaRPr lang="en-US"/>
+          </a:p>
+        </p:txBody>
+      </p:sp>
+      <p:sp>
+        <p:nvSpPr>
+          <p:cNvPr id="23" name="TextBox 22">
+            <a:extLst>
+              <a:ext uri="{FF2B5EF4-FFF2-40B4-BE49-F238E27FC236}">
+                <a16:creationId xmlns:a16="http://schemas.microsoft.com/office/drawing/2014/main" id="{783A0FE1-9988-49B6-BD59-10564D9166F2}"/>
+              </a:ext>
+            </a:extLst>
+          </p:cNvPr>
+          <p:cNvSpPr txBox="1"/>
+          <p:nvPr/>
+        </p:nvSpPr>
+        <p:spPr>
+          <a:xfrm>
+            <a:off x="6615243" y="5142655"/>
+            <a:ext cx="1116185" cy="369332"/>
+          </a:xfrm>
+          <a:prstGeom prst="rect">
+            <a:avLst/>
+          </a:prstGeom>
+          <a:noFill/>
+        </p:spPr>
+        <p:txBody>
+          <a:bodyPr wrap="square" rtlCol="0">
+            <a:spAutoFit/>
+          </a:bodyPr>
+          <a:lstStyle/>
+          <a:p>
+            <a:r>
+              <a:rPr lang="en-US" dirty="0">
+                <a:solidFill>
+                  <a:schemeClr val="bg1"/>
+                </a:solidFill>
+              </a:rPr>
+              <a:t>(4)river</a:t>
+            </a:r>
+          </a:p>
+        </p:txBody>
+      </p:sp>
+      <p:sp>
+        <p:nvSpPr>
+          <p:cNvPr id="27" name="직사각형 26">
+            <a:extLst>
+              <a:ext uri="{FF2B5EF4-FFF2-40B4-BE49-F238E27FC236}">
+                <a16:creationId xmlns:a16="http://schemas.microsoft.com/office/drawing/2014/main" id="{C5F2644F-EB7B-4AF0-8472-229DC8EC5610}"/>
+              </a:ext>
+            </a:extLst>
+          </p:cNvPr>
+          <p:cNvSpPr/>
+          <p:nvPr/>
+        </p:nvSpPr>
+        <p:spPr>
+          <a:xfrm>
+            <a:off x="9361669" y="2068955"/>
+            <a:ext cx="1724628" cy="422287"/>
+          </a:xfrm>
+          <a:prstGeom prst="rect">
+            <a:avLst/>
+          </a:prstGeom>
+          <a:solidFill>
+            <a:schemeClr val="accent6"/>
+          </a:solidFill>
+        </p:spPr>
+        <p:style>
+          <a:lnRef idx="2">
+            <a:schemeClr val="accent1">
+              <a:shade val="50000"/>
+            </a:schemeClr>
+          </a:lnRef>
+          <a:fillRef idx="1">
+            <a:schemeClr val="accent1"/>
+          </a:fillRef>
+          <a:effectRef idx="0">
+            <a:schemeClr val="accent1"/>
+          </a:effectRef>
+          <a:fontRef idx="minor">
+            <a:schemeClr val="lt1"/>
+          </a:fontRef>
+        </p:style>
+        <p:txBody>
+          <a:bodyPr rtlCol="0" anchor="ctr"/>
+          <a:lstStyle/>
+          <a:p>
+            <a:pPr algn="ctr"/>
+            <a:r>
+              <a:rPr lang="en-US" dirty="0"/>
+              <a:t>Preflop </a:t>
+            </a:r>
+            <a:r>
+              <a:rPr lang="en-US" sz="1400" dirty="0"/>
+              <a:t>(2Cards)</a:t>
+            </a:r>
+            <a:endParaRPr lang="en-US" dirty="0"/>
+          </a:p>
+        </p:txBody>
+      </p:sp>
+      <p:sp>
+        <p:nvSpPr>
+          <p:cNvPr id="30" name="직사각형 29">
+            <a:extLst>
+              <a:ext uri="{FF2B5EF4-FFF2-40B4-BE49-F238E27FC236}">
+                <a16:creationId xmlns:a16="http://schemas.microsoft.com/office/drawing/2014/main" id="{01F82E46-4E15-4202-AE35-A88543BE37AE}"/>
+              </a:ext>
+            </a:extLst>
+          </p:cNvPr>
+          <p:cNvSpPr/>
+          <p:nvPr/>
+        </p:nvSpPr>
+        <p:spPr>
+          <a:xfrm>
+            <a:off x="9361668" y="3081963"/>
+            <a:ext cx="1724628" cy="422287"/>
+          </a:xfrm>
+          <a:prstGeom prst="rect">
+            <a:avLst/>
+          </a:prstGeom>
+          <a:solidFill>
+            <a:schemeClr val="accent6"/>
+          </a:solidFill>
+        </p:spPr>
+        <p:style>
+          <a:lnRef idx="2">
+            <a:schemeClr val="accent1">
+              <a:shade val="50000"/>
+            </a:schemeClr>
+          </a:lnRef>
+          <a:fillRef idx="1">
+            <a:schemeClr val="accent1"/>
+          </a:fillRef>
+          <a:effectRef idx="0">
+            <a:schemeClr val="accent1"/>
+          </a:effectRef>
+          <a:fontRef idx="minor">
+            <a:schemeClr val="lt1"/>
+          </a:fontRef>
+        </p:style>
+        <p:txBody>
+          <a:bodyPr rtlCol="0" anchor="ctr"/>
+          <a:lstStyle/>
+          <a:p>
+            <a:pPr algn="ctr"/>
+            <a:r>
+              <a:rPr lang="en-US" dirty="0"/>
+              <a:t>Flop </a:t>
+            </a:r>
+            <a:r>
+              <a:rPr lang="en-US" sz="1400" dirty="0"/>
+              <a:t>(3Cards)</a:t>
+            </a:r>
+            <a:endParaRPr lang="en-US" dirty="0"/>
+          </a:p>
+        </p:txBody>
+      </p:sp>
+      <p:sp>
+        <p:nvSpPr>
+          <p:cNvPr id="31" name="직사각형 30">
+            <a:extLst>
+              <a:ext uri="{FF2B5EF4-FFF2-40B4-BE49-F238E27FC236}">
+                <a16:creationId xmlns:a16="http://schemas.microsoft.com/office/drawing/2014/main" id="{DE5516B5-E4A2-4401-AE71-10ECCD5E51CE}"/>
+              </a:ext>
+            </a:extLst>
+          </p:cNvPr>
+          <p:cNvSpPr/>
+          <p:nvPr/>
+        </p:nvSpPr>
+        <p:spPr>
+          <a:xfrm>
+            <a:off x="9369673" y="4012976"/>
+            <a:ext cx="1724628" cy="422287"/>
+          </a:xfrm>
+          <a:prstGeom prst="rect">
+            <a:avLst/>
+          </a:prstGeom>
+          <a:solidFill>
+            <a:schemeClr val="accent6"/>
+          </a:solidFill>
+        </p:spPr>
+        <p:style>
+          <a:lnRef idx="2">
+            <a:schemeClr val="accent1">
+              <a:shade val="50000"/>
+            </a:schemeClr>
+          </a:lnRef>
+          <a:fillRef idx="1">
+            <a:schemeClr val="accent1"/>
+          </a:fillRef>
+          <a:effectRef idx="0">
+            <a:schemeClr val="accent1"/>
+          </a:effectRef>
+          <a:fontRef idx="minor">
+            <a:schemeClr val="lt1"/>
+          </a:fontRef>
+        </p:style>
+        <p:txBody>
+          <a:bodyPr rtlCol="0" anchor="ctr"/>
+          <a:lstStyle/>
+          <a:p>
+            <a:pPr algn="ctr"/>
+            <a:r>
+              <a:rPr lang="en-US" dirty="0"/>
+              <a:t>Turn </a:t>
+            </a:r>
+            <a:r>
+              <a:rPr lang="en-US" sz="1400" dirty="0"/>
+              <a:t>(1Card)</a:t>
+            </a:r>
+            <a:endParaRPr lang="en-US" dirty="0"/>
+          </a:p>
+        </p:txBody>
+      </p:sp>
+      <p:sp>
+        <p:nvSpPr>
+          <p:cNvPr id="32" name="직사각형 31">
+            <a:extLst>
+              <a:ext uri="{FF2B5EF4-FFF2-40B4-BE49-F238E27FC236}">
+                <a16:creationId xmlns:a16="http://schemas.microsoft.com/office/drawing/2014/main" id="{D8A97937-3DC2-4E95-9D4A-6DD7471DCF65}"/>
+              </a:ext>
+            </a:extLst>
+          </p:cNvPr>
+          <p:cNvSpPr/>
+          <p:nvPr/>
+        </p:nvSpPr>
+        <p:spPr>
+          <a:xfrm>
+            <a:off x="9369673" y="4951383"/>
+            <a:ext cx="1724628" cy="422287"/>
+          </a:xfrm>
+          <a:prstGeom prst="rect">
+            <a:avLst/>
+          </a:prstGeom>
+          <a:solidFill>
+            <a:schemeClr val="accent6"/>
+          </a:solidFill>
+        </p:spPr>
+        <p:style>
+          <a:lnRef idx="2">
+            <a:schemeClr val="accent1">
+              <a:shade val="50000"/>
+            </a:schemeClr>
+          </a:lnRef>
+          <a:fillRef idx="1">
+            <a:schemeClr val="accent1"/>
+          </a:fillRef>
+          <a:effectRef idx="0">
+            <a:schemeClr val="accent1"/>
+          </a:effectRef>
+          <a:fontRef idx="minor">
+            <a:schemeClr val="lt1"/>
+          </a:fontRef>
+        </p:style>
+        <p:txBody>
+          <a:bodyPr rtlCol="0" anchor="ctr"/>
+          <a:lstStyle/>
+          <a:p>
+            <a:pPr algn="ctr"/>
+            <a:r>
+              <a:rPr lang="en-US" dirty="0"/>
+              <a:t>River </a:t>
+            </a:r>
+            <a:r>
+              <a:rPr lang="en-US" sz="1400" dirty="0"/>
+              <a:t>(1Card)</a:t>
+            </a:r>
+            <a:endParaRPr lang="en-US" dirty="0"/>
+          </a:p>
+        </p:txBody>
+      </p:sp>
+      <p:cxnSp>
+        <p:nvCxnSpPr>
+          <p:cNvPr id="33" name="직선 화살표 연결선 32">
+            <a:extLst>
+              <a:ext uri="{FF2B5EF4-FFF2-40B4-BE49-F238E27FC236}">
+                <a16:creationId xmlns:a16="http://schemas.microsoft.com/office/drawing/2014/main" id="{7974C446-B5AB-424F-AAED-FBD4F9F98BBE}"/>
+              </a:ext>
+            </a:extLst>
+          </p:cNvPr>
+          <p:cNvCxnSpPr>
+            <a:cxnSpLocks/>
+            <a:stCxn id="31" idx="2"/>
+            <a:endCxn id="32" idx="0"/>
+          </p:cNvCxnSpPr>
+          <p:nvPr/>
+        </p:nvCxnSpPr>
+        <p:spPr>
+          <a:xfrm>
+            <a:off x="10231987" y="4435263"/>
+            <a:ext cx="0" cy="516120"/>
+          </a:xfrm>
+          <a:prstGeom prst="straightConnector1">
+            <a:avLst/>
+          </a:prstGeom>
+          <a:ln w="76200">
+            <a:solidFill>
+              <a:schemeClr val="tx1">
+                <a:lumMod val="50000"/>
+                <a:lumOff val="50000"/>
+              </a:schemeClr>
+            </a:solidFill>
+            <a:tailEnd type="triangle"/>
+          </a:ln>
+        </p:spPr>
+        <p:style>
+          <a:lnRef idx="1">
+            <a:schemeClr val="accent1"/>
+          </a:lnRef>
+          <a:fillRef idx="0">
+            <a:schemeClr val="accent1"/>
+          </a:fillRef>
+          <a:effectRef idx="0">
+            <a:schemeClr val="accent1"/>
+          </a:effectRef>
+          <a:fontRef idx="minor">
+            <a:schemeClr val="tx1"/>
+          </a:fontRef>
+        </p:style>
+      </p:cxnSp>
+      <p:cxnSp>
+        <p:nvCxnSpPr>
+          <p:cNvPr id="34" name="직선 화살표 연결선 33">
+            <a:extLst>
+              <a:ext uri="{FF2B5EF4-FFF2-40B4-BE49-F238E27FC236}">
+                <a16:creationId xmlns:a16="http://schemas.microsoft.com/office/drawing/2014/main" id="{079E236E-4B69-4F29-9AAB-665C83F4CBCF}"/>
+              </a:ext>
+            </a:extLst>
+          </p:cNvPr>
+          <p:cNvCxnSpPr>
+            <a:cxnSpLocks/>
+            <a:stCxn id="30" idx="2"/>
+            <a:endCxn id="31" idx="0"/>
+          </p:cNvCxnSpPr>
+          <p:nvPr/>
+        </p:nvCxnSpPr>
+        <p:spPr>
+          <a:xfrm>
+            <a:off x="10223982" y="3504250"/>
+            <a:ext cx="8005" cy="508726"/>
+          </a:xfrm>
+          <a:prstGeom prst="straightConnector1">
+            <a:avLst/>
+          </a:prstGeom>
+          <a:ln w="76200">
+            <a:solidFill>
+              <a:schemeClr val="tx1">
+                <a:lumMod val="50000"/>
+                <a:lumOff val="50000"/>
+              </a:schemeClr>
+            </a:solidFill>
+            <a:tailEnd type="triangle"/>
+          </a:ln>
+        </p:spPr>
+        <p:style>
+          <a:lnRef idx="1">
+            <a:schemeClr val="accent1"/>
+          </a:lnRef>
+          <a:fillRef idx="0">
+            <a:schemeClr val="accent1"/>
+          </a:fillRef>
+          <a:effectRef idx="0">
+            <a:schemeClr val="accent1"/>
+          </a:effectRef>
+          <a:fontRef idx="minor">
+            <a:schemeClr val="tx1"/>
+          </a:fontRef>
+        </p:style>
+      </p:cxnSp>
+      <p:cxnSp>
+        <p:nvCxnSpPr>
+          <p:cNvPr id="35" name="직선 화살표 연결선 34">
+            <a:extLst>
+              <a:ext uri="{FF2B5EF4-FFF2-40B4-BE49-F238E27FC236}">
+                <a16:creationId xmlns:a16="http://schemas.microsoft.com/office/drawing/2014/main" id="{0FCD21BD-325C-4900-B47F-ADD610C8A7FC}"/>
+              </a:ext>
+            </a:extLst>
+          </p:cNvPr>
+          <p:cNvCxnSpPr>
+            <a:cxnSpLocks/>
+            <a:stCxn id="27" idx="2"/>
+            <a:endCxn id="30" idx="0"/>
+          </p:cNvCxnSpPr>
+          <p:nvPr/>
+        </p:nvCxnSpPr>
+        <p:spPr>
+          <a:xfrm flipH="1">
+            <a:off x="10223982" y="2491242"/>
+            <a:ext cx="1" cy="590721"/>
+          </a:xfrm>
+          <a:prstGeom prst="straightConnector1">
+            <a:avLst/>
+          </a:prstGeom>
+          <a:ln w="76200">
+            <a:solidFill>
+              <a:schemeClr val="tx1">
+                <a:lumMod val="50000"/>
+                <a:lumOff val="50000"/>
+              </a:schemeClr>
+            </a:solidFill>
+            <a:tailEnd type="triangle"/>
+          </a:ln>
+        </p:spPr>
+        <p:style>
+          <a:lnRef idx="1">
+            <a:schemeClr val="accent1"/>
+          </a:lnRef>
+          <a:fillRef idx="0">
+            <a:schemeClr val="accent1"/>
+          </a:fillRef>
+          <a:effectRef idx="0">
+            <a:schemeClr val="accent1"/>
+          </a:effectRef>
+          <a:fontRef idx="minor">
+            <a:schemeClr val="tx1"/>
+          </a:fontRef>
+        </p:style>
+      </p:cxnSp>
+      <p:sp>
+        <p:nvSpPr>
+          <p:cNvPr id="39" name="직사각형 38">
+            <a:extLst>
+              <a:ext uri="{FF2B5EF4-FFF2-40B4-BE49-F238E27FC236}">
+                <a16:creationId xmlns:a16="http://schemas.microsoft.com/office/drawing/2014/main" id="{58F0C358-27E7-4CC5-A6AA-04E8063C87C0}"/>
+              </a:ext>
+            </a:extLst>
+          </p:cNvPr>
+          <p:cNvSpPr/>
+          <p:nvPr/>
+        </p:nvSpPr>
+        <p:spPr>
+          <a:xfrm>
+            <a:off x="7856315" y="2069559"/>
+            <a:ext cx="1505353" cy="421077"/>
+          </a:xfrm>
+          <a:prstGeom prst="rect">
+            <a:avLst/>
+          </a:prstGeom>
+          <a:solidFill>
+            <a:schemeClr val="tx1">
+              <a:lumMod val="50000"/>
+              <a:lumOff val="50000"/>
+            </a:schemeClr>
+          </a:solidFill>
+        </p:spPr>
+        <p:style>
+          <a:lnRef idx="2">
+            <a:schemeClr val="accent1">
+              <a:shade val="50000"/>
+            </a:schemeClr>
+          </a:lnRef>
+          <a:fillRef idx="1">
+            <a:schemeClr val="accent1"/>
+          </a:fillRef>
+          <a:effectRef idx="0">
+            <a:schemeClr val="accent1"/>
+          </a:effectRef>
+          <a:fontRef idx="minor">
+            <a:schemeClr val="lt1"/>
+          </a:fontRef>
+        </p:style>
+        <p:txBody>
+          <a:bodyPr rtlCol="0" anchor="ctr"/>
+          <a:lstStyle/>
+          <a:p>
+            <a:pPr algn="ctr"/>
+            <a:r>
+              <a:rPr lang="en-US" dirty="0"/>
+              <a:t>Each Player</a:t>
+            </a:r>
+          </a:p>
+        </p:txBody>
+      </p:sp>
+      <p:sp>
+        <p:nvSpPr>
+          <p:cNvPr id="41" name="직사각형 40">
+            <a:extLst>
+              <a:ext uri="{FF2B5EF4-FFF2-40B4-BE49-F238E27FC236}">
+                <a16:creationId xmlns:a16="http://schemas.microsoft.com/office/drawing/2014/main" id="{DA413E13-973B-445A-BC30-AD8879923E80}"/>
+              </a:ext>
+            </a:extLst>
+          </p:cNvPr>
+          <p:cNvSpPr/>
+          <p:nvPr/>
+        </p:nvSpPr>
+        <p:spPr>
+          <a:xfrm>
+            <a:off x="7858502" y="3079130"/>
+            <a:ext cx="1505353" cy="2294540"/>
+          </a:xfrm>
+          <a:prstGeom prst="rect">
+            <a:avLst/>
+          </a:prstGeom>
+          <a:solidFill>
+            <a:schemeClr val="tx1">
+              <a:lumMod val="50000"/>
+              <a:lumOff val="50000"/>
+            </a:schemeClr>
+          </a:solidFill>
+        </p:spPr>
+        <p:style>
+          <a:lnRef idx="2">
+            <a:schemeClr val="accent1">
+              <a:shade val="50000"/>
+            </a:schemeClr>
+          </a:lnRef>
+          <a:fillRef idx="1">
+            <a:schemeClr val="accent1"/>
+          </a:fillRef>
+          <a:effectRef idx="0">
+            <a:schemeClr val="accent1"/>
+          </a:effectRef>
+          <a:fontRef idx="minor">
+            <a:schemeClr val="lt1"/>
+          </a:fontRef>
+        </p:style>
+        <p:txBody>
+          <a:bodyPr rtlCol="0" anchor="ctr"/>
+          <a:lstStyle/>
+          <a:p>
+            <a:pPr algn="ctr"/>
+            <a:r>
+              <a:rPr lang="en-US" dirty="0"/>
+              <a:t>Community</a:t>
+            </a:r>
+          </a:p>
+        </p:txBody>
+      </p:sp>
+      <p:sp>
+        <p:nvSpPr>
+          <p:cNvPr id="53" name="타원 52">
+            <a:extLst>
+              <a:ext uri="{FF2B5EF4-FFF2-40B4-BE49-F238E27FC236}">
+                <a16:creationId xmlns:a16="http://schemas.microsoft.com/office/drawing/2014/main" id="{F4C87648-33E9-4028-B98A-11B650A4E5AF}"/>
+              </a:ext>
+            </a:extLst>
+          </p:cNvPr>
+          <p:cNvSpPr/>
+          <p:nvPr/>
+        </p:nvSpPr>
+        <p:spPr>
+          <a:xfrm>
+            <a:off x="11084110" y="2440029"/>
+            <a:ext cx="729237" cy="693145"/>
+          </a:xfrm>
+          <a:prstGeom prst="ellipse">
+            <a:avLst/>
+          </a:prstGeom>
+          <a:solidFill>
+            <a:schemeClr val="accent5">
+              <a:lumMod val="75000"/>
+            </a:schemeClr>
+          </a:solidFill>
+        </p:spPr>
+        <p:style>
+          <a:lnRef idx="2">
+            <a:schemeClr val="accent1">
+              <a:shade val="50000"/>
+            </a:schemeClr>
+          </a:lnRef>
+          <a:fillRef idx="1">
+            <a:schemeClr val="accent1"/>
+          </a:fillRef>
+          <a:effectRef idx="0">
+            <a:schemeClr val="accent1"/>
+          </a:effectRef>
+          <a:fontRef idx="minor">
+            <a:schemeClr val="lt1"/>
+          </a:fontRef>
+        </p:style>
+        <p:txBody>
+          <a:bodyPr rtlCol="0" anchor="ctr"/>
+          <a:lstStyle/>
+          <a:p>
+            <a:pPr algn="ctr"/>
+            <a:r>
+              <a:rPr lang="en-US" dirty="0"/>
+              <a:t>Bet 1</a:t>
+            </a:r>
+          </a:p>
+        </p:txBody>
+      </p:sp>
+      <p:sp>
+        <p:nvSpPr>
+          <p:cNvPr id="54" name="타원 53">
+            <a:extLst>
+              <a:ext uri="{FF2B5EF4-FFF2-40B4-BE49-F238E27FC236}">
+                <a16:creationId xmlns:a16="http://schemas.microsoft.com/office/drawing/2014/main" id="{7ED28323-E29F-44F0-A026-14A9F63ADD93}"/>
+              </a:ext>
+            </a:extLst>
+          </p:cNvPr>
+          <p:cNvSpPr/>
+          <p:nvPr/>
+        </p:nvSpPr>
+        <p:spPr>
+          <a:xfrm>
+            <a:off x="11140075" y="3349133"/>
+            <a:ext cx="729237" cy="693145"/>
+          </a:xfrm>
+          <a:prstGeom prst="ellipse">
+            <a:avLst/>
+          </a:prstGeom>
+          <a:solidFill>
+            <a:schemeClr val="accent5">
+              <a:lumMod val="75000"/>
+            </a:schemeClr>
+          </a:solidFill>
+        </p:spPr>
+        <p:style>
+          <a:lnRef idx="2">
+            <a:schemeClr val="accent1">
+              <a:shade val="50000"/>
+            </a:schemeClr>
+          </a:lnRef>
+          <a:fillRef idx="1">
+            <a:schemeClr val="accent1"/>
+          </a:fillRef>
+          <a:effectRef idx="0">
+            <a:schemeClr val="accent1"/>
+          </a:effectRef>
+          <a:fontRef idx="minor">
+            <a:schemeClr val="lt1"/>
+          </a:fontRef>
+        </p:style>
+        <p:txBody>
+          <a:bodyPr rtlCol="0" anchor="ctr"/>
+          <a:lstStyle/>
+          <a:p>
+            <a:pPr algn="ctr"/>
+            <a:r>
+              <a:rPr lang="en-US" dirty="0"/>
+              <a:t>Bet 2</a:t>
+            </a:r>
+          </a:p>
+        </p:txBody>
+      </p:sp>
+      <p:sp>
+        <p:nvSpPr>
+          <p:cNvPr id="55" name="타원 54">
+            <a:extLst>
+              <a:ext uri="{FF2B5EF4-FFF2-40B4-BE49-F238E27FC236}">
+                <a16:creationId xmlns:a16="http://schemas.microsoft.com/office/drawing/2014/main" id="{EDDFB86C-C25D-4CD6-8D63-A9511F8DBF91}"/>
+              </a:ext>
+            </a:extLst>
+          </p:cNvPr>
+          <p:cNvSpPr/>
+          <p:nvPr/>
+        </p:nvSpPr>
+        <p:spPr>
+          <a:xfrm>
+            <a:off x="11160839" y="4346750"/>
+            <a:ext cx="729237" cy="693145"/>
+          </a:xfrm>
+          <a:prstGeom prst="ellipse">
+            <a:avLst/>
+          </a:prstGeom>
+          <a:solidFill>
+            <a:schemeClr val="accent5">
+              <a:lumMod val="75000"/>
+            </a:schemeClr>
+          </a:solidFill>
+        </p:spPr>
+        <p:style>
+          <a:lnRef idx="2">
+            <a:schemeClr val="accent1">
+              <a:shade val="50000"/>
+            </a:schemeClr>
+          </a:lnRef>
+          <a:fillRef idx="1">
+            <a:schemeClr val="accent1"/>
+          </a:fillRef>
+          <a:effectRef idx="0">
+            <a:schemeClr val="accent1"/>
+          </a:effectRef>
+          <a:fontRef idx="minor">
+            <a:schemeClr val="lt1"/>
+          </a:fontRef>
+        </p:style>
+        <p:txBody>
+          <a:bodyPr rtlCol="0" anchor="ctr"/>
+          <a:lstStyle/>
+          <a:p>
+            <a:pPr algn="ctr"/>
+            <a:r>
+              <a:rPr lang="en-US" dirty="0"/>
+              <a:t>Bet 3</a:t>
+            </a:r>
+          </a:p>
+        </p:txBody>
+      </p:sp>
+      <p:sp>
+        <p:nvSpPr>
+          <p:cNvPr id="56" name="타원 55">
+            <a:extLst>
+              <a:ext uri="{FF2B5EF4-FFF2-40B4-BE49-F238E27FC236}">
+                <a16:creationId xmlns:a16="http://schemas.microsoft.com/office/drawing/2014/main" id="{0ECF769D-7CE8-4B29-9FBA-5AC233ED3FD9}"/>
+              </a:ext>
+            </a:extLst>
+          </p:cNvPr>
+          <p:cNvSpPr/>
+          <p:nvPr/>
+        </p:nvSpPr>
+        <p:spPr>
+          <a:xfrm>
+            <a:off x="11160839" y="5373130"/>
+            <a:ext cx="729237" cy="693145"/>
+          </a:xfrm>
+          <a:prstGeom prst="ellipse">
+            <a:avLst/>
+          </a:prstGeom>
+          <a:solidFill>
+            <a:schemeClr val="accent5">
+              <a:lumMod val="75000"/>
+            </a:schemeClr>
+          </a:solidFill>
+        </p:spPr>
+        <p:style>
+          <a:lnRef idx="2">
+            <a:schemeClr val="accent1">
+              <a:shade val="50000"/>
+            </a:schemeClr>
+          </a:lnRef>
+          <a:fillRef idx="1">
+            <a:schemeClr val="accent1"/>
+          </a:fillRef>
+          <a:effectRef idx="0">
+            <a:schemeClr val="accent1"/>
+          </a:effectRef>
+          <a:fontRef idx="minor">
+            <a:schemeClr val="lt1"/>
+          </a:fontRef>
+        </p:style>
+        <p:txBody>
+          <a:bodyPr rtlCol="0" anchor="ctr"/>
+          <a:lstStyle/>
+          <a:p>
+            <a:pPr algn="ctr"/>
+            <a:r>
+              <a:rPr lang="en-US" dirty="0"/>
+              <a:t>Bet 4</a:t>
+            </a:r>
+          </a:p>
+        </p:txBody>
+      </p:sp>
+      <p:cxnSp>
+        <p:nvCxnSpPr>
+          <p:cNvPr id="58" name="직선 연결선 57">
+            <a:extLst>
+              <a:ext uri="{FF2B5EF4-FFF2-40B4-BE49-F238E27FC236}">
+                <a16:creationId xmlns:a16="http://schemas.microsoft.com/office/drawing/2014/main" id="{648B1007-9C52-4E43-A533-3264771D8E0D}"/>
+              </a:ext>
+            </a:extLst>
+          </p:cNvPr>
+          <p:cNvCxnSpPr>
+            <a:endCxn id="53" idx="2"/>
+          </p:cNvCxnSpPr>
+          <p:nvPr/>
+        </p:nvCxnSpPr>
+        <p:spPr>
+          <a:xfrm>
+            <a:off x="10353554" y="2786601"/>
+            <a:ext cx="730556" cy="1"/>
+          </a:xfrm>
+          <a:prstGeom prst="line">
+            <a:avLst/>
+          </a:prstGeom>
+          <a:ln w="76200">
+            <a:solidFill>
+              <a:schemeClr val="accent4">
+                <a:lumMod val="60000"/>
+                <a:lumOff val="40000"/>
+              </a:schemeClr>
+            </a:solidFill>
+          </a:ln>
+        </p:spPr>
+        <p:style>
+          <a:lnRef idx="1">
+            <a:schemeClr val="accent1"/>
+          </a:lnRef>
+          <a:fillRef idx="0">
+            <a:schemeClr val="accent1"/>
+          </a:fillRef>
+          <a:effectRef idx="0">
+            <a:schemeClr val="accent1"/>
+          </a:effectRef>
+          <a:fontRef idx="minor">
+            <a:schemeClr val="tx1"/>
+          </a:fontRef>
+        </p:style>
+      </p:cxnSp>
+      <p:cxnSp>
+        <p:nvCxnSpPr>
+          <p:cNvPr id="59" name="직선 연결선 58">
+            <a:extLst>
+              <a:ext uri="{FF2B5EF4-FFF2-40B4-BE49-F238E27FC236}">
+                <a16:creationId xmlns:a16="http://schemas.microsoft.com/office/drawing/2014/main" id="{929F05F4-2C21-48D5-BC84-47EE1A3FB8AE}"/>
+              </a:ext>
+            </a:extLst>
+          </p:cNvPr>
+          <p:cNvCxnSpPr/>
+          <p:nvPr/>
+        </p:nvCxnSpPr>
+        <p:spPr>
+          <a:xfrm>
+            <a:off x="10409519" y="3720209"/>
+            <a:ext cx="730556" cy="1"/>
+          </a:xfrm>
+          <a:prstGeom prst="line">
+            <a:avLst/>
+          </a:prstGeom>
+          <a:ln w="76200">
+            <a:solidFill>
+              <a:schemeClr val="accent4">
+                <a:lumMod val="60000"/>
+                <a:lumOff val="40000"/>
+              </a:schemeClr>
+            </a:solidFill>
+          </a:ln>
+        </p:spPr>
+        <p:style>
+          <a:lnRef idx="1">
+            <a:schemeClr val="accent1"/>
+          </a:lnRef>
+          <a:fillRef idx="0">
+            <a:schemeClr val="accent1"/>
+          </a:fillRef>
+          <a:effectRef idx="0">
+            <a:schemeClr val="accent1"/>
+          </a:effectRef>
+          <a:fontRef idx="minor">
+            <a:schemeClr val="tx1"/>
+          </a:fontRef>
+        </p:style>
+      </p:cxnSp>
+      <p:cxnSp>
+        <p:nvCxnSpPr>
+          <p:cNvPr id="60" name="직선 연결선 59">
+            <a:extLst>
+              <a:ext uri="{FF2B5EF4-FFF2-40B4-BE49-F238E27FC236}">
+                <a16:creationId xmlns:a16="http://schemas.microsoft.com/office/drawing/2014/main" id="{B204935E-D02C-4EB2-8ACF-2C1209A32B1C}"/>
+              </a:ext>
+            </a:extLst>
+          </p:cNvPr>
+          <p:cNvCxnSpPr/>
+          <p:nvPr/>
+        </p:nvCxnSpPr>
+        <p:spPr>
+          <a:xfrm>
+            <a:off x="10430283" y="4691863"/>
+            <a:ext cx="730556" cy="1"/>
+          </a:xfrm>
+          <a:prstGeom prst="line">
+            <a:avLst/>
+          </a:prstGeom>
+          <a:ln w="76200">
+            <a:solidFill>
+              <a:schemeClr val="accent4">
+                <a:lumMod val="60000"/>
+                <a:lumOff val="40000"/>
+              </a:schemeClr>
+            </a:solidFill>
+          </a:ln>
+        </p:spPr>
+        <p:style>
+          <a:lnRef idx="1">
+            <a:schemeClr val="accent1"/>
+          </a:lnRef>
+          <a:fillRef idx="0">
+            <a:schemeClr val="accent1"/>
+          </a:fillRef>
+          <a:effectRef idx="0">
+            <a:schemeClr val="accent1"/>
+          </a:effectRef>
+          <a:fontRef idx="minor">
+            <a:schemeClr val="tx1"/>
+          </a:fontRef>
+        </p:style>
+      </p:cxnSp>
+      <p:cxnSp>
+        <p:nvCxnSpPr>
+          <p:cNvPr id="61" name="직선 연결선 60">
+            <a:extLst>
+              <a:ext uri="{FF2B5EF4-FFF2-40B4-BE49-F238E27FC236}">
+                <a16:creationId xmlns:a16="http://schemas.microsoft.com/office/drawing/2014/main" id="{861BFF0E-97B3-4F6B-B410-1A749D22C8FE}"/>
+              </a:ext>
+            </a:extLst>
+          </p:cNvPr>
+          <p:cNvCxnSpPr/>
+          <p:nvPr/>
+        </p:nvCxnSpPr>
+        <p:spPr>
+          <a:xfrm>
+            <a:off x="10431634" y="5691118"/>
+            <a:ext cx="730556" cy="1"/>
+          </a:xfrm>
+          <a:prstGeom prst="line">
+            <a:avLst/>
+          </a:prstGeom>
+          <a:ln w="76200">
+            <a:solidFill>
+              <a:schemeClr val="accent4">
+                <a:lumMod val="60000"/>
+                <a:lumOff val="40000"/>
+              </a:schemeClr>
+            </a:solidFill>
+          </a:ln>
+        </p:spPr>
+        <p:style>
+          <a:lnRef idx="1">
+            <a:schemeClr val="accent1"/>
+          </a:lnRef>
+          <a:fillRef idx="0">
+            <a:schemeClr val="accent1"/>
+          </a:fillRef>
+          <a:effectRef idx="0">
+            <a:schemeClr val="accent1"/>
+          </a:effectRef>
+          <a:fontRef idx="minor">
+            <a:schemeClr val="tx1"/>
+          </a:fontRef>
+        </p:style>
+      </p:cxnSp>
+      <p:sp>
+        <p:nvSpPr>
+          <p:cNvPr id="62" name="다이아몬드 61">
+            <a:extLst>
+              <a:ext uri="{FF2B5EF4-FFF2-40B4-BE49-F238E27FC236}">
+                <a16:creationId xmlns:a16="http://schemas.microsoft.com/office/drawing/2014/main" id="{9249ED38-F25D-4EA9-89B0-5E47BE371E03}"/>
+              </a:ext>
+            </a:extLst>
+          </p:cNvPr>
+          <p:cNvSpPr/>
+          <p:nvPr/>
+        </p:nvSpPr>
+        <p:spPr>
+          <a:xfrm>
+            <a:off x="9598199" y="2713267"/>
+            <a:ext cx="197976" cy="243069"/>
+          </a:xfrm>
+          <a:prstGeom prst="diamond">
+            <a:avLst/>
+          </a:prstGeom>
+        </p:spPr>
+        <p:style>
+          <a:lnRef idx="2">
+            <a:schemeClr val="accent1">
+              <a:shade val="50000"/>
+            </a:schemeClr>
+          </a:lnRef>
+          <a:fillRef idx="1">
+            <a:schemeClr val="accent1"/>
+          </a:fillRef>
+          <a:effectRef idx="0">
+            <a:schemeClr val="accent1"/>
+          </a:effectRef>
+          <a:fontRef idx="minor">
+            <a:schemeClr val="lt1"/>
+          </a:fontRef>
+        </p:style>
+        <p:txBody>
+          <a:bodyPr rtlCol="0" anchor="ctr"/>
+          <a:lstStyle/>
+          <a:p>
+            <a:pPr algn="ctr"/>
+            <a:endParaRPr lang="en-US"/>
+          </a:p>
+        </p:txBody>
+      </p:sp>
+      <p:sp>
+        <p:nvSpPr>
+          <p:cNvPr id="63" name="다이아몬드 62">
+            <a:extLst>
+              <a:ext uri="{FF2B5EF4-FFF2-40B4-BE49-F238E27FC236}">
+                <a16:creationId xmlns:a16="http://schemas.microsoft.com/office/drawing/2014/main" id="{102D51E3-6FD1-443B-86ED-AD55056994DB}"/>
+              </a:ext>
+            </a:extLst>
+          </p:cNvPr>
+          <p:cNvSpPr/>
+          <p:nvPr/>
+        </p:nvSpPr>
+        <p:spPr>
+          <a:xfrm>
+            <a:off x="9595942" y="4605075"/>
+            <a:ext cx="197976" cy="243069"/>
+          </a:xfrm>
+          <a:prstGeom prst="diamond">
+            <a:avLst/>
+          </a:prstGeom>
+        </p:spPr>
+        <p:style>
+          <a:lnRef idx="2">
+            <a:schemeClr val="accent1">
+              <a:shade val="50000"/>
+            </a:schemeClr>
+          </a:lnRef>
+          <a:fillRef idx="1">
+            <a:schemeClr val="accent1"/>
+          </a:fillRef>
+          <a:effectRef idx="0">
+            <a:schemeClr val="accent1"/>
+          </a:effectRef>
+          <a:fontRef idx="minor">
+            <a:schemeClr val="lt1"/>
+          </a:fontRef>
+        </p:style>
+        <p:txBody>
+          <a:bodyPr rtlCol="0" anchor="ctr"/>
+          <a:lstStyle/>
+          <a:p>
+            <a:pPr algn="ctr"/>
+            <a:endParaRPr lang="en-US"/>
+          </a:p>
+        </p:txBody>
+      </p:sp>
+      <p:sp>
+        <p:nvSpPr>
+          <p:cNvPr id="64" name="다이아몬드 63">
+            <a:extLst>
+              <a:ext uri="{FF2B5EF4-FFF2-40B4-BE49-F238E27FC236}">
+                <a16:creationId xmlns:a16="http://schemas.microsoft.com/office/drawing/2014/main" id="{C2C6CDD7-DE8C-44A6-A2B0-1F00F4218F11}"/>
+              </a:ext>
+            </a:extLst>
+          </p:cNvPr>
+          <p:cNvSpPr/>
+          <p:nvPr/>
+        </p:nvSpPr>
+        <p:spPr>
+          <a:xfrm>
+            <a:off x="9599945" y="3625816"/>
+            <a:ext cx="197976" cy="243069"/>
+          </a:xfrm>
+          <a:prstGeom prst="diamond">
+            <a:avLst/>
+          </a:prstGeom>
+        </p:spPr>
+        <p:style>
+          <a:lnRef idx="2">
+            <a:schemeClr val="accent1">
+              <a:shade val="50000"/>
+            </a:schemeClr>
+          </a:lnRef>
+          <a:fillRef idx="1">
+            <a:schemeClr val="accent1"/>
+          </a:fillRef>
+          <a:effectRef idx="0">
+            <a:schemeClr val="accent1"/>
+          </a:effectRef>
+          <a:fontRef idx="minor">
+            <a:schemeClr val="lt1"/>
+          </a:fontRef>
+        </p:style>
+        <p:txBody>
+          <a:bodyPr rtlCol="0" anchor="ctr"/>
+          <a:lstStyle/>
+          <a:p>
+            <a:pPr algn="ctr"/>
+            <a:endParaRPr lang="en-US"/>
+          </a:p>
+        </p:txBody>
+      </p:sp>
+      <p:sp>
+        <p:nvSpPr>
+          <p:cNvPr id="65" name="TextBox 64">
+            <a:extLst>
+              <a:ext uri="{FF2B5EF4-FFF2-40B4-BE49-F238E27FC236}">
+                <a16:creationId xmlns:a16="http://schemas.microsoft.com/office/drawing/2014/main" id="{707F8523-9453-4690-8140-797F3EB4E1B6}"/>
+              </a:ext>
+            </a:extLst>
+          </p:cNvPr>
+          <p:cNvSpPr txBox="1"/>
+          <p:nvPr/>
+        </p:nvSpPr>
+        <p:spPr>
+          <a:xfrm>
+            <a:off x="8001718" y="5437124"/>
+            <a:ext cx="2013444" cy="646331"/>
+          </a:xfrm>
+          <a:prstGeom prst="rect">
+            <a:avLst/>
+          </a:prstGeom>
+          <a:noFill/>
+        </p:spPr>
+        <p:txBody>
+          <a:bodyPr wrap="square" rtlCol="0">
+            <a:spAutoFit/>
+          </a:bodyPr>
+          <a:lstStyle/>
+          <a:p>
+            <a:r>
+              <a:rPr lang="en-US" dirty="0"/>
+              <a:t>   - Dealer throw away a card of deck</a:t>
+            </a:r>
+          </a:p>
+        </p:txBody>
+      </p:sp>
+      <p:sp>
+        <p:nvSpPr>
+          <p:cNvPr id="66" name="다이아몬드 65">
+            <a:extLst>
+              <a:ext uri="{FF2B5EF4-FFF2-40B4-BE49-F238E27FC236}">
+                <a16:creationId xmlns:a16="http://schemas.microsoft.com/office/drawing/2014/main" id="{97E9675B-6398-488B-B3D7-E84057472C70}"/>
+              </a:ext>
+            </a:extLst>
+          </p:cNvPr>
+          <p:cNvSpPr/>
+          <p:nvPr/>
+        </p:nvSpPr>
+        <p:spPr>
+          <a:xfrm>
+            <a:off x="8015535" y="5511987"/>
+            <a:ext cx="197976" cy="243069"/>
+          </a:xfrm>
+          <a:prstGeom prst="diamond">
+            <a:avLst/>
+          </a:prstGeom>
+        </p:spPr>
+        <p:style>
+          <a:lnRef idx="2">
+            <a:schemeClr val="accent1">
+              <a:shade val="50000"/>
+            </a:schemeClr>
+          </a:lnRef>
+          <a:fillRef idx="1">
+            <a:schemeClr val="accent1"/>
+          </a:fillRef>
+          <a:effectRef idx="0">
+            <a:schemeClr val="accent1"/>
+          </a:effectRef>
+          <a:fontRef idx="minor">
+            <a:schemeClr val="lt1"/>
+          </a:fontRef>
+        </p:style>
+        <p:txBody>
+          <a:bodyPr rtlCol="0" anchor="ctr"/>
+          <a:lstStyle/>
+          <a:p>
+            <a:pPr algn="ctr"/>
+            <a:endParaRPr lang="en-US"/>
+          </a:p>
+        </p:txBody>
+      </p:sp>
+    </p:spTree>
+    <p:extLst>
+      <p:ext uri="{BB962C8B-B14F-4D97-AF65-F5344CB8AC3E}">
+        <p14:creationId xmlns:p14="http://schemas.microsoft.com/office/powerpoint/2010/main" val="3119716794"/>
+      </p:ext>
+    </p:extLst>
+  </p:cSld>
+  <p:clrMapOvr>
+    <a:masterClrMapping/>
+  </p:clrMapOvr>
+</p:sld>
+</file>
+
+<file path=ppt/slides/slide5.xml><?xml version="1.0" encoding="utf-8"?>
+<p:sld xmlns:a="http://schemas.openxmlformats.org/drawingml/2006/main" xmlns:r="http://schemas.openxmlformats.org/officeDocument/2006/relationships" xmlns:p="http://schemas.openxmlformats.org/presentationml/2006/main">
+  <p:cSld>
+    <p:spTree>
+      <p:nvGrpSpPr>
+        <p:cNvPr id="1" name=""/>
+        <p:cNvGrpSpPr/>
+        <p:nvPr/>
+      </p:nvGrpSpPr>
+      <p:grpSpPr>
+        <a:xfrm>
+          <a:off x="0" y="0"/>
+          <a:ext cx="0" cy="0"/>
+          <a:chOff x="0" y="0"/>
+          <a:chExt cx="0" cy="0"/>
+        </a:xfrm>
+      </p:grpSpPr>
+      <p:sp>
+        <p:nvSpPr>
+          <p:cNvPr id="2" name="제목 1">
+            <a:extLst>
+              <a:ext uri="{FF2B5EF4-FFF2-40B4-BE49-F238E27FC236}">
+                <a16:creationId xmlns:a16="http://schemas.microsoft.com/office/drawing/2014/main" id="{4B75B44D-CDFC-4996-91DB-C27F3689ECC5}"/>
+              </a:ext>
+            </a:extLst>
+          </p:cNvPr>
+          <p:cNvSpPr>
+            <a:spLocks noGrp="1"/>
+          </p:cNvSpPr>
+          <p:nvPr>
+            <p:ph type="title"/>
+          </p:nvPr>
+        </p:nvSpPr>
+        <p:spPr/>
+        <p:txBody>
+          <a:bodyPr/>
+          <a:lstStyle/>
+          <a:p>
+            <a:r>
+              <a:rPr lang="en-US" dirty="0"/>
+              <a:t>Understanding of Texas </a:t>
+            </a:r>
+            <a:r>
+              <a:rPr lang="en-US" dirty="0" err="1"/>
+              <a:t>holdem</a:t>
+            </a:r>
+            <a:r>
+              <a:rPr lang="en-US" dirty="0"/>
+              <a:t> 2</a:t>
+            </a:r>
+            <a:br>
+              <a:rPr lang="en-US" dirty="0"/>
+            </a:br>
+            <a:r>
+              <a:rPr lang="en-US" dirty="0"/>
+              <a:t>- </a:t>
+            </a:r>
+            <a:r>
+              <a:rPr lang="en-US" dirty="0">
+                <a:solidFill>
+                  <a:schemeClr val="accent1"/>
+                </a:solidFill>
+              </a:rPr>
+              <a:t>rank of hands</a:t>
+            </a:r>
+          </a:p>
+        </p:txBody>
+      </p:sp>
+      <p:sp>
+        <p:nvSpPr>
+          <p:cNvPr id="3" name="내용 개체 틀 2">
+            <a:extLst>
+              <a:ext uri="{FF2B5EF4-FFF2-40B4-BE49-F238E27FC236}">
+                <a16:creationId xmlns:a16="http://schemas.microsoft.com/office/drawing/2014/main" id="{ED015CCE-B6C1-43BD-9620-C6797BB0FE10}"/>
+              </a:ext>
+            </a:extLst>
+          </p:cNvPr>
+          <p:cNvSpPr>
+            <a:spLocks noGrp="1"/>
+          </p:cNvSpPr>
+          <p:nvPr>
+            <p:ph idx="1"/>
+          </p:nvPr>
+        </p:nvSpPr>
+        <p:spPr>
+          <a:xfrm>
+            <a:off x="1451579" y="2015732"/>
+            <a:ext cx="10159396" cy="3450613"/>
+          </a:xfrm>
+        </p:spPr>
+        <p:txBody>
+          <a:bodyPr/>
+          <a:lstStyle/>
+          <a:p>
             <a:r>
               <a:rPr lang="en-US" dirty="0"/>
               <a:t>Texas </a:t>
@@ -7687,7 +9634,7 @@
             </a:r>
             <a:r>
               <a:rPr lang="en-US" dirty="0"/>
-              <a:t>of number and shape or face and suit with five cards</a:t>
+              <a:t>of face and suit with five cards</a:t>
             </a:r>
             <a:endParaRPr lang="en-US" dirty="0">
               <a:latin typeface="Arial" panose="020B0604020202020204" pitchFamily="34" charset="0"/>
@@ -8182,199 +10129,6 @@
 </p:sld>
 </file>
 
-<file path=ppt/slides/slide5.xml><?xml version="1.0" encoding="utf-8"?>
-<p:sld xmlns:a="http://schemas.openxmlformats.org/drawingml/2006/main" xmlns:r="http://schemas.openxmlformats.org/officeDocument/2006/relationships" xmlns:p="http://schemas.openxmlformats.org/presentationml/2006/main">
-  <p:cSld>
-    <p:spTree>
-      <p:nvGrpSpPr>
-        <p:cNvPr id="1" name=""/>
-        <p:cNvGrpSpPr/>
-        <p:nvPr/>
-      </p:nvGrpSpPr>
-      <p:grpSpPr>
-        <a:xfrm>
-          <a:off x="0" y="0"/>
-          <a:ext cx="0" cy="0"/>
-          <a:chOff x="0" y="0"/>
-          <a:chExt cx="0" cy="0"/>
-        </a:xfrm>
-      </p:grpSpPr>
-      <p:sp>
-        <p:nvSpPr>
-          <p:cNvPr id="2" name="제목 1">
-            <a:extLst>
-              <a:ext uri="{FF2B5EF4-FFF2-40B4-BE49-F238E27FC236}">
-                <a16:creationId xmlns:a16="http://schemas.microsoft.com/office/drawing/2014/main" id="{7B7758FF-5BBC-4938-9E1A-705B26BE1751}"/>
-              </a:ext>
-            </a:extLst>
-          </p:cNvPr>
-          <p:cNvSpPr>
-            <a:spLocks noGrp="1"/>
-          </p:cNvSpPr>
-          <p:nvPr>
-            <p:ph type="title"/>
-          </p:nvPr>
-        </p:nvSpPr>
-        <p:spPr/>
-        <p:txBody>
-          <a:bodyPr/>
-          <a:lstStyle/>
-          <a:p>
-            <a:r>
-              <a:rPr lang="en-US" dirty="0"/>
-              <a:t>Understanding of Texas </a:t>
-            </a:r>
-            <a:r>
-              <a:rPr lang="en-US" dirty="0" err="1"/>
-              <a:t>holdem</a:t>
-            </a:r>
-            <a:r>
-              <a:rPr lang="en-US" dirty="0"/>
-              <a:t> 2</a:t>
-            </a:r>
-            <a:br>
-              <a:rPr lang="en-US" dirty="0"/>
-            </a:br>
-            <a:r>
-              <a:rPr lang="en-US" dirty="0"/>
-              <a:t> - </a:t>
-            </a:r>
-            <a:r>
-              <a:rPr lang="en-US" dirty="0">
-                <a:solidFill>
-                  <a:schemeClr val="accent1"/>
-                </a:solidFill>
-              </a:rPr>
-              <a:t>Given or predestined condition</a:t>
-            </a:r>
-          </a:p>
-        </p:txBody>
-      </p:sp>
-      <p:sp>
-        <p:nvSpPr>
-          <p:cNvPr id="3" name="내용 개체 틀 2">
-            <a:extLst>
-              <a:ext uri="{FF2B5EF4-FFF2-40B4-BE49-F238E27FC236}">
-                <a16:creationId xmlns:a16="http://schemas.microsoft.com/office/drawing/2014/main" id="{99AAF458-2438-46B2-87EB-7482953B1C2F}"/>
-              </a:ext>
-            </a:extLst>
-          </p:cNvPr>
-          <p:cNvSpPr>
-            <a:spLocks noGrp="1"/>
-          </p:cNvSpPr>
-          <p:nvPr>
-            <p:ph idx="1"/>
-          </p:nvPr>
-        </p:nvSpPr>
-        <p:spPr>
-          <a:xfrm>
-            <a:off x="1451579" y="2015732"/>
-            <a:ext cx="9603275" cy="3584968"/>
-          </a:xfrm>
-        </p:spPr>
-        <p:txBody>
-          <a:bodyPr>
-            <a:normAutofit lnSpcReduction="10000"/>
-          </a:bodyPr>
-          <a:lstStyle/>
-          <a:p>
-            <a:r>
-              <a:rPr lang="en-US" dirty="0"/>
-              <a:t>The number of players</a:t>
-            </a:r>
-          </a:p>
-          <a:p>
-            <a:r>
-              <a:rPr lang="en-US" dirty="0"/>
-              <a:t>The result of shuffle</a:t>
-            </a:r>
-          </a:p>
-          <a:p>
-            <a:r>
-              <a:rPr lang="en-US" dirty="0"/>
-              <a:t>Game Rule</a:t>
-            </a:r>
-          </a:p>
-          <a:p>
-            <a:endParaRPr lang="en-US" dirty="0"/>
-          </a:p>
-          <a:p>
-            <a:endParaRPr lang="en-US" dirty="0"/>
-          </a:p>
-          <a:p>
-            <a:r>
-              <a:rPr lang="en-US" dirty="0"/>
-              <a:t>Betting strategy of another players (Bluffing vs Reasonable Decision) – That is, it’s not only about a calculation of probability. Rather, it’s about a figuring out another player’s betting strategy and its pattern. In this reason, our project is limited with human players.</a:t>
-            </a:r>
-          </a:p>
-        </p:txBody>
-      </p:sp>
-      <p:sp>
-        <p:nvSpPr>
-          <p:cNvPr id="4" name="TextBox 3">
-            <a:extLst>
-              <a:ext uri="{FF2B5EF4-FFF2-40B4-BE49-F238E27FC236}">
-                <a16:creationId xmlns:a16="http://schemas.microsoft.com/office/drawing/2014/main" id="{596DFA62-78CF-43C3-B849-FDF1726CDEE1}"/>
-              </a:ext>
-            </a:extLst>
-          </p:cNvPr>
-          <p:cNvSpPr txBox="1"/>
-          <p:nvPr/>
-        </p:nvSpPr>
-        <p:spPr>
-          <a:xfrm>
-            <a:off x="3225304" y="2943135"/>
-            <a:ext cx="7829550" cy="1200329"/>
-          </a:xfrm>
-          <a:prstGeom prst="rect">
-            <a:avLst/>
-          </a:prstGeom>
-          <a:noFill/>
-        </p:spPr>
-        <p:txBody>
-          <a:bodyPr wrap="square" rtlCol="0">
-            <a:spAutoFit/>
-          </a:bodyPr>
-          <a:lstStyle/>
-          <a:p>
-            <a:r>
-              <a:rPr lang="en-US" dirty="0"/>
-              <a:t>e.g. Big Blind should initially put money into the pot mandatorily (Small Blind ~ ½)</a:t>
-            </a:r>
-          </a:p>
-          <a:p>
-            <a:r>
-              <a:rPr lang="en-US" dirty="0"/>
-              <a:t>      Dealer distributes cards with a clock-wise order</a:t>
-            </a:r>
-          </a:p>
-          <a:p>
-            <a:r>
-              <a:rPr lang="en-US" dirty="0"/>
-              <a:t>      Procedure ~ “preflop”, “flop”, “river”, “turn”</a:t>
-            </a:r>
-          </a:p>
-          <a:p>
-            <a:r>
-              <a:rPr lang="en-US" dirty="0"/>
-              <a:t>      After each procedure, dealer throw away a card</a:t>
-            </a:r>
-          </a:p>
-        </p:txBody>
-      </p:sp>
-    </p:spTree>
-    <p:extLst>
-      <p:ext uri="{BB962C8B-B14F-4D97-AF65-F5344CB8AC3E}">
-        <p14:creationId xmlns:p14="http://schemas.microsoft.com/office/powerpoint/2010/main" val="3488166330"/>
-      </p:ext>
-    </p:extLst>
-  </p:cSld>
-  <p:clrMapOvr>
-    <a:masterClrMapping/>
-  </p:clrMapOvr>
-</p:sld>
-</file>
-
 <file path=ppt/slides/slide6.xml><?xml version="1.0" encoding="utf-8"?>
 <p:sld xmlns:a="http://schemas.openxmlformats.org/drawingml/2006/main" xmlns:r="http://schemas.openxmlformats.org/officeDocument/2006/relationships" xmlns:p="http://schemas.openxmlformats.org/presentationml/2006/main">
   <p:cSld>
@@ -8397,7 +10151,7 @@
           <p:cNvPr id="2" name="제목 1">
             <a:extLst>
               <a:ext uri="{FF2B5EF4-FFF2-40B4-BE49-F238E27FC236}">
-                <a16:creationId xmlns:a16="http://schemas.microsoft.com/office/drawing/2014/main" id="{D1C502B7-4B29-443B-839F-406955B282C7}"/>
+                <a16:creationId xmlns:a16="http://schemas.microsoft.com/office/drawing/2014/main" id="{7B7758FF-5BBC-4938-9E1A-705B26BE1751}"/>
               </a:ext>
             </a:extLst>
           </p:cNvPr>
@@ -8438,9 +10192,8 @@
                   <a:schemeClr val="accent1"/>
                 </a:solidFill>
               </a:rPr>
-              <a:t>What players can decide</a:t>
-            </a:r>
-            <a:endParaRPr lang="en-US" dirty="0"/>
+              <a:t>Given or predestined condition</a:t>
+            </a:r>
           </a:p>
         </p:txBody>
       </p:sp>
@@ -8449,7 +10202,7 @@
           <p:cNvPr id="3" name="내용 개체 틀 2">
             <a:extLst>
               <a:ext uri="{FF2B5EF4-FFF2-40B4-BE49-F238E27FC236}">
-                <a16:creationId xmlns:a16="http://schemas.microsoft.com/office/drawing/2014/main" id="{66F55456-9ADC-45C6-942C-C8070C027F24}"/>
+                <a16:creationId xmlns:a16="http://schemas.microsoft.com/office/drawing/2014/main" id="{99AAF458-2438-46B2-87EB-7482953B1C2F}"/>
               </a:ext>
             </a:extLst>
           </p:cNvPr>
@@ -8460,637 +10213,55 @@
             <p:ph idx="1"/>
           </p:nvPr>
         </p:nvSpPr>
-        <p:spPr/>
-        <p:txBody>
-          <a:bodyPr/>
-          <a:lstStyle/>
-          <a:p>
-            <a:r>
-              <a:rPr lang="en-US" dirty="0"/>
-              <a:t>Join/quit/just watch a game</a:t>
-            </a:r>
-          </a:p>
-          <a:p>
-            <a:r>
-              <a:rPr lang="en-US" dirty="0"/>
-              <a:t>Betting strategy: check / call / raise / fold </a:t>
-            </a:r>
-          </a:p>
-          <a:p>
-            <a:pPr marL="0" indent="0">
-              <a:buNone/>
-            </a:pPr>
-            <a:r>
-              <a:rPr lang="en-US" dirty="0"/>
-              <a:t>  </a:t>
-            </a:r>
-          </a:p>
-        </p:txBody>
-      </p:sp>
-      <p:sp>
-        <p:nvSpPr>
-          <p:cNvPr id="5" name="직사각형 4">
-            <a:extLst>
-              <a:ext uri="{FF2B5EF4-FFF2-40B4-BE49-F238E27FC236}">
-                <a16:creationId xmlns:a16="http://schemas.microsoft.com/office/drawing/2014/main" id="{A204B191-DB6D-462C-9D39-6144307DC12F}"/>
-              </a:ext>
-            </a:extLst>
-          </p:cNvPr>
-          <p:cNvSpPr/>
-          <p:nvPr/>
-        </p:nvSpPr>
-        <p:spPr>
-          <a:xfrm>
-            <a:off x="1790700" y="3076575"/>
-            <a:ext cx="1714500" cy="476250"/>
-          </a:xfrm>
-          <a:prstGeom prst="rect">
-            <a:avLst/>
-          </a:prstGeom>
-          <a:solidFill>
-            <a:schemeClr val="accent6"/>
-          </a:solidFill>
-        </p:spPr>
-        <p:style>
-          <a:lnRef idx="2">
-            <a:schemeClr val="accent1">
-              <a:shade val="50000"/>
-            </a:schemeClr>
-          </a:lnRef>
-          <a:fillRef idx="1">
-            <a:schemeClr val="accent1"/>
-          </a:fillRef>
-          <a:effectRef idx="0">
-            <a:schemeClr val="accent1"/>
-          </a:effectRef>
-          <a:fontRef idx="minor">
-            <a:schemeClr val="lt1"/>
-          </a:fontRef>
-        </p:style>
-        <p:txBody>
-          <a:bodyPr rtlCol="0" anchor="ctr"/>
-          <a:lstStyle/>
-          <a:p>
-            <a:pPr algn="ctr"/>
-            <a:r>
-              <a:rPr lang="en-US" dirty="0"/>
-              <a:t>check</a:t>
-            </a:r>
-          </a:p>
-        </p:txBody>
-      </p:sp>
-      <p:sp>
-        <p:nvSpPr>
-          <p:cNvPr id="6" name="직사각형 5">
-            <a:extLst>
-              <a:ext uri="{FF2B5EF4-FFF2-40B4-BE49-F238E27FC236}">
-                <a16:creationId xmlns:a16="http://schemas.microsoft.com/office/drawing/2014/main" id="{1F4987DF-E762-46F0-B2A7-1629D9B3AD5E}"/>
-              </a:ext>
-            </a:extLst>
-          </p:cNvPr>
-          <p:cNvSpPr/>
-          <p:nvPr/>
-        </p:nvSpPr>
-        <p:spPr>
-          <a:xfrm>
-            <a:off x="1790700" y="3633338"/>
-            <a:ext cx="1714500" cy="476250"/>
-          </a:xfrm>
-          <a:prstGeom prst="rect">
-            <a:avLst/>
-          </a:prstGeom>
-          <a:solidFill>
-            <a:schemeClr val="accent6"/>
-          </a:solidFill>
-        </p:spPr>
-        <p:style>
-          <a:lnRef idx="2">
-            <a:schemeClr val="accent1">
-              <a:shade val="50000"/>
-            </a:schemeClr>
-          </a:lnRef>
-          <a:fillRef idx="1">
-            <a:schemeClr val="accent1"/>
-          </a:fillRef>
-          <a:effectRef idx="0">
-            <a:schemeClr val="accent1"/>
-          </a:effectRef>
-          <a:fontRef idx="minor">
-            <a:schemeClr val="lt1"/>
-          </a:fontRef>
-        </p:style>
-        <p:txBody>
-          <a:bodyPr rtlCol="0" anchor="ctr"/>
-          <a:lstStyle/>
-          <a:p>
-            <a:pPr algn="ctr"/>
-            <a:r>
-              <a:rPr lang="en-US" dirty="0"/>
-              <a:t>call</a:t>
-            </a:r>
-          </a:p>
-        </p:txBody>
-      </p:sp>
-      <p:sp>
-        <p:nvSpPr>
-          <p:cNvPr id="7" name="직사각형 6">
-            <a:extLst>
-              <a:ext uri="{FF2B5EF4-FFF2-40B4-BE49-F238E27FC236}">
-                <a16:creationId xmlns:a16="http://schemas.microsoft.com/office/drawing/2014/main" id="{2F05521A-CB4A-4C97-82A5-BA8F829C4723}"/>
-              </a:ext>
-            </a:extLst>
-          </p:cNvPr>
-          <p:cNvSpPr/>
-          <p:nvPr/>
-        </p:nvSpPr>
-        <p:spPr>
-          <a:xfrm>
-            <a:off x="1790700" y="4194414"/>
-            <a:ext cx="1714500" cy="476250"/>
-          </a:xfrm>
-          <a:prstGeom prst="rect">
-            <a:avLst/>
-          </a:prstGeom>
-          <a:solidFill>
-            <a:schemeClr val="accent6"/>
-          </a:solidFill>
-        </p:spPr>
-        <p:style>
-          <a:lnRef idx="2">
-            <a:schemeClr val="accent1">
-              <a:shade val="50000"/>
-            </a:schemeClr>
-          </a:lnRef>
-          <a:fillRef idx="1">
-            <a:schemeClr val="accent1"/>
-          </a:fillRef>
-          <a:effectRef idx="0">
-            <a:schemeClr val="accent1"/>
-          </a:effectRef>
-          <a:fontRef idx="minor">
-            <a:schemeClr val="lt1"/>
-          </a:fontRef>
-        </p:style>
-        <p:txBody>
-          <a:bodyPr rtlCol="0" anchor="ctr"/>
-          <a:lstStyle/>
-          <a:p>
-            <a:pPr algn="ctr"/>
-            <a:r>
-              <a:rPr lang="en-US" dirty="0"/>
-              <a:t>raise</a:t>
-            </a:r>
-          </a:p>
-        </p:txBody>
-      </p:sp>
-      <p:sp>
-        <p:nvSpPr>
-          <p:cNvPr id="8" name="직사각형 7">
-            <a:extLst>
-              <a:ext uri="{FF2B5EF4-FFF2-40B4-BE49-F238E27FC236}">
-                <a16:creationId xmlns:a16="http://schemas.microsoft.com/office/drawing/2014/main" id="{5A2BE53D-6C8A-4CAF-817B-C25DFB836F36}"/>
-              </a:ext>
-            </a:extLst>
-          </p:cNvPr>
-          <p:cNvSpPr/>
-          <p:nvPr/>
-        </p:nvSpPr>
-        <p:spPr>
-          <a:xfrm>
-            <a:off x="1790700" y="4755490"/>
-            <a:ext cx="1714500" cy="476250"/>
-          </a:xfrm>
-          <a:prstGeom prst="rect">
-            <a:avLst/>
-          </a:prstGeom>
-          <a:solidFill>
-            <a:schemeClr val="accent6"/>
-          </a:solidFill>
-        </p:spPr>
-        <p:style>
-          <a:lnRef idx="2">
-            <a:schemeClr val="accent1">
-              <a:shade val="50000"/>
-            </a:schemeClr>
-          </a:lnRef>
-          <a:fillRef idx="1">
-            <a:schemeClr val="accent1"/>
-          </a:fillRef>
-          <a:effectRef idx="0">
-            <a:schemeClr val="accent1"/>
-          </a:effectRef>
-          <a:fontRef idx="minor">
-            <a:schemeClr val="lt1"/>
-          </a:fontRef>
-        </p:style>
-        <p:txBody>
-          <a:bodyPr rtlCol="0" anchor="ctr"/>
-          <a:lstStyle/>
-          <a:p>
-            <a:pPr algn="ctr"/>
-            <a:r>
-              <a:rPr lang="en-US" dirty="0"/>
-              <a:t>fold</a:t>
-            </a:r>
-          </a:p>
-        </p:txBody>
-      </p:sp>
-      <p:sp>
-        <p:nvSpPr>
-          <p:cNvPr id="9" name="화살표: 오른쪽 8">
-            <a:extLst>
-              <a:ext uri="{FF2B5EF4-FFF2-40B4-BE49-F238E27FC236}">
-                <a16:creationId xmlns:a16="http://schemas.microsoft.com/office/drawing/2014/main" id="{F3586CCB-0E60-46B2-9499-66330301D292}"/>
-              </a:ext>
-            </a:extLst>
-          </p:cNvPr>
-          <p:cNvSpPr/>
-          <p:nvPr/>
-        </p:nvSpPr>
-        <p:spPr>
-          <a:xfrm rot="403750">
-            <a:off x="3836504" y="3383682"/>
-            <a:ext cx="2152650" cy="161925"/>
-          </a:xfrm>
-          <a:prstGeom prst="rightArrow">
-            <a:avLst/>
-          </a:prstGeom>
-          <a:solidFill>
-            <a:schemeClr val="tx2">
-              <a:lumMod val="75000"/>
-            </a:schemeClr>
-          </a:solidFill>
-        </p:spPr>
-        <p:style>
-          <a:lnRef idx="2">
-            <a:schemeClr val="accent1">
-              <a:shade val="50000"/>
-            </a:schemeClr>
-          </a:lnRef>
-          <a:fillRef idx="1">
-            <a:schemeClr val="accent1"/>
-          </a:fillRef>
-          <a:effectRef idx="0">
-            <a:schemeClr val="accent1"/>
-          </a:effectRef>
-          <a:fontRef idx="minor">
-            <a:schemeClr val="lt1"/>
-          </a:fontRef>
-        </p:style>
-        <p:txBody>
-          <a:bodyPr rtlCol="0" anchor="ctr"/>
-          <a:lstStyle/>
-          <a:p>
-            <a:pPr algn="ctr"/>
-            <a:endParaRPr lang="en-US"/>
-          </a:p>
-        </p:txBody>
-      </p:sp>
-      <p:sp>
-        <p:nvSpPr>
-          <p:cNvPr id="10" name="화살표: 오른쪽 9">
-            <a:extLst>
-              <a:ext uri="{FF2B5EF4-FFF2-40B4-BE49-F238E27FC236}">
-                <a16:creationId xmlns:a16="http://schemas.microsoft.com/office/drawing/2014/main" id="{C3CF0B83-BE3D-45F1-85F8-CC4570D8505F}"/>
-              </a:ext>
-            </a:extLst>
-          </p:cNvPr>
-          <p:cNvSpPr/>
-          <p:nvPr/>
-        </p:nvSpPr>
-        <p:spPr>
-          <a:xfrm>
-            <a:off x="3838575" y="3790500"/>
-            <a:ext cx="2152650" cy="161925"/>
-          </a:xfrm>
-          <a:prstGeom prst="rightArrow">
-            <a:avLst/>
-          </a:prstGeom>
-          <a:solidFill>
-            <a:schemeClr val="tx2">
-              <a:lumMod val="75000"/>
-            </a:schemeClr>
-          </a:solidFill>
-        </p:spPr>
-        <p:style>
-          <a:lnRef idx="2">
-            <a:schemeClr val="accent1">
-              <a:shade val="50000"/>
-            </a:schemeClr>
-          </a:lnRef>
-          <a:fillRef idx="1">
-            <a:schemeClr val="accent1"/>
-          </a:fillRef>
-          <a:effectRef idx="0">
-            <a:schemeClr val="accent1"/>
-          </a:effectRef>
-          <a:fontRef idx="minor">
-            <a:schemeClr val="lt1"/>
-          </a:fontRef>
-        </p:style>
-        <p:txBody>
-          <a:bodyPr rtlCol="0" anchor="ctr"/>
-          <a:lstStyle/>
-          <a:p>
-            <a:pPr algn="ctr"/>
-            <a:endParaRPr lang="en-US"/>
-          </a:p>
-        </p:txBody>
-      </p:sp>
-      <p:sp>
-        <p:nvSpPr>
-          <p:cNvPr id="11" name="화살표: 오른쪽 10">
-            <a:extLst>
-              <a:ext uri="{FF2B5EF4-FFF2-40B4-BE49-F238E27FC236}">
-                <a16:creationId xmlns:a16="http://schemas.microsoft.com/office/drawing/2014/main" id="{54DBC270-D4F0-470C-B836-A85D1F4F32BE}"/>
-              </a:ext>
-            </a:extLst>
-          </p:cNvPr>
-          <p:cNvSpPr/>
-          <p:nvPr/>
-        </p:nvSpPr>
-        <p:spPr>
-          <a:xfrm rot="21058903">
-            <a:off x="3839188" y="4193823"/>
-            <a:ext cx="2152650" cy="161925"/>
-          </a:xfrm>
-          <a:prstGeom prst="rightArrow">
-            <a:avLst/>
-          </a:prstGeom>
-          <a:solidFill>
-            <a:schemeClr val="tx2">
-              <a:lumMod val="75000"/>
-            </a:schemeClr>
-          </a:solidFill>
-        </p:spPr>
-        <p:style>
-          <a:lnRef idx="2">
-            <a:schemeClr val="accent1">
-              <a:shade val="50000"/>
-            </a:schemeClr>
-          </a:lnRef>
-          <a:fillRef idx="1">
-            <a:schemeClr val="accent1"/>
-          </a:fillRef>
-          <a:effectRef idx="0">
-            <a:schemeClr val="accent1"/>
-          </a:effectRef>
-          <a:fontRef idx="minor">
-            <a:schemeClr val="lt1"/>
-          </a:fontRef>
-        </p:style>
-        <p:txBody>
-          <a:bodyPr rtlCol="0" anchor="ctr"/>
-          <a:lstStyle/>
-          <a:p>
-            <a:pPr algn="ctr"/>
-            <a:endParaRPr lang="en-US"/>
-          </a:p>
-        </p:txBody>
-      </p:sp>
-      <p:sp>
-        <p:nvSpPr>
-          <p:cNvPr id="12" name="화살표: 오른쪽 11">
-            <a:extLst>
-              <a:ext uri="{FF2B5EF4-FFF2-40B4-BE49-F238E27FC236}">
-                <a16:creationId xmlns:a16="http://schemas.microsoft.com/office/drawing/2014/main" id="{8EB187E5-944A-4DE1-AB54-E3C6283852D4}"/>
-              </a:ext>
-            </a:extLst>
-          </p:cNvPr>
-          <p:cNvSpPr/>
-          <p:nvPr/>
-        </p:nvSpPr>
-        <p:spPr>
-          <a:xfrm>
-            <a:off x="3838575" y="5018670"/>
-            <a:ext cx="2152650" cy="161925"/>
-          </a:xfrm>
-          <a:prstGeom prst="rightArrow">
-            <a:avLst/>
-          </a:prstGeom>
-          <a:solidFill>
-            <a:schemeClr val="tx2">
-              <a:lumMod val="75000"/>
-            </a:schemeClr>
-          </a:solidFill>
-        </p:spPr>
-        <p:style>
-          <a:lnRef idx="2">
-            <a:schemeClr val="accent1">
-              <a:shade val="50000"/>
-            </a:schemeClr>
-          </a:lnRef>
-          <a:fillRef idx="1">
-            <a:schemeClr val="accent1"/>
-          </a:fillRef>
-          <a:effectRef idx="0">
-            <a:schemeClr val="accent1"/>
-          </a:effectRef>
-          <a:fontRef idx="minor">
-            <a:schemeClr val="lt1"/>
-          </a:fontRef>
-        </p:style>
-        <p:txBody>
-          <a:bodyPr rtlCol="0" anchor="ctr"/>
-          <a:lstStyle/>
-          <a:p>
-            <a:pPr algn="ctr"/>
-            <a:endParaRPr lang="en-US"/>
-          </a:p>
-        </p:txBody>
-      </p:sp>
-      <p:sp>
-        <p:nvSpPr>
-          <p:cNvPr id="13" name="직사각형 12">
-            <a:extLst>
-              <a:ext uri="{FF2B5EF4-FFF2-40B4-BE49-F238E27FC236}">
-                <a16:creationId xmlns:a16="http://schemas.microsoft.com/office/drawing/2014/main" id="{80732D97-D102-4CD2-B64F-BD39441743D3}"/>
-              </a:ext>
-            </a:extLst>
-          </p:cNvPr>
-          <p:cNvSpPr/>
-          <p:nvPr/>
-        </p:nvSpPr>
-        <p:spPr>
-          <a:xfrm>
-            <a:off x="6162677" y="3076575"/>
-            <a:ext cx="5124448" cy="1489522"/>
-          </a:xfrm>
-          <a:prstGeom prst="rect">
-            <a:avLst/>
-          </a:prstGeom>
-          <a:solidFill>
-            <a:schemeClr val="accent1">
-              <a:lumMod val="75000"/>
-            </a:schemeClr>
-          </a:solidFill>
-        </p:spPr>
-        <p:style>
-          <a:lnRef idx="2">
-            <a:schemeClr val="accent1">
-              <a:shade val="50000"/>
-            </a:schemeClr>
-          </a:lnRef>
-          <a:fillRef idx="1">
-            <a:schemeClr val="accent1"/>
-          </a:fillRef>
-          <a:effectRef idx="0">
-            <a:schemeClr val="accent1"/>
-          </a:effectRef>
-          <a:fontRef idx="minor">
-            <a:schemeClr val="lt1"/>
-          </a:fontRef>
-        </p:style>
-        <p:txBody>
-          <a:bodyPr rtlCol="0" anchor="ctr"/>
-          <a:lstStyle/>
-          <a:p>
-            <a:r>
-              <a:rPr lang="en-US" dirty="0"/>
-              <a:t>Decide to keep going in this round of a game</a:t>
-            </a:r>
-          </a:p>
-          <a:p>
-            <a:r>
-              <a:rPr lang="en-US" dirty="0"/>
-              <a:t>  Check: players[</a:t>
-            </a:r>
-            <a:r>
-              <a:rPr lang="en-US" dirty="0" err="1"/>
-              <a:t>i</a:t>
-            </a:r>
-            <a:r>
-              <a:rPr lang="en-US" dirty="0"/>
-              <a:t>].active==1 &amp;&amp; players[</a:t>
-            </a:r>
-            <a:r>
-              <a:rPr lang="en-US" dirty="0" err="1"/>
-              <a:t>i</a:t>
-            </a:r>
-            <a:r>
-              <a:rPr lang="en-US" dirty="0"/>
-              <a:t>].bet($0)</a:t>
-            </a:r>
-          </a:p>
-          <a:p>
-            <a:r>
-              <a:rPr lang="en-US" dirty="0"/>
-              <a:t>  Call: players[</a:t>
-            </a:r>
-            <a:r>
-              <a:rPr lang="en-US" dirty="0" err="1"/>
-              <a:t>i</a:t>
-            </a:r>
-            <a:r>
-              <a:rPr lang="en-US" dirty="0"/>
-              <a:t>].active==1 &amp;&amp; players[</a:t>
-            </a:r>
-            <a:r>
-              <a:rPr lang="en-US" dirty="0" err="1"/>
-              <a:t>i</a:t>
-            </a:r>
-            <a:r>
-              <a:rPr lang="en-US" dirty="0"/>
-              <a:t>].bet($a)</a:t>
-            </a:r>
-          </a:p>
-          <a:p>
-            <a:r>
-              <a:rPr lang="en-US" dirty="0"/>
-              <a:t>  Raise: players[</a:t>
-            </a:r>
-            <a:r>
-              <a:rPr lang="en-US" dirty="0" err="1"/>
-              <a:t>i</a:t>
-            </a:r>
-            <a:r>
-              <a:rPr lang="en-US" dirty="0"/>
-              <a:t>].active==1 &amp;&amp; players[</a:t>
-            </a:r>
-            <a:r>
-              <a:rPr lang="en-US" dirty="0" err="1"/>
-              <a:t>i</a:t>
-            </a:r>
-            <a:r>
-              <a:rPr lang="en-US" dirty="0"/>
-              <a:t>].bet($a+$b)</a:t>
-            </a:r>
-          </a:p>
-        </p:txBody>
-      </p:sp>
-      <p:sp>
-        <p:nvSpPr>
-          <p:cNvPr id="14" name="직사각형 13">
-            <a:extLst>
-              <a:ext uri="{FF2B5EF4-FFF2-40B4-BE49-F238E27FC236}">
-                <a16:creationId xmlns:a16="http://schemas.microsoft.com/office/drawing/2014/main" id="{0DE8F1AB-F470-4044-A19F-ADDB73C9B380}"/>
-              </a:ext>
-            </a:extLst>
-          </p:cNvPr>
-          <p:cNvSpPr/>
-          <p:nvPr/>
-        </p:nvSpPr>
-        <p:spPr>
-          <a:xfrm>
-            <a:off x="6162677" y="4653716"/>
-            <a:ext cx="5124448" cy="651709"/>
-          </a:xfrm>
-          <a:prstGeom prst="rect">
-            <a:avLst/>
-          </a:prstGeom>
-          <a:solidFill>
-            <a:schemeClr val="accent1">
-              <a:lumMod val="75000"/>
-            </a:schemeClr>
-          </a:solidFill>
-        </p:spPr>
-        <p:style>
-          <a:lnRef idx="2">
-            <a:schemeClr val="accent1">
-              <a:shade val="50000"/>
-            </a:schemeClr>
-          </a:lnRef>
-          <a:fillRef idx="1">
-            <a:schemeClr val="accent1"/>
-          </a:fillRef>
-          <a:effectRef idx="0">
-            <a:schemeClr val="accent1"/>
-          </a:effectRef>
-          <a:fontRef idx="minor">
-            <a:schemeClr val="lt1"/>
-          </a:fontRef>
-        </p:style>
-        <p:txBody>
-          <a:bodyPr rtlCol="0" anchor="ctr"/>
-          <a:lstStyle/>
-          <a:p>
-            <a:r>
-              <a:rPr lang="en-US" dirty="0"/>
-              <a:t>Decide to stop here in this round of a game</a:t>
-            </a:r>
-          </a:p>
-          <a:p>
-            <a:r>
-              <a:rPr lang="en-US" dirty="0"/>
-              <a:t>  Fold: players[</a:t>
-            </a:r>
-            <a:r>
-              <a:rPr lang="en-US" dirty="0" err="1"/>
-              <a:t>i</a:t>
-            </a:r>
-            <a:r>
-              <a:rPr lang="en-US" dirty="0"/>
-              <a:t>].active from 1 to 0</a:t>
-            </a:r>
-          </a:p>
-        </p:txBody>
-      </p:sp>
-      <p:sp>
-        <p:nvSpPr>
-          <p:cNvPr id="15" name="TextBox 14">
-            <a:extLst>
-              <a:ext uri="{FF2B5EF4-FFF2-40B4-BE49-F238E27FC236}">
-                <a16:creationId xmlns:a16="http://schemas.microsoft.com/office/drawing/2014/main" id="{FC749F23-4059-4B72-8DA3-F0EC8B1236BC}"/>
+        <p:spPr>
+          <a:xfrm>
+            <a:off x="1451579" y="2015732"/>
+            <a:ext cx="9603275" cy="3584968"/>
+          </a:xfrm>
+        </p:spPr>
+        <p:txBody>
+          <a:bodyPr>
+            <a:normAutofit lnSpcReduction="10000"/>
+          </a:bodyPr>
+          <a:lstStyle/>
+          <a:p>
+            <a:r>
+              <a:rPr lang="en-US" dirty="0"/>
+              <a:t>The number of players</a:t>
+            </a:r>
+          </a:p>
+          <a:p>
+            <a:r>
+              <a:rPr lang="en-US" dirty="0"/>
+              <a:t>The result of shuffle</a:t>
+            </a:r>
+          </a:p>
+          <a:p>
+            <a:r>
+              <a:rPr lang="en-US" dirty="0"/>
+              <a:t>Game Rule</a:t>
+            </a:r>
+          </a:p>
+          <a:p>
+            <a:endParaRPr lang="en-US" dirty="0"/>
+          </a:p>
+          <a:p>
+            <a:endParaRPr lang="en-US" dirty="0"/>
+          </a:p>
+          <a:p>
+            <a:r>
+              <a:rPr lang="en-US" dirty="0"/>
+              <a:t>Betting strategy of another players (Bluffing vs Reasonable Decision) – That is, it’s not only about a calculation of probability. Rather, it’s about a figuring out another player’s betting strategy and its pattern. In this reason, our project is limited with human players.</a:t>
+            </a:r>
+          </a:p>
+        </p:txBody>
+      </p:sp>
+      <p:sp>
+        <p:nvSpPr>
+          <p:cNvPr id="4" name="TextBox 3">
+            <a:extLst>
+              <a:ext uri="{FF2B5EF4-FFF2-40B4-BE49-F238E27FC236}">
+                <a16:creationId xmlns:a16="http://schemas.microsoft.com/office/drawing/2014/main" id="{596DFA62-78CF-43C3-B849-FDF1726CDEE1}"/>
               </a:ext>
             </a:extLst>
           </p:cNvPr>
@@ -9099,8 +10270,8 @@
         </p:nvSpPr>
         <p:spPr>
           <a:xfrm>
-            <a:off x="1790700" y="5305425"/>
-            <a:ext cx="9365947" cy="369332"/>
+            <a:off x="3225304" y="2943135"/>
+            <a:ext cx="7829550" cy="1200329"/>
           </a:xfrm>
           <a:prstGeom prst="rect">
             <a:avLst/>
@@ -9114,17 +10285,34 @@
           <a:lstStyle/>
           <a:p>
             <a:r>
-              <a:rPr lang="en-US"/>
-              <a:t>($a= amount that previous player bet, $b=additional amount current player bet)</a:t>
-            </a:r>
-            <a:endParaRPr lang="en-US" dirty="0"/>
+              <a:rPr lang="en-US" dirty="0"/>
+              <a:t>e.g. Big Blind should initially put money into the pot mandatorily (Small Blind ~ ½)</a:t>
+            </a:r>
+          </a:p>
+          <a:p>
+            <a:r>
+              <a:rPr lang="en-US" dirty="0"/>
+              <a:t>      Dealer distributes cards with a clock-wise order</a:t>
+            </a:r>
+          </a:p>
+          <a:p>
+            <a:r>
+              <a:rPr lang="en-US" dirty="0"/>
+              <a:t>      Procedure ~ “preflop”, “flop”, “river”, “turn”</a:t>
+            </a:r>
+          </a:p>
+          <a:p>
+            <a:r>
+              <a:rPr lang="en-US" dirty="0"/>
+              <a:t>      After each procedure, dealer throw away a card</a:t>
+            </a:r>
           </a:p>
         </p:txBody>
       </p:sp>
     </p:spTree>
     <p:extLst>
       <p:ext uri="{BB962C8B-B14F-4D97-AF65-F5344CB8AC3E}">
-        <p14:creationId xmlns:p14="http://schemas.microsoft.com/office/powerpoint/2010/main" val="3251104225"/>
+        <p14:creationId xmlns:p14="http://schemas.microsoft.com/office/powerpoint/2010/main" val="3488166330"/>
       </p:ext>
     </p:extLst>
   </p:cSld>
@@ -9156,7 +10344,7 @@
           <p:cNvPr id="2" name="제목 1">
             <a:extLst>
               <a:ext uri="{FF2B5EF4-FFF2-40B4-BE49-F238E27FC236}">
-                <a16:creationId xmlns:a16="http://schemas.microsoft.com/office/drawing/2014/main" id="{F7AF2753-E1AE-4F42-8EA8-D7230A82F685}"/>
+                <a16:creationId xmlns:a16="http://schemas.microsoft.com/office/drawing/2014/main" id="{D1C502B7-4B29-443B-839F-406955B282C7}"/>
               </a:ext>
             </a:extLst>
           </p:cNvPr>
@@ -9172,7 +10360,34 @@
           <a:bodyPr/>
           <a:lstStyle/>
           <a:p>
-            <a:endParaRPr lang="en-US"/>
+            <a:r>
+              <a:rPr lang="en-US" dirty="0"/>
+              <a:t>Understanding of Texas </a:t>
+            </a:r>
+            <a:r>
+              <a:rPr lang="en-US" dirty="0" err="1"/>
+              <a:t>holdem</a:t>
+            </a:r>
+            <a:r>
+              <a:rPr lang="en-US" dirty="0"/>
+              <a:t> 4</a:t>
+            </a:r>
+            <a:br>
+              <a:rPr lang="en-US" dirty="0"/>
+            </a:br>
+            <a:r>
+              <a:rPr lang="en-US" dirty="0"/>
+              <a:t> - </a:t>
+            </a:r>
+            <a:r>
+              <a:rPr lang="en-US" dirty="0">
+                <a:solidFill>
+                  <a:schemeClr val="accent1"/>
+                </a:solidFill>
+              </a:rPr>
+              <a:t>What players can decide</a:t>
+            </a:r>
+            <a:endParaRPr lang="en-US" dirty="0"/>
           </a:p>
         </p:txBody>
       </p:sp>
@@ -9181,7 +10396,7 @@
           <p:cNvPr id="3" name="내용 개체 틀 2">
             <a:extLst>
               <a:ext uri="{FF2B5EF4-FFF2-40B4-BE49-F238E27FC236}">
-                <a16:creationId xmlns:a16="http://schemas.microsoft.com/office/drawing/2014/main" id="{1DC0156F-5EFF-42F3-92A2-37909AC89782}"/>
+                <a16:creationId xmlns:a16="http://schemas.microsoft.com/office/drawing/2014/main" id="{66F55456-9ADC-45C6-942C-C8070C027F24}"/>
               </a:ext>
             </a:extLst>
           </p:cNvPr>
@@ -9197,14 +10412,666 @@
           <a:bodyPr/>
           <a:lstStyle/>
           <a:p>
+            <a:r>
+              <a:rPr lang="en-US" dirty="0"/>
+              <a:t>Join/quit/just watch a game</a:t>
+            </a:r>
+          </a:p>
+          <a:p>
+            <a:r>
+              <a:rPr lang="en-US" dirty="0"/>
+              <a:t>Betting strategy: check / call / raise / fold </a:t>
+            </a:r>
+          </a:p>
+          <a:p>
+            <a:pPr marL="0" indent="0">
+              <a:buNone/>
+            </a:pPr>
+            <a:r>
+              <a:rPr lang="en-US" dirty="0"/>
+              <a:t>  </a:t>
+            </a:r>
+          </a:p>
+        </p:txBody>
+      </p:sp>
+      <p:sp>
+        <p:nvSpPr>
+          <p:cNvPr id="5" name="직사각형 4">
+            <a:extLst>
+              <a:ext uri="{FF2B5EF4-FFF2-40B4-BE49-F238E27FC236}">
+                <a16:creationId xmlns:a16="http://schemas.microsoft.com/office/drawing/2014/main" id="{A204B191-DB6D-462C-9D39-6144307DC12F}"/>
+              </a:ext>
+            </a:extLst>
+          </p:cNvPr>
+          <p:cNvSpPr/>
+          <p:nvPr/>
+        </p:nvSpPr>
+        <p:spPr>
+          <a:xfrm>
+            <a:off x="1790700" y="3076575"/>
+            <a:ext cx="1714500" cy="476250"/>
+          </a:xfrm>
+          <a:prstGeom prst="rect">
+            <a:avLst/>
+          </a:prstGeom>
+          <a:solidFill>
+            <a:schemeClr val="accent6"/>
+          </a:solidFill>
+        </p:spPr>
+        <p:style>
+          <a:lnRef idx="2">
+            <a:schemeClr val="accent1">
+              <a:shade val="50000"/>
+            </a:schemeClr>
+          </a:lnRef>
+          <a:fillRef idx="1">
+            <a:schemeClr val="accent1"/>
+          </a:fillRef>
+          <a:effectRef idx="0">
+            <a:schemeClr val="accent1"/>
+          </a:effectRef>
+          <a:fontRef idx="minor">
+            <a:schemeClr val="lt1"/>
+          </a:fontRef>
+        </p:style>
+        <p:txBody>
+          <a:bodyPr rtlCol="0" anchor="ctr"/>
+          <a:lstStyle/>
+          <a:p>
+            <a:pPr algn="ctr"/>
+            <a:r>
+              <a:rPr lang="en-US" dirty="0"/>
+              <a:t>check</a:t>
+            </a:r>
+          </a:p>
+        </p:txBody>
+      </p:sp>
+      <p:sp>
+        <p:nvSpPr>
+          <p:cNvPr id="6" name="직사각형 5">
+            <a:extLst>
+              <a:ext uri="{FF2B5EF4-FFF2-40B4-BE49-F238E27FC236}">
+                <a16:creationId xmlns:a16="http://schemas.microsoft.com/office/drawing/2014/main" id="{1F4987DF-E762-46F0-B2A7-1629D9B3AD5E}"/>
+              </a:ext>
+            </a:extLst>
+          </p:cNvPr>
+          <p:cNvSpPr/>
+          <p:nvPr/>
+        </p:nvSpPr>
+        <p:spPr>
+          <a:xfrm>
+            <a:off x="1790700" y="3633338"/>
+            <a:ext cx="1714500" cy="476250"/>
+          </a:xfrm>
+          <a:prstGeom prst="rect">
+            <a:avLst/>
+          </a:prstGeom>
+          <a:solidFill>
+            <a:schemeClr val="accent6"/>
+          </a:solidFill>
+        </p:spPr>
+        <p:style>
+          <a:lnRef idx="2">
+            <a:schemeClr val="accent1">
+              <a:shade val="50000"/>
+            </a:schemeClr>
+          </a:lnRef>
+          <a:fillRef idx="1">
+            <a:schemeClr val="accent1"/>
+          </a:fillRef>
+          <a:effectRef idx="0">
+            <a:schemeClr val="accent1"/>
+          </a:effectRef>
+          <a:fontRef idx="minor">
+            <a:schemeClr val="lt1"/>
+          </a:fontRef>
+        </p:style>
+        <p:txBody>
+          <a:bodyPr rtlCol="0" anchor="ctr"/>
+          <a:lstStyle/>
+          <a:p>
+            <a:pPr algn="ctr"/>
+            <a:r>
+              <a:rPr lang="en-US" dirty="0"/>
+              <a:t>call</a:t>
+            </a:r>
+          </a:p>
+        </p:txBody>
+      </p:sp>
+      <p:sp>
+        <p:nvSpPr>
+          <p:cNvPr id="7" name="직사각형 6">
+            <a:extLst>
+              <a:ext uri="{FF2B5EF4-FFF2-40B4-BE49-F238E27FC236}">
+                <a16:creationId xmlns:a16="http://schemas.microsoft.com/office/drawing/2014/main" id="{2F05521A-CB4A-4C97-82A5-BA8F829C4723}"/>
+              </a:ext>
+            </a:extLst>
+          </p:cNvPr>
+          <p:cNvSpPr/>
+          <p:nvPr/>
+        </p:nvSpPr>
+        <p:spPr>
+          <a:xfrm>
+            <a:off x="1790700" y="4194414"/>
+            <a:ext cx="1714500" cy="476250"/>
+          </a:xfrm>
+          <a:prstGeom prst="rect">
+            <a:avLst/>
+          </a:prstGeom>
+          <a:solidFill>
+            <a:schemeClr val="accent6"/>
+          </a:solidFill>
+        </p:spPr>
+        <p:style>
+          <a:lnRef idx="2">
+            <a:schemeClr val="accent1">
+              <a:shade val="50000"/>
+            </a:schemeClr>
+          </a:lnRef>
+          <a:fillRef idx="1">
+            <a:schemeClr val="accent1"/>
+          </a:fillRef>
+          <a:effectRef idx="0">
+            <a:schemeClr val="accent1"/>
+          </a:effectRef>
+          <a:fontRef idx="minor">
+            <a:schemeClr val="lt1"/>
+          </a:fontRef>
+        </p:style>
+        <p:txBody>
+          <a:bodyPr rtlCol="0" anchor="ctr"/>
+          <a:lstStyle/>
+          <a:p>
+            <a:pPr algn="ctr"/>
+            <a:r>
+              <a:rPr lang="en-US" dirty="0"/>
+              <a:t>raise</a:t>
+            </a:r>
+          </a:p>
+        </p:txBody>
+      </p:sp>
+      <p:sp>
+        <p:nvSpPr>
+          <p:cNvPr id="8" name="직사각형 7">
+            <a:extLst>
+              <a:ext uri="{FF2B5EF4-FFF2-40B4-BE49-F238E27FC236}">
+                <a16:creationId xmlns:a16="http://schemas.microsoft.com/office/drawing/2014/main" id="{5A2BE53D-6C8A-4CAF-817B-C25DFB836F36}"/>
+              </a:ext>
+            </a:extLst>
+          </p:cNvPr>
+          <p:cNvSpPr/>
+          <p:nvPr/>
+        </p:nvSpPr>
+        <p:spPr>
+          <a:xfrm>
+            <a:off x="1790700" y="4755490"/>
+            <a:ext cx="1714500" cy="476250"/>
+          </a:xfrm>
+          <a:prstGeom prst="rect">
+            <a:avLst/>
+          </a:prstGeom>
+          <a:solidFill>
+            <a:schemeClr val="accent6"/>
+          </a:solidFill>
+        </p:spPr>
+        <p:style>
+          <a:lnRef idx="2">
+            <a:schemeClr val="accent1">
+              <a:shade val="50000"/>
+            </a:schemeClr>
+          </a:lnRef>
+          <a:fillRef idx="1">
+            <a:schemeClr val="accent1"/>
+          </a:fillRef>
+          <a:effectRef idx="0">
+            <a:schemeClr val="accent1"/>
+          </a:effectRef>
+          <a:fontRef idx="minor">
+            <a:schemeClr val="lt1"/>
+          </a:fontRef>
+        </p:style>
+        <p:txBody>
+          <a:bodyPr rtlCol="0" anchor="ctr"/>
+          <a:lstStyle/>
+          <a:p>
+            <a:pPr algn="ctr"/>
+            <a:r>
+              <a:rPr lang="en-US" dirty="0"/>
+              <a:t>fold</a:t>
+            </a:r>
+          </a:p>
+        </p:txBody>
+      </p:sp>
+      <p:sp>
+        <p:nvSpPr>
+          <p:cNvPr id="9" name="화살표: 오른쪽 8">
+            <a:extLst>
+              <a:ext uri="{FF2B5EF4-FFF2-40B4-BE49-F238E27FC236}">
+                <a16:creationId xmlns:a16="http://schemas.microsoft.com/office/drawing/2014/main" id="{F3586CCB-0E60-46B2-9499-66330301D292}"/>
+              </a:ext>
+            </a:extLst>
+          </p:cNvPr>
+          <p:cNvSpPr/>
+          <p:nvPr/>
+        </p:nvSpPr>
+        <p:spPr>
+          <a:xfrm rot="403750">
+            <a:off x="3836504" y="3383682"/>
+            <a:ext cx="2152650" cy="161925"/>
+          </a:xfrm>
+          <a:prstGeom prst="rightArrow">
+            <a:avLst/>
+          </a:prstGeom>
+          <a:solidFill>
+            <a:schemeClr val="tx2">
+              <a:lumMod val="75000"/>
+            </a:schemeClr>
+          </a:solidFill>
+        </p:spPr>
+        <p:style>
+          <a:lnRef idx="2">
+            <a:schemeClr val="accent1">
+              <a:shade val="50000"/>
+            </a:schemeClr>
+          </a:lnRef>
+          <a:fillRef idx="1">
+            <a:schemeClr val="accent1"/>
+          </a:fillRef>
+          <a:effectRef idx="0">
+            <a:schemeClr val="accent1"/>
+          </a:effectRef>
+          <a:fontRef idx="minor">
+            <a:schemeClr val="lt1"/>
+          </a:fontRef>
+        </p:style>
+        <p:txBody>
+          <a:bodyPr rtlCol="0" anchor="ctr"/>
+          <a:lstStyle/>
+          <a:p>
+            <a:pPr algn="ctr"/>
             <a:endParaRPr lang="en-US"/>
+          </a:p>
+        </p:txBody>
+      </p:sp>
+      <p:sp>
+        <p:nvSpPr>
+          <p:cNvPr id="10" name="화살표: 오른쪽 9">
+            <a:extLst>
+              <a:ext uri="{FF2B5EF4-FFF2-40B4-BE49-F238E27FC236}">
+                <a16:creationId xmlns:a16="http://schemas.microsoft.com/office/drawing/2014/main" id="{C3CF0B83-BE3D-45F1-85F8-CC4570D8505F}"/>
+              </a:ext>
+            </a:extLst>
+          </p:cNvPr>
+          <p:cNvSpPr/>
+          <p:nvPr/>
+        </p:nvSpPr>
+        <p:spPr>
+          <a:xfrm>
+            <a:off x="3838575" y="3790500"/>
+            <a:ext cx="2152650" cy="161925"/>
+          </a:xfrm>
+          <a:prstGeom prst="rightArrow">
+            <a:avLst/>
+          </a:prstGeom>
+          <a:solidFill>
+            <a:schemeClr val="tx2">
+              <a:lumMod val="75000"/>
+            </a:schemeClr>
+          </a:solidFill>
+        </p:spPr>
+        <p:style>
+          <a:lnRef idx="2">
+            <a:schemeClr val="accent1">
+              <a:shade val="50000"/>
+            </a:schemeClr>
+          </a:lnRef>
+          <a:fillRef idx="1">
+            <a:schemeClr val="accent1"/>
+          </a:fillRef>
+          <a:effectRef idx="0">
+            <a:schemeClr val="accent1"/>
+          </a:effectRef>
+          <a:fontRef idx="minor">
+            <a:schemeClr val="lt1"/>
+          </a:fontRef>
+        </p:style>
+        <p:txBody>
+          <a:bodyPr rtlCol="0" anchor="ctr"/>
+          <a:lstStyle/>
+          <a:p>
+            <a:pPr algn="ctr"/>
+            <a:endParaRPr lang="en-US"/>
+          </a:p>
+        </p:txBody>
+      </p:sp>
+      <p:sp>
+        <p:nvSpPr>
+          <p:cNvPr id="11" name="화살표: 오른쪽 10">
+            <a:extLst>
+              <a:ext uri="{FF2B5EF4-FFF2-40B4-BE49-F238E27FC236}">
+                <a16:creationId xmlns:a16="http://schemas.microsoft.com/office/drawing/2014/main" id="{54DBC270-D4F0-470C-B836-A85D1F4F32BE}"/>
+              </a:ext>
+            </a:extLst>
+          </p:cNvPr>
+          <p:cNvSpPr/>
+          <p:nvPr/>
+        </p:nvSpPr>
+        <p:spPr>
+          <a:xfrm rot="21058903">
+            <a:off x="3839188" y="4193823"/>
+            <a:ext cx="2152650" cy="161925"/>
+          </a:xfrm>
+          <a:prstGeom prst="rightArrow">
+            <a:avLst/>
+          </a:prstGeom>
+          <a:solidFill>
+            <a:schemeClr val="tx2">
+              <a:lumMod val="75000"/>
+            </a:schemeClr>
+          </a:solidFill>
+        </p:spPr>
+        <p:style>
+          <a:lnRef idx="2">
+            <a:schemeClr val="accent1">
+              <a:shade val="50000"/>
+            </a:schemeClr>
+          </a:lnRef>
+          <a:fillRef idx="1">
+            <a:schemeClr val="accent1"/>
+          </a:fillRef>
+          <a:effectRef idx="0">
+            <a:schemeClr val="accent1"/>
+          </a:effectRef>
+          <a:fontRef idx="minor">
+            <a:schemeClr val="lt1"/>
+          </a:fontRef>
+        </p:style>
+        <p:txBody>
+          <a:bodyPr rtlCol="0" anchor="ctr"/>
+          <a:lstStyle/>
+          <a:p>
+            <a:pPr algn="ctr"/>
+            <a:endParaRPr lang="en-US"/>
+          </a:p>
+        </p:txBody>
+      </p:sp>
+      <p:sp>
+        <p:nvSpPr>
+          <p:cNvPr id="12" name="화살표: 오른쪽 11">
+            <a:extLst>
+              <a:ext uri="{FF2B5EF4-FFF2-40B4-BE49-F238E27FC236}">
+                <a16:creationId xmlns:a16="http://schemas.microsoft.com/office/drawing/2014/main" id="{8EB187E5-944A-4DE1-AB54-E3C6283852D4}"/>
+              </a:ext>
+            </a:extLst>
+          </p:cNvPr>
+          <p:cNvSpPr/>
+          <p:nvPr/>
+        </p:nvSpPr>
+        <p:spPr>
+          <a:xfrm>
+            <a:off x="3838575" y="5018670"/>
+            <a:ext cx="2152650" cy="161925"/>
+          </a:xfrm>
+          <a:prstGeom prst="rightArrow">
+            <a:avLst/>
+          </a:prstGeom>
+          <a:solidFill>
+            <a:schemeClr val="tx2">
+              <a:lumMod val="75000"/>
+            </a:schemeClr>
+          </a:solidFill>
+        </p:spPr>
+        <p:style>
+          <a:lnRef idx="2">
+            <a:schemeClr val="accent1">
+              <a:shade val="50000"/>
+            </a:schemeClr>
+          </a:lnRef>
+          <a:fillRef idx="1">
+            <a:schemeClr val="accent1"/>
+          </a:fillRef>
+          <a:effectRef idx="0">
+            <a:schemeClr val="accent1"/>
+          </a:effectRef>
+          <a:fontRef idx="minor">
+            <a:schemeClr val="lt1"/>
+          </a:fontRef>
+        </p:style>
+        <p:txBody>
+          <a:bodyPr rtlCol="0" anchor="ctr"/>
+          <a:lstStyle/>
+          <a:p>
+            <a:pPr algn="ctr"/>
+            <a:endParaRPr lang="en-US"/>
+          </a:p>
+        </p:txBody>
+      </p:sp>
+      <p:sp>
+        <p:nvSpPr>
+          <p:cNvPr id="13" name="직사각형 12">
+            <a:extLst>
+              <a:ext uri="{FF2B5EF4-FFF2-40B4-BE49-F238E27FC236}">
+                <a16:creationId xmlns:a16="http://schemas.microsoft.com/office/drawing/2014/main" id="{80732D97-D102-4CD2-B64F-BD39441743D3}"/>
+              </a:ext>
+            </a:extLst>
+          </p:cNvPr>
+          <p:cNvSpPr/>
+          <p:nvPr/>
+        </p:nvSpPr>
+        <p:spPr>
+          <a:xfrm>
+            <a:off x="6162677" y="3076575"/>
+            <a:ext cx="5124448" cy="1489522"/>
+          </a:xfrm>
+          <a:prstGeom prst="rect">
+            <a:avLst/>
+          </a:prstGeom>
+          <a:solidFill>
+            <a:schemeClr val="accent1">
+              <a:lumMod val="75000"/>
+            </a:schemeClr>
+          </a:solidFill>
+        </p:spPr>
+        <p:style>
+          <a:lnRef idx="2">
+            <a:schemeClr val="accent1">
+              <a:shade val="50000"/>
+            </a:schemeClr>
+          </a:lnRef>
+          <a:fillRef idx="1">
+            <a:schemeClr val="accent1"/>
+          </a:fillRef>
+          <a:effectRef idx="0">
+            <a:schemeClr val="accent1"/>
+          </a:effectRef>
+          <a:fontRef idx="minor">
+            <a:schemeClr val="lt1"/>
+          </a:fontRef>
+        </p:style>
+        <p:txBody>
+          <a:bodyPr rtlCol="0" anchor="ctr"/>
+          <a:lstStyle/>
+          <a:p>
+            <a:r>
+              <a:rPr lang="en-US" dirty="0"/>
+              <a:t>Decide to keep going in this round of a game</a:t>
+            </a:r>
+          </a:p>
+          <a:p>
+            <a:r>
+              <a:rPr lang="en-US" dirty="0"/>
+              <a:t>  Check: players[</a:t>
+            </a:r>
+            <a:r>
+              <a:rPr lang="en-US" dirty="0" err="1"/>
+              <a:t>i</a:t>
+            </a:r>
+            <a:r>
+              <a:rPr lang="en-US" dirty="0"/>
+              <a:t>].active==1 &amp;&amp; players[</a:t>
+            </a:r>
+            <a:r>
+              <a:rPr lang="en-US" dirty="0" err="1"/>
+              <a:t>i</a:t>
+            </a:r>
+            <a:r>
+              <a:rPr lang="en-US" dirty="0"/>
+              <a:t>].bet($0)</a:t>
+            </a:r>
+          </a:p>
+          <a:p>
+            <a:r>
+              <a:rPr lang="en-US" dirty="0"/>
+              <a:t>  Call: players[</a:t>
+            </a:r>
+            <a:r>
+              <a:rPr lang="en-US" dirty="0" err="1"/>
+              <a:t>i</a:t>
+            </a:r>
+            <a:r>
+              <a:rPr lang="en-US" dirty="0"/>
+              <a:t>].active==1 &amp;&amp; players[</a:t>
+            </a:r>
+            <a:r>
+              <a:rPr lang="en-US" dirty="0" err="1"/>
+              <a:t>i</a:t>
+            </a:r>
+            <a:r>
+              <a:rPr lang="en-US" dirty="0"/>
+              <a:t>].bet($a)</a:t>
+            </a:r>
+          </a:p>
+          <a:p>
+            <a:r>
+              <a:rPr lang="en-US" dirty="0"/>
+              <a:t>  Raise: players[</a:t>
+            </a:r>
+            <a:r>
+              <a:rPr lang="en-US" dirty="0" err="1"/>
+              <a:t>i</a:t>
+            </a:r>
+            <a:r>
+              <a:rPr lang="en-US" dirty="0"/>
+              <a:t>].active==1 &amp;&amp; players[</a:t>
+            </a:r>
+            <a:r>
+              <a:rPr lang="en-US" dirty="0" err="1"/>
+              <a:t>i</a:t>
+            </a:r>
+            <a:r>
+              <a:rPr lang="en-US" dirty="0"/>
+              <a:t>].bet($a+$b)</a:t>
+            </a:r>
+          </a:p>
+        </p:txBody>
+      </p:sp>
+      <p:sp>
+        <p:nvSpPr>
+          <p:cNvPr id="14" name="직사각형 13">
+            <a:extLst>
+              <a:ext uri="{FF2B5EF4-FFF2-40B4-BE49-F238E27FC236}">
+                <a16:creationId xmlns:a16="http://schemas.microsoft.com/office/drawing/2014/main" id="{0DE8F1AB-F470-4044-A19F-ADDB73C9B380}"/>
+              </a:ext>
+            </a:extLst>
+          </p:cNvPr>
+          <p:cNvSpPr/>
+          <p:nvPr/>
+        </p:nvSpPr>
+        <p:spPr>
+          <a:xfrm>
+            <a:off x="6162677" y="4653716"/>
+            <a:ext cx="5124448" cy="651709"/>
+          </a:xfrm>
+          <a:prstGeom prst="rect">
+            <a:avLst/>
+          </a:prstGeom>
+          <a:solidFill>
+            <a:schemeClr val="accent1">
+              <a:lumMod val="75000"/>
+            </a:schemeClr>
+          </a:solidFill>
+        </p:spPr>
+        <p:style>
+          <a:lnRef idx="2">
+            <a:schemeClr val="accent1">
+              <a:shade val="50000"/>
+            </a:schemeClr>
+          </a:lnRef>
+          <a:fillRef idx="1">
+            <a:schemeClr val="accent1"/>
+          </a:fillRef>
+          <a:effectRef idx="0">
+            <a:schemeClr val="accent1"/>
+          </a:effectRef>
+          <a:fontRef idx="minor">
+            <a:schemeClr val="lt1"/>
+          </a:fontRef>
+        </p:style>
+        <p:txBody>
+          <a:bodyPr rtlCol="0" anchor="ctr"/>
+          <a:lstStyle/>
+          <a:p>
+            <a:r>
+              <a:rPr lang="en-US" dirty="0"/>
+              <a:t>Decide to stop here in this round of a game</a:t>
+            </a:r>
+          </a:p>
+          <a:p>
+            <a:r>
+              <a:rPr lang="en-US" dirty="0"/>
+              <a:t>  Fold: players[</a:t>
+            </a:r>
+            <a:r>
+              <a:rPr lang="en-US" dirty="0" err="1"/>
+              <a:t>i</a:t>
+            </a:r>
+            <a:r>
+              <a:rPr lang="en-US" dirty="0"/>
+              <a:t>].active from 1 to 0</a:t>
+            </a:r>
+          </a:p>
+        </p:txBody>
+      </p:sp>
+      <p:sp>
+        <p:nvSpPr>
+          <p:cNvPr id="15" name="TextBox 14">
+            <a:extLst>
+              <a:ext uri="{FF2B5EF4-FFF2-40B4-BE49-F238E27FC236}">
+                <a16:creationId xmlns:a16="http://schemas.microsoft.com/office/drawing/2014/main" id="{FC749F23-4059-4B72-8DA3-F0EC8B1236BC}"/>
+              </a:ext>
+            </a:extLst>
+          </p:cNvPr>
+          <p:cNvSpPr txBox="1"/>
+          <p:nvPr/>
+        </p:nvSpPr>
+        <p:spPr>
+          <a:xfrm>
+            <a:off x="1790700" y="5305425"/>
+            <a:ext cx="9365947" cy="369332"/>
+          </a:xfrm>
+          <a:prstGeom prst="rect">
+            <a:avLst/>
+          </a:prstGeom>
+          <a:noFill/>
+        </p:spPr>
+        <p:txBody>
+          <a:bodyPr wrap="square" rtlCol="0">
+            <a:spAutoFit/>
+          </a:bodyPr>
+          <a:lstStyle/>
+          <a:p>
+            <a:r>
+              <a:rPr lang="en-US"/>
+              <a:t>($a= amount that previous player bet, $b=additional amount current player bet)</a:t>
+            </a:r>
+            <a:endParaRPr lang="en-US" dirty="0"/>
           </a:p>
         </p:txBody>
       </p:sp>
     </p:spTree>
     <p:extLst>
       <p:ext uri="{BB962C8B-B14F-4D97-AF65-F5344CB8AC3E}">
-        <p14:creationId xmlns:p14="http://schemas.microsoft.com/office/powerpoint/2010/main" val="242232581"/>
+        <p14:creationId xmlns:p14="http://schemas.microsoft.com/office/powerpoint/2010/main" val="3251104225"/>
       </p:ext>
     </p:extLst>
   </p:cSld>
@@ -9236,7 +11103,7 @@
           <p:cNvPr id="2" name="제목 1">
             <a:extLst>
               <a:ext uri="{FF2B5EF4-FFF2-40B4-BE49-F238E27FC236}">
-                <a16:creationId xmlns:a16="http://schemas.microsoft.com/office/drawing/2014/main" id="{97EA1490-C405-417E-A0ED-4766BC0556D4}"/>
+                <a16:creationId xmlns:a16="http://schemas.microsoft.com/office/drawing/2014/main" id="{F7AF2753-E1AE-4F42-8EA8-D7230A82F685}"/>
               </a:ext>
             </a:extLst>
           </p:cNvPr>
@@ -9252,39 +11119,266 @@
           <a:bodyPr/>
           <a:lstStyle/>
           <a:p>
-            <a:endParaRPr lang="en-US"/>
-          </a:p>
-        </p:txBody>
-      </p:sp>
-      <p:sp>
-        <p:nvSpPr>
-          <p:cNvPr id="3" name="내용 개체 틀 2">
-            <a:extLst>
-              <a:ext uri="{FF2B5EF4-FFF2-40B4-BE49-F238E27FC236}">
-                <a16:creationId xmlns:a16="http://schemas.microsoft.com/office/drawing/2014/main" id="{C8DFB6FA-7E5E-4458-98C6-6B00D4C6EE73}"/>
-              </a:ext>
-            </a:extLst>
-          </p:cNvPr>
-          <p:cNvSpPr>
-            <a:spLocks noGrp="1"/>
-          </p:cNvSpPr>
-          <p:nvPr>
-            <p:ph idx="1"/>
-          </p:nvPr>
-        </p:nvSpPr>
-        <p:spPr/>
-        <p:txBody>
-          <a:bodyPr/>
-          <a:lstStyle/>
-          <a:p>
-            <a:endParaRPr lang="en-US"/>
-          </a:p>
-        </p:txBody>
-      </p:sp>
+            <a:r>
+              <a:rPr lang="en-US" dirty="0"/>
+              <a:t>Object 1</a:t>
+            </a:r>
+            <a:br>
+              <a:rPr lang="en-US" dirty="0"/>
+            </a:br>
+            <a:r>
+              <a:rPr lang="en-US" dirty="0"/>
+              <a:t> - </a:t>
+            </a:r>
+            <a:r>
+              <a:rPr lang="en-US" dirty="0">
+                <a:solidFill>
+                  <a:schemeClr val="accent1"/>
+                </a:solidFill>
+              </a:rPr>
+              <a:t>(1)</a:t>
+            </a:r>
+            <a:r>
+              <a:rPr lang="en-US" dirty="0"/>
+              <a:t> </a:t>
+            </a:r>
+            <a:r>
+              <a:rPr lang="en-US" dirty="0">
+                <a:solidFill>
+                  <a:schemeClr val="accent1"/>
+                </a:solidFill>
+              </a:rPr>
+              <a:t>Card </a:t>
+            </a:r>
+            <a:endParaRPr lang="en-US" dirty="0"/>
+          </a:p>
+        </p:txBody>
+      </p:sp>
+      <p:pic>
+        <p:nvPicPr>
+          <p:cNvPr id="5" name="그림 4">
+            <a:extLst>
+              <a:ext uri="{FF2B5EF4-FFF2-40B4-BE49-F238E27FC236}">
+                <a16:creationId xmlns:a16="http://schemas.microsoft.com/office/drawing/2014/main" id="{FAB6CFD2-D5C8-4006-8655-B82D42420FCA}"/>
+              </a:ext>
+            </a:extLst>
+          </p:cNvPr>
+          <p:cNvPicPr>
+            <a:picLocks noChangeAspect="1"/>
+          </p:cNvPicPr>
+          <p:nvPr/>
+        </p:nvPicPr>
+        <p:blipFill>
+          <a:blip r:embed="rId2"/>
+          <a:stretch>
+            <a:fillRect/>
+          </a:stretch>
+        </p:blipFill>
+        <p:spPr>
+          <a:xfrm>
+            <a:off x="3029474" y="2865097"/>
+            <a:ext cx="1381125" cy="1447800"/>
+          </a:xfrm>
+          <a:prstGeom prst="rect">
+            <a:avLst/>
+          </a:prstGeom>
+        </p:spPr>
+      </p:pic>
+      <p:pic>
+        <p:nvPicPr>
+          <p:cNvPr id="6" name="그림 5">
+            <a:extLst>
+              <a:ext uri="{FF2B5EF4-FFF2-40B4-BE49-F238E27FC236}">
+                <a16:creationId xmlns:a16="http://schemas.microsoft.com/office/drawing/2014/main" id="{EE038B08-6B10-4FFC-9C26-27F0270DC245}"/>
+              </a:ext>
+            </a:extLst>
+          </p:cNvPr>
+          <p:cNvPicPr>
+            <a:picLocks noChangeAspect="1"/>
+          </p:cNvPicPr>
+          <p:nvPr/>
+        </p:nvPicPr>
+        <p:blipFill>
+          <a:blip r:embed="rId3"/>
+          <a:stretch>
+            <a:fillRect/>
+          </a:stretch>
+        </p:blipFill>
+        <p:spPr>
+          <a:xfrm>
+            <a:off x="7571379" y="2591846"/>
+            <a:ext cx="2924175" cy="2971800"/>
+          </a:xfrm>
+          <a:prstGeom prst="rect">
+            <a:avLst/>
+          </a:prstGeom>
+        </p:spPr>
+      </p:pic>
+      <p:sp>
+        <p:nvSpPr>
+          <p:cNvPr id="8" name="직사각형 7">
+            <a:extLst>
+              <a:ext uri="{FF2B5EF4-FFF2-40B4-BE49-F238E27FC236}">
+                <a16:creationId xmlns:a16="http://schemas.microsoft.com/office/drawing/2014/main" id="{1504ADFD-0375-4D57-A0E5-87A44758864B}"/>
+              </a:ext>
+            </a:extLst>
+          </p:cNvPr>
+          <p:cNvSpPr/>
+          <p:nvPr/>
+        </p:nvSpPr>
+        <p:spPr>
+          <a:xfrm>
+            <a:off x="7600226" y="2172639"/>
+            <a:ext cx="2866483" cy="310591"/>
+          </a:xfrm>
+          <a:prstGeom prst="rect">
+            <a:avLst/>
+          </a:prstGeom>
+          <a:solidFill>
+            <a:schemeClr val="accent5">
+              <a:lumMod val="50000"/>
+            </a:schemeClr>
+          </a:solidFill>
+        </p:spPr>
+        <p:style>
+          <a:lnRef idx="2">
+            <a:schemeClr val="accent1">
+              <a:shade val="50000"/>
+            </a:schemeClr>
+          </a:lnRef>
+          <a:fillRef idx="1">
+            <a:schemeClr val="accent1"/>
+          </a:fillRef>
+          <a:effectRef idx="0">
+            <a:schemeClr val="accent1"/>
+          </a:effectRef>
+          <a:fontRef idx="minor">
+            <a:schemeClr val="lt1"/>
+          </a:fontRef>
+        </p:style>
+        <p:txBody>
+          <a:bodyPr rtlCol="0" anchor="ctr"/>
+          <a:lstStyle/>
+          <a:p>
+            <a:pPr algn="ctr"/>
+            <a:r>
+              <a:rPr lang="en-US" dirty="0"/>
+              <a:t>(1) Card Membership List</a:t>
+            </a:r>
+          </a:p>
+        </p:txBody>
+      </p:sp>
+      <p:sp>
+        <p:nvSpPr>
+          <p:cNvPr id="10" name="직사각형 9">
+            <a:extLst>
+              <a:ext uri="{FF2B5EF4-FFF2-40B4-BE49-F238E27FC236}">
+                <a16:creationId xmlns:a16="http://schemas.microsoft.com/office/drawing/2014/main" id="{33F10166-C4EC-4DDB-8683-F39634DEBD5D}"/>
+              </a:ext>
+            </a:extLst>
+          </p:cNvPr>
+          <p:cNvSpPr/>
+          <p:nvPr/>
+        </p:nvSpPr>
+        <p:spPr>
+          <a:xfrm>
+            <a:off x="1648350" y="3069703"/>
+            <a:ext cx="1381124" cy="718593"/>
+          </a:xfrm>
+          <a:prstGeom prst="rect">
+            <a:avLst/>
+          </a:prstGeom>
+          <a:solidFill>
+            <a:schemeClr val="accent5">
+              <a:lumMod val="50000"/>
+            </a:schemeClr>
+          </a:solidFill>
+        </p:spPr>
+        <p:style>
+          <a:lnRef idx="2">
+            <a:schemeClr val="accent1">
+              <a:shade val="50000"/>
+            </a:schemeClr>
+          </a:lnRef>
+          <a:fillRef idx="1">
+            <a:schemeClr val="accent1"/>
+          </a:fillRef>
+          <a:effectRef idx="0">
+            <a:schemeClr val="accent1"/>
+          </a:effectRef>
+          <a:fontRef idx="minor">
+            <a:schemeClr val="lt1"/>
+          </a:fontRef>
+        </p:style>
+        <p:txBody>
+          <a:bodyPr rtlCol="0" anchor="ctr"/>
+          <a:lstStyle/>
+          <a:p>
+            <a:pPr algn="ctr"/>
+            <a:r>
+              <a:rPr lang="en-US" dirty="0"/>
+              <a:t>Class</a:t>
+            </a:r>
+          </a:p>
+          <a:p>
+            <a:pPr algn="ctr"/>
+            <a:r>
+              <a:rPr lang="en-US" dirty="0"/>
+              <a:t>Hierarchy</a:t>
+            </a:r>
+          </a:p>
+        </p:txBody>
+      </p:sp>
+      <p:cxnSp>
+        <p:nvCxnSpPr>
+          <p:cNvPr id="11" name="연결선: 꺾임 10">
+            <a:extLst>
+              <a:ext uri="{FF2B5EF4-FFF2-40B4-BE49-F238E27FC236}">
+                <a16:creationId xmlns:a16="http://schemas.microsoft.com/office/drawing/2014/main" id="{F94BC03B-B12D-410F-86B5-5E2C0F72C58A}"/>
+              </a:ext>
+            </a:extLst>
+          </p:cNvPr>
+          <p:cNvCxnSpPr>
+            <a:endCxn id="8" idx="1"/>
+          </p:cNvCxnSpPr>
+          <p:nvPr/>
+        </p:nvCxnSpPr>
+        <p:spPr>
+          <a:xfrm flipV="1">
+            <a:off x="4109013" y="2327935"/>
+            <a:ext cx="3491213" cy="831954"/>
+          </a:xfrm>
+          <a:prstGeom prst="bentConnector3">
+            <a:avLst/>
+          </a:prstGeom>
+          <a:ln w="38100">
+            <a:solidFill>
+              <a:schemeClr val="accent5">
+                <a:lumMod val="60000"/>
+                <a:lumOff val="40000"/>
+              </a:schemeClr>
+            </a:solidFill>
+          </a:ln>
+        </p:spPr>
+        <p:style>
+          <a:lnRef idx="1">
+            <a:schemeClr val="accent1"/>
+          </a:lnRef>
+          <a:fillRef idx="0">
+            <a:schemeClr val="accent1"/>
+          </a:fillRef>
+          <a:effectRef idx="0">
+            <a:schemeClr val="accent1"/>
+          </a:effectRef>
+          <a:fontRef idx="minor">
+            <a:schemeClr val="tx1"/>
+          </a:fontRef>
+        </p:style>
+      </p:cxnSp>
     </p:spTree>
     <p:extLst>
       <p:ext uri="{BB962C8B-B14F-4D97-AF65-F5344CB8AC3E}">
-        <p14:creationId xmlns:p14="http://schemas.microsoft.com/office/powerpoint/2010/main" val="3947705923"/>
+        <p14:creationId xmlns:p14="http://schemas.microsoft.com/office/powerpoint/2010/main" val="2427130492"/>
       </p:ext>
     </p:extLst>
   </p:cSld>
@@ -9316,7 +11410,7 @@
           <p:cNvPr id="2" name="제목 1">
             <a:extLst>
               <a:ext uri="{FF2B5EF4-FFF2-40B4-BE49-F238E27FC236}">
-                <a16:creationId xmlns:a16="http://schemas.microsoft.com/office/drawing/2014/main" id="{1B27EDA1-F4CA-41B0-A95F-D92E64986129}"/>
+                <a16:creationId xmlns:a16="http://schemas.microsoft.com/office/drawing/2014/main" id="{F7AF2753-E1AE-4F42-8EA8-D7230A82F685}"/>
               </a:ext>
             </a:extLst>
           </p:cNvPr>
@@ -9332,39 +11426,857 @@
           <a:bodyPr/>
           <a:lstStyle/>
           <a:p>
+            <a:r>
+              <a:rPr lang="en-US" dirty="0"/>
+              <a:t>Object 2</a:t>
+            </a:r>
+            <a:br>
+              <a:rPr lang="en-US" dirty="0"/>
+            </a:br>
+            <a:r>
+              <a:rPr lang="en-US" dirty="0"/>
+              <a:t> - </a:t>
+            </a:r>
+            <a:r>
+              <a:rPr lang="en-US" dirty="0">
+                <a:solidFill>
+                  <a:schemeClr val="accent1"/>
+                </a:solidFill>
+              </a:rPr>
+              <a:t>(2)</a:t>
+            </a:r>
+            <a:r>
+              <a:rPr lang="en-US" dirty="0"/>
+              <a:t> </a:t>
+            </a:r>
+            <a:r>
+              <a:rPr lang="en-US" dirty="0">
+                <a:solidFill>
+                  <a:schemeClr val="accent1"/>
+                </a:solidFill>
+              </a:rPr>
+              <a:t>Player,  (3) Hands : Player</a:t>
+            </a:r>
+            <a:endParaRPr lang="en-US" dirty="0"/>
+          </a:p>
+        </p:txBody>
+      </p:sp>
+      <p:pic>
+        <p:nvPicPr>
+          <p:cNvPr id="5" name="그림 4">
+            <a:extLst>
+              <a:ext uri="{FF2B5EF4-FFF2-40B4-BE49-F238E27FC236}">
+                <a16:creationId xmlns:a16="http://schemas.microsoft.com/office/drawing/2014/main" id="{FAB6CFD2-D5C8-4006-8655-B82D42420FCA}"/>
+              </a:ext>
+            </a:extLst>
+          </p:cNvPr>
+          <p:cNvPicPr>
+            <a:picLocks noChangeAspect="1"/>
+          </p:cNvPicPr>
+          <p:nvPr/>
+        </p:nvPicPr>
+        <p:blipFill>
+          <a:blip r:embed="rId2"/>
+          <a:stretch>
+            <a:fillRect/>
+          </a:stretch>
+        </p:blipFill>
+        <p:spPr>
+          <a:xfrm>
+            <a:off x="2829646" y="2873297"/>
+            <a:ext cx="1381125" cy="1447800"/>
+          </a:xfrm>
+          <a:prstGeom prst="rect">
+            <a:avLst/>
+          </a:prstGeom>
+        </p:spPr>
+      </p:pic>
+      <p:pic>
+        <p:nvPicPr>
+          <p:cNvPr id="7" name="그림 6">
+            <a:extLst>
+              <a:ext uri="{FF2B5EF4-FFF2-40B4-BE49-F238E27FC236}">
+                <a16:creationId xmlns:a16="http://schemas.microsoft.com/office/drawing/2014/main" id="{60D3FC35-C5B5-4438-B416-C3D803B6CD9A}"/>
+              </a:ext>
+            </a:extLst>
+          </p:cNvPr>
+          <p:cNvPicPr>
+            <a:picLocks noChangeAspect="1"/>
+          </p:cNvPicPr>
+          <p:nvPr/>
+        </p:nvPicPr>
+        <p:blipFill>
+          <a:blip r:embed="rId3"/>
+          <a:stretch>
+            <a:fillRect/>
+          </a:stretch>
+        </p:blipFill>
+        <p:spPr>
+          <a:xfrm>
+            <a:off x="4601417" y="2178045"/>
+            <a:ext cx="3429000" cy="4486275"/>
+          </a:xfrm>
+          <a:prstGeom prst="rect">
+            <a:avLst/>
+          </a:prstGeom>
+        </p:spPr>
+      </p:pic>
+      <p:sp>
+        <p:nvSpPr>
+          <p:cNvPr id="9" name="직사각형 8">
+            <a:extLst>
+              <a:ext uri="{FF2B5EF4-FFF2-40B4-BE49-F238E27FC236}">
+                <a16:creationId xmlns:a16="http://schemas.microsoft.com/office/drawing/2014/main" id="{40EC4A48-1970-42E1-8718-96CBCEFCBE3C}"/>
+              </a:ext>
+            </a:extLst>
+          </p:cNvPr>
+          <p:cNvSpPr/>
+          <p:nvPr/>
+        </p:nvSpPr>
+        <p:spPr>
+          <a:xfrm>
+            <a:off x="4647716" y="1917348"/>
+            <a:ext cx="3382701" cy="310591"/>
+          </a:xfrm>
+          <a:prstGeom prst="rect">
+            <a:avLst/>
+          </a:prstGeom>
+          <a:solidFill>
+            <a:schemeClr val="accent5">
+              <a:lumMod val="50000"/>
+            </a:schemeClr>
+          </a:solidFill>
+        </p:spPr>
+        <p:style>
+          <a:lnRef idx="2">
+            <a:schemeClr val="accent1">
+              <a:shade val="50000"/>
+            </a:schemeClr>
+          </a:lnRef>
+          <a:fillRef idx="1">
+            <a:schemeClr val="accent1"/>
+          </a:fillRef>
+          <a:effectRef idx="0">
+            <a:schemeClr val="accent1"/>
+          </a:effectRef>
+          <a:fontRef idx="minor">
+            <a:schemeClr val="lt1"/>
+          </a:fontRef>
+        </p:style>
+        <p:txBody>
+          <a:bodyPr rtlCol="0" anchor="ctr"/>
+          <a:lstStyle/>
+          <a:p>
+            <a:pPr algn="ctr"/>
+            <a:r>
+              <a:rPr lang="en-US" dirty="0"/>
+              <a:t>(2) Player Membership List</a:t>
+            </a:r>
+          </a:p>
+        </p:txBody>
+      </p:sp>
+      <p:sp>
+        <p:nvSpPr>
+          <p:cNvPr id="10" name="직사각형 9">
+            <a:extLst>
+              <a:ext uri="{FF2B5EF4-FFF2-40B4-BE49-F238E27FC236}">
+                <a16:creationId xmlns:a16="http://schemas.microsoft.com/office/drawing/2014/main" id="{33F10166-C4EC-4DDB-8683-F39634DEBD5D}"/>
+              </a:ext>
+            </a:extLst>
+          </p:cNvPr>
+          <p:cNvSpPr/>
+          <p:nvPr/>
+        </p:nvSpPr>
+        <p:spPr>
+          <a:xfrm>
+            <a:off x="1382131" y="3158925"/>
+            <a:ext cx="1381124" cy="718593"/>
+          </a:xfrm>
+          <a:prstGeom prst="rect">
+            <a:avLst/>
+          </a:prstGeom>
+          <a:solidFill>
+            <a:schemeClr val="accent5">
+              <a:lumMod val="50000"/>
+            </a:schemeClr>
+          </a:solidFill>
+        </p:spPr>
+        <p:style>
+          <a:lnRef idx="2">
+            <a:schemeClr val="accent1">
+              <a:shade val="50000"/>
+            </a:schemeClr>
+          </a:lnRef>
+          <a:fillRef idx="1">
+            <a:schemeClr val="accent1"/>
+          </a:fillRef>
+          <a:effectRef idx="0">
+            <a:schemeClr val="accent1"/>
+          </a:effectRef>
+          <a:fontRef idx="minor">
+            <a:schemeClr val="lt1"/>
+          </a:fontRef>
+        </p:style>
+        <p:txBody>
+          <a:bodyPr rtlCol="0" anchor="ctr"/>
+          <a:lstStyle/>
+          <a:p>
+            <a:pPr algn="ctr"/>
+            <a:r>
+              <a:rPr lang="en-US" dirty="0"/>
+              <a:t>Class</a:t>
+            </a:r>
+          </a:p>
+          <a:p>
+            <a:pPr algn="ctr"/>
+            <a:r>
+              <a:rPr lang="en-US" dirty="0"/>
+              <a:t>Hierarchy</a:t>
+            </a:r>
+          </a:p>
+        </p:txBody>
+      </p:sp>
+      <p:cxnSp>
+        <p:nvCxnSpPr>
+          <p:cNvPr id="17" name="연결선: 꺾임 16">
+            <a:extLst>
+              <a:ext uri="{FF2B5EF4-FFF2-40B4-BE49-F238E27FC236}">
+                <a16:creationId xmlns:a16="http://schemas.microsoft.com/office/drawing/2014/main" id="{F68CE578-F2BD-4723-8096-503F71D7735A}"/>
+              </a:ext>
+            </a:extLst>
+          </p:cNvPr>
+          <p:cNvCxnSpPr>
+            <a:cxnSpLocks/>
+            <a:endCxn id="9" idx="1"/>
+          </p:cNvCxnSpPr>
+          <p:nvPr/>
+        </p:nvCxnSpPr>
+        <p:spPr>
+          <a:xfrm rot="5400000" flipH="1" flipV="1">
+            <a:off x="3438309" y="2668115"/>
+            <a:ext cx="1804877" cy="613937"/>
+          </a:xfrm>
+          <a:prstGeom prst="bentConnector2">
+            <a:avLst/>
+          </a:prstGeom>
+          <a:ln w="57150">
+            <a:solidFill>
+              <a:schemeClr val="accent5">
+                <a:lumMod val="60000"/>
+                <a:lumOff val="40000"/>
+              </a:schemeClr>
+            </a:solidFill>
+          </a:ln>
+        </p:spPr>
+        <p:style>
+          <a:lnRef idx="1">
+            <a:schemeClr val="accent1"/>
+          </a:lnRef>
+          <a:fillRef idx="0">
+            <a:schemeClr val="accent1"/>
+          </a:fillRef>
+          <a:effectRef idx="0">
+            <a:schemeClr val="accent1"/>
+          </a:effectRef>
+          <a:fontRef idx="minor">
+            <a:schemeClr val="tx1"/>
+          </a:fontRef>
+        </p:style>
+      </p:cxnSp>
+      <p:pic>
+        <p:nvPicPr>
+          <p:cNvPr id="18" name="그림 17">
+            <a:extLst>
+              <a:ext uri="{FF2B5EF4-FFF2-40B4-BE49-F238E27FC236}">
+                <a16:creationId xmlns:a16="http://schemas.microsoft.com/office/drawing/2014/main" id="{082299FC-A7F1-4831-B4EE-4FC3933A16AF}"/>
+              </a:ext>
+            </a:extLst>
+          </p:cNvPr>
+          <p:cNvPicPr>
+            <a:picLocks noChangeAspect="1"/>
+          </p:cNvPicPr>
+          <p:nvPr/>
+        </p:nvPicPr>
+        <p:blipFill>
+          <a:blip r:embed="rId4"/>
+          <a:stretch>
+            <a:fillRect/>
+          </a:stretch>
+        </p:blipFill>
+        <p:spPr>
+          <a:xfrm>
+            <a:off x="8644354" y="0"/>
+            <a:ext cx="3433482" cy="6858000"/>
+          </a:xfrm>
+          <a:prstGeom prst="rect">
+            <a:avLst/>
+          </a:prstGeom>
+        </p:spPr>
+      </p:pic>
+      <p:sp>
+        <p:nvSpPr>
+          <p:cNvPr id="21" name="다이아몬드 20">
+            <a:extLst>
+              <a:ext uri="{FF2B5EF4-FFF2-40B4-BE49-F238E27FC236}">
+                <a16:creationId xmlns:a16="http://schemas.microsoft.com/office/drawing/2014/main" id="{334EE20F-20DC-43AD-B6DA-524FA196EB8A}"/>
+              </a:ext>
+            </a:extLst>
+          </p:cNvPr>
+          <p:cNvSpPr/>
+          <p:nvPr/>
+        </p:nvSpPr>
+        <p:spPr>
+          <a:xfrm>
+            <a:off x="10740421" y="804519"/>
+            <a:ext cx="197976" cy="243069"/>
+          </a:xfrm>
+          <a:prstGeom prst="diamond">
+            <a:avLst/>
+          </a:prstGeom>
+        </p:spPr>
+        <p:style>
+          <a:lnRef idx="2">
+            <a:schemeClr val="accent1">
+              <a:shade val="50000"/>
+            </a:schemeClr>
+          </a:lnRef>
+          <a:fillRef idx="1">
+            <a:schemeClr val="accent1"/>
+          </a:fillRef>
+          <a:effectRef idx="0">
+            <a:schemeClr val="accent1"/>
+          </a:effectRef>
+          <a:fontRef idx="minor">
+            <a:schemeClr val="lt1"/>
+          </a:fontRef>
+        </p:style>
+        <p:txBody>
+          <a:bodyPr rtlCol="0" anchor="ctr"/>
+          <a:lstStyle/>
+          <a:p>
+            <a:pPr algn="ctr"/>
             <a:endParaRPr lang="en-US"/>
           </a:p>
         </p:txBody>
       </p:sp>
       <p:sp>
         <p:nvSpPr>
-          <p:cNvPr id="3" name="내용 개체 틀 2">
-            <a:extLst>
-              <a:ext uri="{FF2B5EF4-FFF2-40B4-BE49-F238E27FC236}">
-                <a16:creationId xmlns:a16="http://schemas.microsoft.com/office/drawing/2014/main" id="{3B23231C-D568-4DB5-AF8B-C1411AEAB626}"/>
-              </a:ext>
-            </a:extLst>
-          </p:cNvPr>
-          <p:cNvSpPr>
-            <a:spLocks noGrp="1"/>
-          </p:cNvSpPr>
-          <p:nvPr>
-            <p:ph idx="1"/>
-          </p:nvPr>
-        </p:nvSpPr>
-        <p:spPr/>
-        <p:txBody>
-          <a:bodyPr/>
-          <a:lstStyle/>
-          <a:p>
+          <p:cNvPr id="22" name="다이아몬드 21">
+            <a:extLst>
+              <a:ext uri="{FF2B5EF4-FFF2-40B4-BE49-F238E27FC236}">
+                <a16:creationId xmlns:a16="http://schemas.microsoft.com/office/drawing/2014/main" id="{93CA23C5-EAE5-412B-BE42-767C50780931}"/>
+              </a:ext>
+            </a:extLst>
+          </p:cNvPr>
+          <p:cNvSpPr/>
+          <p:nvPr/>
+        </p:nvSpPr>
+        <p:spPr>
+          <a:xfrm>
+            <a:off x="10740421" y="1550818"/>
+            <a:ext cx="197976" cy="243069"/>
+          </a:xfrm>
+          <a:prstGeom prst="diamond">
+            <a:avLst/>
+          </a:prstGeom>
+        </p:spPr>
+        <p:style>
+          <a:lnRef idx="2">
+            <a:schemeClr val="accent1">
+              <a:shade val="50000"/>
+            </a:schemeClr>
+          </a:lnRef>
+          <a:fillRef idx="1">
+            <a:schemeClr val="accent1"/>
+          </a:fillRef>
+          <a:effectRef idx="0">
+            <a:schemeClr val="accent1"/>
+          </a:effectRef>
+          <a:fontRef idx="minor">
+            <a:schemeClr val="lt1"/>
+          </a:fontRef>
+        </p:style>
+        <p:txBody>
+          <a:bodyPr rtlCol="0" anchor="ctr"/>
+          <a:lstStyle/>
+          <a:p>
+            <a:pPr algn="ctr"/>
             <a:endParaRPr lang="en-US"/>
+          </a:p>
+        </p:txBody>
+      </p:sp>
+      <p:sp>
+        <p:nvSpPr>
+          <p:cNvPr id="23" name="다이아몬드 22">
+            <a:extLst>
+              <a:ext uri="{FF2B5EF4-FFF2-40B4-BE49-F238E27FC236}">
+                <a16:creationId xmlns:a16="http://schemas.microsoft.com/office/drawing/2014/main" id="{7544A295-FA1F-47B6-A626-6CE1C914452A}"/>
+              </a:ext>
+            </a:extLst>
+          </p:cNvPr>
+          <p:cNvSpPr/>
+          <p:nvPr/>
+        </p:nvSpPr>
+        <p:spPr>
+          <a:xfrm>
+            <a:off x="10764428" y="1774117"/>
+            <a:ext cx="197976" cy="243069"/>
+          </a:xfrm>
+          <a:prstGeom prst="diamond">
+            <a:avLst/>
+          </a:prstGeom>
+        </p:spPr>
+        <p:style>
+          <a:lnRef idx="2">
+            <a:schemeClr val="accent1">
+              <a:shade val="50000"/>
+            </a:schemeClr>
+          </a:lnRef>
+          <a:fillRef idx="1">
+            <a:schemeClr val="accent1"/>
+          </a:fillRef>
+          <a:effectRef idx="0">
+            <a:schemeClr val="accent1"/>
+          </a:effectRef>
+          <a:fontRef idx="minor">
+            <a:schemeClr val="lt1"/>
+          </a:fontRef>
+        </p:style>
+        <p:txBody>
+          <a:bodyPr rtlCol="0" anchor="ctr"/>
+          <a:lstStyle/>
+          <a:p>
+            <a:pPr algn="ctr"/>
+            <a:endParaRPr lang="en-US"/>
+          </a:p>
+        </p:txBody>
+      </p:sp>
+      <p:sp>
+        <p:nvSpPr>
+          <p:cNvPr id="24" name="다이아몬드 23">
+            <a:extLst>
+              <a:ext uri="{FF2B5EF4-FFF2-40B4-BE49-F238E27FC236}">
+                <a16:creationId xmlns:a16="http://schemas.microsoft.com/office/drawing/2014/main" id="{E59340E2-6A88-4DAB-97B0-5615F315F85B}"/>
+              </a:ext>
+            </a:extLst>
+          </p:cNvPr>
+          <p:cNvSpPr/>
+          <p:nvPr/>
+        </p:nvSpPr>
+        <p:spPr>
+          <a:xfrm>
+            <a:off x="10770818" y="2017186"/>
+            <a:ext cx="197976" cy="243069"/>
+          </a:xfrm>
+          <a:prstGeom prst="diamond">
+            <a:avLst/>
+          </a:prstGeom>
+        </p:spPr>
+        <p:style>
+          <a:lnRef idx="2">
+            <a:schemeClr val="accent1">
+              <a:shade val="50000"/>
+            </a:schemeClr>
+          </a:lnRef>
+          <a:fillRef idx="1">
+            <a:schemeClr val="accent1"/>
+          </a:fillRef>
+          <a:effectRef idx="0">
+            <a:schemeClr val="accent1"/>
+          </a:effectRef>
+          <a:fontRef idx="minor">
+            <a:schemeClr val="lt1"/>
+          </a:fontRef>
+        </p:style>
+        <p:txBody>
+          <a:bodyPr rtlCol="0" anchor="ctr"/>
+          <a:lstStyle/>
+          <a:p>
+            <a:pPr algn="ctr"/>
+            <a:endParaRPr lang="en-US"/>
+          </a:p>
+        </p:txBody>
+      </p:sp>
+      <p:sp>
+        <p:nvSpPr>
+          <p:cNvPr id="25" name="다이아몬드 24">
+            <a:extLst>
+              <a:ext uri="{FF2B5EF4-FFF2-40B4-BE49-F238E27FC236}">
+                <a16:creationId xmlns:a16="http://schemas.microsoft.com/office/drawing/2014/main" id="{6759A078-FE17-42AA-9C5A-02D3C8EA6F7F}"/>
+              </a:ext>
+            </a:extLst>
+          </p:cNvPr>
+          <p:cNvSpPr/>
+          <p:nvPr/>
+        </p:nvSpPr>
+        <p:spPr>
+          <a:xfrm>
+            <a:off x="10740421" y="2975083"/>
+            <a:ext cx="197976" cy="243069"/>
+          </a:xfrm>
+          <a:prstGeom prst="diamond">
+            <a:avLst/>
+          </a:prstGeom>
+        </p:spPr>
+        <p:style>
+          <a:lnRef idx="2">
+            <a:schemeClr val="accent1">
+              <a:shade val="50000"/>
+            </a:schemeClr>
+          </a:lnRef>
+          <a:fillRef idx="1">
+            <a:schemeClr val="accent1"/>
+          </a:fillRef>
+          <a:effectRef idx="0">
+            <a:schemeClr val="accent1"/>
+          </a:effectRef>
+          <a:fontRef idx="minor">
+            <a:schemeClr val="lt1"/>
+          </a:fontRef>
+        </p:style>
+        <p:txBody>
+          <a:bodyPr rtlCol="0" anchor="ctr"/>
+          <a:lstStyle/>
+          <a:p>
+            <a:pPr algn="ctr"/>
+            <a:endParaRPr lang="en-US"/>
+          </a:p>
+        </p:txBody>
+      </p:sp>
+      <p:sp>
+        <p:nvSpPr>
+          <p:cNvPr id="26" name="다이아몬드 25">
+            <a:extLst>
+              <a:ext uri="{FF2B5EF4-FFF2-40B4-BE49-F238E27FC236}">
+                <a16:creationId xmlns:a16="http://schemas.microsoft.com/office/drawing/2014/main" id="{76551F34-33BA-406C-BE6F-DE99D36EBBF6}"/>
+              </a:ext>
+            </a:extLst>
+          </p:cNvPr>
+          <p:cNvSpPr/>
+          <p:nvPr/>
+        </p:nvSpPr>
+        <p:spPr>
+          <a:xfrm>
+            <a:off x="10740421" y="3224926"/>
+            <a:ext cx="197976" cy="243069"/>
+          </a:xfrm>
+          <a:prstGeom prst="diamond">
+            <a:avLst/>
+          </a:prstGeom>
+        </p:spPr>
+        <p:style>
+          <a:lnRef idx="2">
+            <a:schemeClr val="accent1">
+              <a:shade val="50000"/>
+            </a:schemeClr>
+          </a:lnRef>
+          <a:fillRef idx="1">
+            <a:schemeClr val="accent1"/>
+          </a:fillRef>
+          <a:effectRef idx="0">
+            <a:schemeClr val="accent1"/>
+          </a:effectRef>
+          <a:fontRef idx="minor">
+            <a:schemeClr val="lt1"/>
+          </a:fontRef>
+        </p:style>
+        <p:txBody>
+          <a:bodyPr rtlCol="0" anchor="ctr"/>
+          <a:lstStyle/>
+          <a:p>
+            <a:pPr algn="ctr"/>
+            <a:endParaRPr lang="en-US"/>
+          </a:p>
+        </p:txBody>
+      </p:sp>
+      <p:sp>
+        <p:nvSpPr>
+          <p:cNvPr id="27" name="다이아몬드 26">
+            <a:extLst>
+              <a:ext uri="{FF2B5EF4-FFF2-40B4-BE49-F238E27FC236}">
+                <a16:creationId xmlns:a16="http://schemas.microsoft.com/office/drawing/2014/main" id="{3C2E93A9-5E45-4781-8E35-743BD2A1CC50}"/>
+              </a:ext>
+            </a:extLst>
+          </p:cNvPr>
+          <p:cNvSpPr/>
+          <p:nvPr/>
+        </p:nvSpPr>
+        <p:spPr>
+          <a:xfrm>
+            <a:off x="10764428" y="4176049"/>
+            <a:ext cx="197976" cy="243069"/>
+          </a:xfrm>
+          <a:prstGeom prst="diamond">
+            <a:avLst/>
+          </a:prstGeom>
+        </p:spPr>
+        <p:style>
+          <a:lnRef idx="2">
+            <a:schemeClr val="accent1">
+              <a:shade val="50000"/>
+            </a:schemeClr>
+          </a:lnRef>
+          <a:fillRef idx="1">
+            <a:schemeClr val="accent1"/>
+          </a:fillRef>
+          <a:effectRef idx="0">
+            <a:schemeClr val="accent1"/>
+          </a:effectRef>
+          <a:fontRef idx="minor">
+            <a:schemeClr val="lt1"/>
+          </a:fontRef>
+        </p:style>
+        <p:txBody>
+          <a:bodyPr rtlCol="0" anchor="ctr"/>
+          <a:lstStyle/>
+          <a:p>
+            <a:pPr algn="ctr"/>
+            <a:endParaRPr lang="en-US"/>
+          </a:p>
+        </p:txBody>
+      </p:sp>
+      <p:sp>
+        <p:nvSpPr>
+          <p:cNvPr id="28" name="다이아몬드 27">
+            <a:extLst>
+              <a:ext uri="{FF2B5EF4-FFF2-40B4-BE49-F238E27FC236}">
+                <a16:creationId xmlns:a16="http://schemas.microsoft.com/office/drawing/2014/main" id="{3B119A6C-C39A-4CE4-8683-0D6042AEBDDA}"/>
+              </a:ext>
+            </a:extLst>
+          </p:cNvPr>
+          <p:cNvSpPr/>
+          <p:nvPr/>
+        </p:nvSpPr>
+        <p:spPr>
+          <a:xfrm>
+            <a:off x="10740421" y="3446222"/>
+            <a:ext cx="197976" cy="243069"/>
+          </a:xfrm>
+          <a:prstGeom prst="diamond">
+            <a:avLst/>
+          </a:prstGeom>
+        </p:spPr>
+        <p:style>
+          <a:lnRef idx="2">
+            <a:schemeClr val="accent1">
+              <a:shade val="50000"/>
+            </a:schemeClr>
+          </a:lnRef>
+          <a:fillRef idx="1">
+            <a:schemeClr val="accent1"/>
+          </a:fillRef>
+          <a:effectRef idx="0">
+            <a:schemeClr val="accent1"/>
+          </a:effectRef>
+          <a:fontRef idx="minor">
+            <a:schemeClr val="lt1"/>
+          </a:fontRef>
+        </p:style>
+        <p:txBody>
+          <a:bodyPr rtlCol="0" anchor="ctr"/>
+          <a:lstStyle/>
+          <a:p>
+            <a:pPr algn="ctr"/>
+            <a:endParaRPr lang="en-US"/>
+          </a:p>
+        </p:txBody>
+      </p:sp>
+      <p:sp>
+        <p:nvSpPr>
+          <p:cNvPr id="29" name="다이아몬드 28">
+            <a:extLst>
+              <a:ext uri="{FF2B5EF4-FFF2-40B4-BE49-F238E27FC236}">
+                <a16:creationId xmlns:a16="http://schemas.microsoft.com/office/drawing/2014/main" id="{B5EFB579-5FC4-479C-83E3-760B344789D1}"/>
+              </a:ext>
+            </a:extLst>
+          </p:cNvPr>
+          <p:cNvSpPr/>
+          <p:nvPr/>
+        </p:nvSpPr>
+        <p:spPr>
+          <a:xfrm>
+            <a:off x="10740421" y="4665662"/>
+            <a:ext cx="197976" cy="243069"/>
+          </a:xfrm>
+          <a:prstGeom prst="diamond">
+            <a:avLst/>
+          </a:prstGeom>
+        </p:spPr>
+        <p:style>
+          <a:lnRef idx="2">
+            <a:schemeClr val="accent1">
+              <a:shade val="50000"/>
+            </a:schemeClr>
+          </a:lnRef>
+          <a:fillRef idx="1">
+            <a:schemeClr val="accent1"/>
+          </a:fillRef>
+          <a:effectRef idx="0">
+            <a:schemeClr val="accent1"/>
+          </a:effectRef>
+          <a:fontRef idx="minor">
+            <a:schemeClr val="lt1"/>
+          </a:fontRef>
+        </p:style>
+        <p:txBody>
+          <a:bodyPr rtlCol="0" anchor="ctr"/>
+          <a:lstStyle/>
+          <a:p>
+            <a:pPr algn="ctr"/>
+            <a:endParaRPr lang="en-US"/>
+          </a:p>
+        </p:txBody>
+      </p:sp>
+      <p:sp>
+        <p:nvSpPr>
+          <p:cNvPr id="30" name="다이아몬드 29">
+            <a:extLst>
+              <a:ext uri="{FF2B5EF4-FFF2-40B4-BE49-F238E27FC236}">
+                <a16:creationId xmlns:a16="http://schemas.microsoft.com/office/drawing/2014/main" id="{6D4262D6-E2A9-4AB0-8A8B-773657A72964}"/>
+              </a:ext>
+            </a:extLst>
+          </p:cNvPr>
+          <p:cNvSpPr/>
+          <p:nvPr/>
+        </p:nvSpPr>
+        <p:spPr>
+          <a:xfrm>
+            <a:off x="10773605" y="6334912"/>
+            <a:ext cx="197976" cy="243069"/>
+          </a:xfrm>
+          <a:prstGeom prst="diamond">
+            <a:avLst/>
+          </a:prstGeom>
+        </p:spPr>
+        <p:style>
+          <a:lnRef idx="2">
+            <a:schemeClr val="accent1">
+              <a:shade val="50000"/>
+            </a:schemeClr>
+          </a:lnRef>
+          <a:fillRef idx="1">
+            <a:schemeClr val="accent1"/>
+          </a:fillRef>
+          <a:effectRef idx="0">
+            <a:schemeClr val="accent1"/>
+          </a:effectRef>
+          <a:fontRef idx="minor">
+            <a:schemeClr val="lt1"/>
+          </a:fontRef>
+        </p:style>
+        <p:txBody>
+          <a:bodyPr rtlCol="0" anchor="ctr"/>
+          <a:lstStyle/>
+          <a:p>
+            <a:pPr algn="ctr"/>
+            <a:endParaRPr lang="en-US"/>
+          </a:p>
+        </p:txBody>
+      </p:sp>
+      <p:sp>
+        <p:nvSpPr>
+          <p:cNvPr id="31" name="다이아몬드 30">
+            <a:extLst>
+              <a:ext uri="{FF2B5EF4-FFF2-40B4-BE49-F238E27FC236}">
+                <a16:creationId xmlns:a16="http://schemas.microsoft.com/office/drawing/2014/main" id="{0F65ED16-9B11-41CC-9646-409569813B49}"/>
+              </a:ext>
+            </a:extLst>
+          </p:cNvPr>
+          <p:cNvSpPr/>
+          <p:nvPr/>
+        </p:nvSpPr>
+        <p:spPr>
+          <a:xfrm>
+            <a:off x="10770818" y="6091843"/>
+            <a:ext cx="197976" cy="243069"/>
+          </a:xfrm>
+          <a:prstGeom prst="diamond">
+            <a:avLst/>
+          </a:prstGeom>
+        </p:spPr>
+        <p:style>
+          <a:lnRef idx="2">
+            <a:schemeClr val="accent1">
+              <a:shade val="50000"/>
+            </a:schemeClr>
+          </a:lnRef>
+          <a:fillRef idx="1">
+            <a:schemeClr val="accent1"/>
+          </a:fillRef>
+          <a:effectRef idx="0">
+            <a:schemeClr val="accent1"/>
+          </a:effectRef>
+          <a:fontRef idx="minor">
+            <a:schemeClr val="lt1"/>
+          </a:fontRef>
+        </p:style>
+        <p:txBody>
+          <a:bodyPr rtlCol="0" anchor="ctr"/>
+          <a:lstStyle/>
+          <a:p>
+            <a:pPr algn="ctr"/>
+            <a:endParaRPr lang="en-US"/>
+          </a:p>
+        </p:txBody>
+      </p:sp>
+      <p:sp>
+        <p:nvSpPr>
+          <p:cNvPr id="32" name="직사각형 31">
+            <a:extLst>
+              <a:ext uri="{FF2B5EF4-FFF2-40B4-BE49-F238E27FC236}">
+                <a16:creationId xmlns:a16="http://schemas.microsoft.com/office/drawing/2014/main" id="{B46587C3-389A-44E2-B90C-BCFA061C2F9E}"/>
+              </a:ext>
+            </a:extLst>
+          </p:cNvPr>
+          <p:cNvSpPr/>
+          <p:nvPr/>
+        </p:nvSpPr>
+        <p:spPr>
+          <a:xfrm>
+            <a:off x="5261653" y="38384"/>
+            <a:ext cx="3382701" cy="310591"/>
+          </a:xfrm>
+          <a:prstGeom prst="rect">
+            <a:avLst/>
+          </a:prstGeom>
+          <a:solidFill>
+            <a:schemeClr val="accent5">
+              <a:lumMod val="50000"/>
+            </a:schemeClr>
+          </a:solidFill>
+        </p:spPr>
+        <p:style>
+          <a:lnRef idx="2">
+            <a:schemeClr val="accent1">
+              <a:shade val="50000"/>
+            </a:schemeClr>
+          </a:lnRef>
+          <a:fillRef idx="1">
+            <a:schemeClr val="accent1"/>
+          </a:fillRef>
+          <a:effectRef idx="0">
+            <a:schemeClr val="accent1"/>
+          </a:effectRef>
+          <a:fontRef idx="minor">
+            <a:schemeClr val="lt1"/>
+          </a:fontRef>
+        </p:style>
+        <p:txBody>
+          <a:bodyPr rtlCol="0" anchor="ctr"/>
+          <a:lstStyle/>
+          <a:p>
+            <a:pPr algn="ctr"/>
+            <a:r>
+              <a:rPr lang="en-US" dirty="0"/>
+              <a:t>(3) Hands Membership List</a:t>
+            </a:r>
           </a:p>
         </p:txBody>
       </p:sp>
     </p:spTree>
     <p:extLst>
       <p:ext uri="{BB962C8B-B14F-4D97-AF65-F5344CB8AC3E}">
-        <p14:creationId xmlns:p14="http://schemas.microsoft.com/office/powerpoint/2010/main" val="425098949"/>
+        <p14:creationId xmlns:p14="http://schemas.microsoft.com/office/powerpoint/2010/main" val="242232581"/>
       </p:ext>
     </p:extLst>
   </p:cSld>

--- a/Proj/Texas holdem.pptx
+++ b/Proj/Texas holdem.pptx
@@ -19,6 +19,7 @@
     <p:sldId id="263" r:id="rId13"/>
     <p:sldId id="264" r:id="rId14"/>
     <p:sldId id="265" r:id="rId15"/>
+    <p:sldId id="275" r:id="rId16"/>
   </p:sldIdLst>
   <p:sldSz cx="12192000" cy="6858000"/>
   <p:notesSz cx="6858000" cy="9144000"/>
@@ -7275,6 +7276,231 @@
 </p:sld>
 </file>
 
+<file path=ppt/slides/slide15.xml><?xml version="1.0" encoding="utf-8"?>
+<p:sld xmlns:a="http://schemas.openxmlformats.org/drawingml/2006/main" xmlns:r="http://schemas.openxmlformats.org/officeDocument/2006/relationships" xmlns:p="http://schemas.openxmlformats.org/presentationml/2006/main">
+  <p:cSld>
+    <p:spTree>
+      <p:nvGrpSpPr>
+        <p:cNvPr id="1" name=""/>
+        <p:cNvGrpSpPr/>
+        <p:nvPr/>
+      </p:nvGrpSpPr>
+      <p:grpSpPr>
+        <a:xfrm>
+          <a:off x="0" y="0"/>
+          <a:ext cx="0" cy="0"/>
+          <a:chOff x="0" y="0"/>
+          <a:chExt cx="0" cy="0"/>
+        </a:xfrm>
+      </p:grpSpPr>
+      <p:sp>
+        <p:nvSpPr>
+          <p:cNvPr id="2" name="제목 1">
+            <a:extLst>
+              <a:ext uri="{FF2B5EF4-FFF2-40B4-BE49-F238E27FC236}">
+                <a16:creationId xmlns:a16="http://schemas.microsoft.com/office/drawing/2014/main" id="{60E883A9-B247-4C0A-887B-415989D2E20F}"/>
+              </a:ext>
+            </a:extLst>
+          </p:cNvPr>
+          <p:cNvSpPr>
+            <a:spLocks noGrp="1"/>
+          </p:cNvSpPr>
+          <p:nvPr>
+            <p:ph type="title"/>
+          </p:nvPr>
+        </p:nvSpPr>
+        <p:spPr/>
+        <p:txBody>
+          <a:bodyPr/>
+          <a:lstStyle/>
+          <a:p>
+            <a:r>
+              <a:rPr lang="en-US" dirty="0"/>
+              <a:t>Improvements</a:t>
+            </a:r>
+            <a:br>
+              <a:rPr lang="en-US" dirty="0"/>
+            </a:br>
+            <a:r>
+              <a:rPr lang="en-US" dirty="0"/>
+              <a:t> - </a:t>
+            </a:r>
+            <a:r>
+              <a:rPr lang="en-US" dirty="0">
+                <a:solidFill>
+                  <a:schemeClr val="accent1"/>
+                </a:solidFill>
+              </a:rPr>
+              <a:t>to do list for final</a:t>
+            </a:r>
+            <a:endParaRPr lang="en-US" dirty="0"/>
+          </a:p>
+        </p:txBody>
+      </p:sp>
+      <p:sp>
+        <p:nvSpPr>
+          <p:cNvPr id="3" name="내용 개체 틀 2">
+            <a:extLst>
+              <a:ext uri="{FF2B5EF4-FFF2-40B4-BE49-F238E27FC236}">
+                <a16:creationId xmlns:a16="http://schemas.microsoft.com/office/drawing/2014/main" id="{E992D707-BF8C-44C5-A47A-CE5E2D6A2F98}"/>
+              </a:ext>
+            </a:extLst>
+          </p:cNvPr>
+          <p:cNvSpPr>
+            <a:spLocks noGrp="1"/>
+          </p:cNvSpPr>
+          <p:nvPr>
+            <p:ph idx="1"/>
+          </p:nvPr>
+        </p:nvSpPr>
+        <p:spPr>
+          <a:xfrm>
+            <a:off x="1451579" y="2015732"/>
+            <a:ext cx="10178169" cy="3450613"/>
+          </a:xfrm>
+        </p:spPr>
+        <p:txBody>
+          <a:bodyPr>
+            <a:normAutofit fontScale="62500" lnSpcReduction="20000"/>
+          </a:bodyPr>
+          <a:lstStyle/>
+          <a:p>
+            <a:r>
+              <a:rPr lang="en-US" dirty="0"/>
+              <a:t>Figuring out a way to communicate between php and JavaScript</a:t>
+            </a:r>
+          </a:p>
+          <a:p>
+            <a:r>
+              <a:rPr lang="en-US" dirty="0"/>
+              <a:t>Players can log in and have their own different view. They also can see other players game without joining the game.</a:t>
+            </a:r>
+          </a:p>
+          <a:p>
+            <a:r>
+              <a:rPr lang="en-US" dirty="0"/>
+              <a:t>Exceptional case study, e.g. all-in situation(call betting amount &gt; players[</a:t>
+            </a:r>
+            <a:r>
+              <a:rPr lang="en-US" dirty="0" err="1"/>
+              <a:t>i</a:t>
+            </a:r>
+            <a:r>
+              <a:rPr lang="en-US" dirty="0"/>
+              <a:t>].balance), immediate winning decision when all other players folded</a:t>
+            </a:r>
+          </a:p>
+          <a:p>
+            <a:r>
+              <a:rPr lang="en-US" dirty="0"/>
+              <a:t>Display various message depending on each event like examples in the previous table</a:t>
+            </a:r>
+          </a:p>
+          <a:p>
+            <a:r>
+              <a:rPr lang="en-US" dirty="0"/>
+              <a:t>Do…while memory clearing issue</a:t>
+            </a:r>
+          </a:p>
+          <a:p>
+            <a:pPr marL="0" indent="0">
+              <a:buNone/>
+            </a:pPr>
+            <a:r>
+              <a:rPr lang="en-US" dirty="0"/>
+              <a:t>      Do{</a:t>
+            </a:r>
+          </a:p>
+          <a:p>
+            <a:pPr marL="0" indent="0">
+              <a:buNone/>
+            </a:pPr>
+            <a:r>
+              <a:rPr lang="en-US" dirty="0"/>
+              <a:t>      	play game (preflop() </a:t>
+            </a:r>
+            <a:r>
+              <a:rPr lang="en-US" dirty="0">
+                <a:sym typeface="Wingdings" panose="05000000000000000000" pitchFamily="2" charset="2"/>
+              </a:rPr>
+              <a:t> flop()  turn()  river() </a:t>
+            </a:r>
+            <a:r>
+              <a:rPr lang="en-US" dirty="0" err="1">
+                <a:sym typeface="Wingdings" panose="05000000000000000000" pitchFamily="2" charset="2"/>
+              </a:rPr>
+              <a:t>decideWinner</a:t>
+            </a:r>
+            <a:r>
+              <a:rPr lang="en-US" dirty="0">
+                <a:sym typeface="Wingdings" panose="05000000000000000000" pitchFamily="2" charset="2"/>
+              </a:rPr>
+              <a:t>()  </a:t>
+            </a:r>
+            <a:r>
+              <a:rPr lang="en-US" dirty="0" err="1">
+                <a:sym typeface="Wingdings" panose="05000000000000000000" pitchFamily="2" charset="2"/>
+              </a:rPr>
+              <a:t>resetRound</a:t>
+            </a:r>
+            <a:r>
+              <a:rPr lang="en-US" dirty="0">
+                <a:sym typeface="Wingdings" panose="05000000000000000000" pitchFamily="2" charset="2"/>
+              </a:rPr>
+              <a:t>()</a:t>
+            </a:r>
+            <a:endParaRPr lang="en-US" dirty="0"/>
+          </a:p>
+          <a:p>
+            <a:pPr marL="0" indent="0">
+              <a:buNone/>
+            </a:pPr>
+            <a:r>
+              <a:rPr lang="en-US" dirty="0"/>
+              <a:t>      	</a:t>
+            </a:r>
+            <a:r>
+              <a:rPr lang="en-US" dirty="0" err="1"/>
+              <a:t>nRounds</a:t>
+            </a:r>
+            <a:r>
+              <a:rPr lang="en-US" dirty="0"/>
+              <a:t>++;</a:t>
+            </a:r>
+          </a:p>
+          <a:p>
+            <a:pPr marL="0" indent="0">
+              <a:buNone/>
+            </a:pPr>
+            <a:r>
+              <a:rPr lang="en-US" dirty="0"/>
+              <a:t>      	rotate distributing cards order;</a:t>
+            </a:r>
+          </a:p>
+          <a:p>
+            <a:pPr marL="0" indent="0">
+              <a:buNone/>
+            </a:pPr>
+            <a:r>
+              <a:rPr lang="en-US" dirty="0"/>
+              <a:t>    }while(all players not quit || more than two players still play game)     </a:t>
+            </a:r>
+          </a:p>
+        </p:txBody>
+      </p:sp>
+    </p:spTree>
+    <p:extLst>
+      <p:ext uri="{BB962C8B-B14F-4D97-AF65-F5344CB8AC3E}">
+        <p14:creationId xmlns:p14="http://schemas.microsoft.com/office/powerpoint/2010/main" val="66388583"/>
+      </p:ext>
+    </p:extLst>
+  </p:cSld>
+  <p:clrMapOvr>
+    <a:masterClrMapping/>
+  </p:clrMapOvr>
+</p:sld>
+</file>
+
 <file path=ppt/slides/slide2.xml><?xml version="1.0" encoding="utf-8"?>
 <p:sld xmlns:a="http://schemas.openxmlformats.org/drawingml/2006/main" xmlns:r="http://schemas.openxmlformats.org/officeDocument/2006/relationships" xmlns:p="http://schemas.openxmlformats.org/presentationml/2006/main">
   <p:cSld>

--- a/Proj/Texas holdem.pptx
+++ b/Proj/Texas holdem.pptx
@@ -265,7 +265,7 @@
           <a:p>
             <a:fld id="{48A87A34-81AB-432B-8DAE-1953F412C126}" type="datetimeFigureOut">
               <a:rPr lang="en-US" dirty="0"/>
-              <a:t>10/20/2019</a:t>
+              <a:t>10/21/2019</a:t>
             </a:fld>
             <a:endParaRPr lang="en-US" dirty="0"/>
           </a:p>
@@ -471,7 +471,7 @@
           <a:p>
             <a:fld id="{48A87A34-81AB-432B-8DAE-1953F412C126}" type="datetimeFigureOut">
               <a:rPr lang="en-US" dirty="0"/>
-              <a:t>10/20/2019</a:t>
+              <a:t>10/21/2019</a:t>
             </a:fld>
             <a:endParaRPr lang="en-US" dirty="0"/>
           </a:p>
@@ -681,7 +681,7 @@
           <a:p>
             <a:fld id="{48A87A34-81AB-432B-8DAE-1953F412C126}" type="datetimeFigureOut">
               <a:rPr lang="en-US" dirty="0"/>
-              <a:t>10/20/2019</a:t>
+              <a:t>10/21/2019</a:t>
             </a:fld>
             <a:endParaRPr lang="en-US" dirty="0"/>
           </a:p>
@@ -877,7 +877,7 @@
           <a:p>
             <a:fld id="{48A87A34-81AB-432B-8DAE-1953F412C126}" type="datetimeFigureOut">
               <a:rPr lang="en-US" dirty="0"/>
-              <a:t>10/20/2019</a:t>
+              <a:t>10/21/2019</a:t>
             </a:fld>
             <a:endParaRPr lang="en-US" dirty="0"/>
           </a:p>
@@ -1151,7 +1151,7 @@
           <a:p>
             <a:fld id="{48A87A34-81AB-432B-8DAE-1953F412C126}" type="datetimeFigureOut">
               <a:rPr lang="en-US" dirty="0"/>
-              <a:t>10/20/2019</a:t>
+              <a:t>10/21/2019</a:t>
             </a:fld>
             <a:endParaRPr lang="en-US" dirty="0"/>
           </a:p>
@@ -1414,7 +1414,7 @@
           <a:p>
             <a:fld id="{48A87A34-81AB-432B-8DAE-1953F412C126}" type="datetimeFigureOut">
               <a:rPr lang="en-US" dirty="0"/>
-              <a:t>10/20/2019</a:t>
+              <a:t>10/21/2019</a:t>
             </a:fld>
             <a:endParaRPr lang="en-US" dirty="0"/>
           </a:p>
@@ -1825,7 +1825,7 @@
           <a:p>
             <a:fld id="{48A87A34-81AB-432B-8DAE-1953F412C126}" type="datetimeFigureOut">
               <a:rPr lang="en-US" dirty="0"/>
-              <a:t>10/20/2019</a:t>
+              <a:t>10/21/2019</a:t>
             </a:fld>
             <a:endParaRPr lang="en-US" dirty="0"/>
           </a:p>
@@ -1969,7 +1969,7 @@
           <a:p>
             <a:fld id="{48A87A34-81AB-432B-8DAE-1953F412C126}" type="datetimeFigureOut">
               <a:rPr lang="en-US" dirty="0"/>
-              <a:t>10/20/2019</a:t>
+              <a:t>10/21/2019</a:t>
             </a:fld>
             <a:endParaRPr lang="en-US" dirty="0"/>
           </a:p>
@@ -2090,7 +2090,7 @@
           <a:p>
             <a:fld id="{48A87A34-81AB-432B-8DAE-1953F412C126}" type="datetimeFigureOut">
               <a:rPr lang="en-US" dirty="0"/>
-              <a:t>10/20/2019</a:t>
+              <a:t>10/21/2019</a:t>
             </a:fld>
             <a:endParaRPr lang="en-US" dirty="0"/>
           </a:p>
@@ -2336,7 +2336,7 @@
           <a:p>
             <a:fld id="{48A87A34-81AB-432B-8DAE-1953F412C126}" type="datetimeFigureOut">
               <a:rPr lang="en-US" dirty="0"/>
-              <a:t>10/20/2019</a:t>
+              <a:t>10/21/2019</a:t>
             </a:fld>
             <a:endParaRPr lang="en-US" dirty="0"/>
           </a:p>
@@ -2777,7 +2777,7 @@
             <a:fld id="{48A87A34-81AB-432B-8DAE-1953F412C126}" type="datetimeFigureOut">
               <a:rPr lang="en-US" dirty="0"/>
               <a:pPr/>
-              <a:t>10/20/2019</a:t>
+              <a:t>10/21/2019</a:t>
             </a:fld>
             <a:endParaRPr lang="en-US" dirty="0"/>
           </a:p>
@@ -3100,7 +3100,7 @@
             <a:fld id="{48A87A34-81AB-432B-8DAE-1953F412C126}" type="datetimeFigureOut">
               <a:rPr lang="en-US" dirty="0"/>
               <a:pPr/>
-              <a:t>10/20/2019</a:t>
+              <a:t>10/21/2019</a:t>
             </a:fld>
             <a:endParaRPr lang="en-US" dirty="0"/>
           </a:p>
@@ -3646,7 +3646,7 @@
             </a:r>
             <a:r>
               <a:rPr lang="en-US" dirty="0"/>
-              <a:t> and objects of JavaScript and php</a:t>
+              <a:t> and objects with JavaScript and php</a:t>
             </a:r>
           </a:p>
         </p:txBody>
@@ -3699,12 +3699,14 @@
         </p:nvSpPr>
         <p:spPr/>
         <p:txBody>
-          <a:bodyPr/>
-          <a:lstStyle/>
-          <a:p>
-            <a:r>
-              <a:rPr lang="en-US" dirty="0"/>
-              <a:t>Object 1</a:t>
+          <a:bodyPr>
+            <a:normAutofit/>
+          </a:bodyPr>
+          <a:lstStyle/>
+          <a:p>
+            <a:r>
+              <a:rPr lang="en-US" dirty="0"/>
+              <a:t>Objects in C++</a:t>
             </a:r>
             <a:br>
               <a:rPr lang="en-US" dirty="0"/>
@@ -6531,7 +6533,7 @@
           <p:nvPr>
             <p:extLst>
               <p:ext uri="{D42A27DB-BD31-4B8C-83A1-F6EECF244321}">
-                <p14:modId xmlns:p14="http://schemas.microsoft.com/office/powerpoint/2010/main" val="294860895"/>
+                <p14:modId xmlns:p14="http://schemas.microsoft.com/office/powerpoint/2010/main" val="2570014500"/>
               </p:ext>
             </p:extLst>
           </p:nvPr>
@@ -6840,7 +6842,7 @@
                       </a:pPr>
                       <a:r>
                         <a:rPr lang="en-US" sz="1400" dirty="0"/>
-                        <a:t>4 Classes so far</a:t>
+                        <a:t>Classes</a:t>
                       </a:r>
                     </a:p>
                     <a:p>
@@ -6995,7 +6997,7 @@
           <p:nvPr>
             <p:extLst>
               <p:ext uri="{D42A27DB-BD31-4B8C-83A1-F6EECF244321}">
-                <p14:modId xmlns:p14="http://schemas.microsoft.com/office/powerpoint/2010/main" val="4162189919"/>
+                <p14:modId xmlns:p14="http://schemas.microsoft.com/office/powerpoint/2010/main" val="1611849353"/>
               </p:ext>
             </p:extLst>
           </p:nvPr>
@@ -7116,7 +7118,7 @@
                       </a:pPr>
                       <a:r>
                         <a:rPr lang="en-US" dirty="0"/>
-                        <a:t>Translate user’s guess (“A2”) to array location of table(“02”)</a:t>
+                        <a:t>Translates user’s input of guess (“A2”) to array location of table(“02”)</a:t>
                       </a:r>
                     </a:p>
                   </a:txBody>
@@ -7154,7 +7156,7 @@
                       </a:pPr>
                       <a:r>
                         <a:rPr lang="en-US" sz="1400" dirty="0"/>
-                        <a:t>    =&gt; rotate the location of big and small blind</a:t>
+                        <a:t>    =&gt; rotates the order of big and small blind</a:t>
                       </a:r>
                     </a:p>
                     <a:p>
@@ -7172,7 +7174,7 @@
                       </a:pPr>
                       <a:r>
                         <a:rPr lang="en-US" sz="1400" dirty="0"/>
-                        <a:t>2. In the betting process, it changes the status of the player (players[</a:t>
+                        <a:t>2. In the betting process, it changes the status of the player (when they fold, players[</a:t>
                       </a:r>
                       <a:r>
                         <a:rPr lang="en-US" sz="1400" dirty="0" err="1"/>
@@ -7196,7 +7198,15 @@
                       </a:pPr>
                       <a:r>
                         <a:rPr lang="en-US" sz="1400" dirty="0"/>
-                        <a:t>It Decides a Winner and verifies the changes of balance for each player (</a:t>
+                        <a:t>It Decides a Winner and verifies the changes of balance for each player (players[</a:t>
+                      </a:r>
+                      <a:r>
+                        <a:rPr lang="en-US" sz="1400" dirty="0" err="1"/>
+                        <a:t>i</a:t>
+                      </a:r>
+                      <a:r>
+                        <a:rPr lang="en-US" sz="1400" dirty="0"/>
+                        <a:t>].</a:t>
                       </a:r>
                       <a:r>
                         <a:rPr lang="en-US" sz="1400" dirty="0" err="1"/>
@@ -7204,7 +7214,15 @@
                       </a:r>
                       <a:r>
                         <a:rPr lang="en-US" sz="1400" dirty="0"/>
-                        <a:t> &gt;0, betting amount &lt;</a:t>
+                        <a:t> &gt;0, betting amount &lt;players[</a:t>
+                      </a:r>
+                      <a:r>
+                        <a:rPr lang="en-US" sz="1400" dirty="0" err="1"/>
+                        <a:t>i</a:t>
+                      </a:r>
+                      <a:r>
+                        <a:rPr lang="en-US" sz="1400" dirty="0"/>
+                        <a:t>].</a:t>
                       </a:r>
                       <a:r>
                         <a:rPr lang="en-US" sz="1400" dirty="0" err="1"/>
@@ -7221,7 +7239,7 @@
                       </a:pPr>
                       <a:r>
                         <a:rPr lang="en-US" sz="1400" dirty="0"/>
-                        <a:t>When a player quit, pop the player[</a:t>
+                        <a:t>When a player quit, removes the player[</a:t>
                       </a:r>
                       <a:r>
                         <a:rPr lang="en-US" sz="1400" dirty="0" err="1"/>
@@ -7229,7 +7247,7 @@
                       </a:r>
                       <a:r>
                         <a:rPr lang="en-US" sz="1400" dirty="0"/>
-                        <a:t>] object</a:t>
+                        <a:t>]’s object</a:t>
                       </a:r>
                     </a:p>
                     <a:p>
@@ -7238,7 +7256,7 @@
                       </a:pPr>
                       <a:r>
                         <a:rPr lang="en-US" sz="1400" dirty="0"/>
-                        <a:t>When a player took all the balance of other players or all the players quit, it terminates the game.</a:t>
+                        <a:t>When a player took all the balance of other players or all the players quit, then it terminates the game.</a:t>
                       </a:r>
                     </a:p>
                     <a:p>
@@ -7247,7 +7265,7 @@
                       </a:pPr>
                       <a:r>
                         <a:rPr lang="en-US" sz="1400" dirty="0"/>
-                        <a:t>It asks if players want to do another game and prepare next game with resetting players.</a:t>
+                        <a:t>It asks if players want to do another game and prepare the next game with resetting players.</a:t>
                       </a:r>
                     </a:p>
                   </a:txBody>
@@ -7393,7 +7411,7 @@
           <a:p>
             <a:r>
               <a:rPr lang="en-US" dirty="0"/>
-              <a:t>Display various message depending on each event like examples in the previous table</a:t>
+              <a:t>Display various message depending on each event</a:t>
             </a:r>
           </a:p>
           <a:p>
@@ -9886,7 +9904,7 @@
           <p:nvPr>
             <p:extLst>
               <p:ext uri="{D42A27DB-BD31-4B8C-83A1-F6EECF244321}">
-                <p14:modId xmlns:p14="http://schemas.microsoft.com/office/powerpoint/2010/main" val="1741401834"/>
+                <p14:modId xmlns:p14="http://schemas.microsoft.com/office/powerpoint/2010/main" val="3776804683"/>
               </p:ext>
             </p:extLst>
           </p:nvPr>
@@ -10034,7 +10052,10 @@
                     <a:bodyPr/>
                     <a:lstStyle/>
                     <a:p>
-                      <a:endParaRPr lang="en-US" dirty="0"/>
+                      <a:r>
+                        <a:rPr lang="en-US" dirty="0"/>
+                        <a:t>Three of a kind + a pair</a:t>
+                      </a:r>
                     </a:p>
                   </a:txBody>
                   <a:tcPr/>
@@ -11347,7 +11368,7 @@
           <a:p>
             <a:r>
               <a:rPr lang="en-US" dirty="0"/>
-              <a:t>Object 1</a:t>
+              <a:t>Objects in C++</a:t>
             </a:r>
             <a:br>
               <a:rPr lang="en-US" dirty="0"/>
@@ -11649,12 +11670,14 @@
         </p:nvSpPr>
         <p:spPr/>
         <p:txBody>
-          <a:bodyPr/>
-          <a:lstStyle/>
-          <a:p>
-            <a:r>
-              <a:rPr lang="en-US" dirty="0"/>
-              <a:t>Object 2</a:t>
+          <a:bodyPr>
+            <a:normAutofit/>
+          </a:bodyPr>
+          <a:lstStyle/>
+          <a:p>
+            <a:r>
+              <a:rPr lang="en-US" dirty="0"/>
+              <a:t>Objects in C++</a:t>
             </a:r>
             <a:br>
               <a:rPr lang="en-US" dirty="0"/>
